--- a/Presentation.pptx
+++ b/Presentation.pptx
@@ -7,6 +7,14 @@
   <p:sldIdLst>
     <p:sldId id="256" r:id="rId2"/>
     <p:sldId id="257" r:id="rId3"/>
+    <p:sldId id="259" r:id="rId4"/>
+    <p:sldId id="260" r:id="rId5"/>
+    <p:sldId id="262" r:id="rId6"/>
+    <p:sldId id="261" r:id="rId7"/>
+    <p:sldId id="263" r:id="rId8"/>
+    <p:sldId id="264" r:id="rId9"/>
+    <p:sldId id="265" r:id="rId10"/>
+    <p:sldId id="266" r:id="rId11"/>
   </p:sldIdLst>
   <p:sldSz cx="12192000" cy="6858000"/>
   <p:notesSz cx="6858000" cy="9144000"/>
@@ -105,6 +113,11 @@
       </a:defRPr>
     </a:lvl9pPr>
   </p:defaultTextStyle>
+  <p:extLst>
+    <p:ext uri="{EFAFB233-063F-42B5-8137-9DF3F51BA10A}">
+      <p15:sldGuideLst xmlns:p15="http://schemas.microsoft.com/office/powerpoint/2012/main"/>
+    </p:ext>
+  </p:extLst>
 </p:presentation>
 </file>
 
@@ -6423,6 +6436,475 @@
 </p:sld>
 </file>
 
+<file path=ppt/slides/slide10.xml><?xml version="1.0" encoding="utf-8"?>
+<p:sld xmlns:a="http://schemas.openxmlformats.org/drawingml/2006/main" xmlns:r="http://schemas.openxmlformats.org/officeDocument/2006/relationships" xmlns:p="http://schemas.openxmlformats.org/presentationml/2006/main">
+  <p:cSld>
+    <p:spTree>
+      <p:nvGrpSpPr>
+        <p:cNvPr id="1" name="">
+          <a:extLst>
+            <a:ext uri="{FF2B5EF4-FFF2-40B4-BE49-F238E27FC236}">
+              <a16:creationId xmlns:a16="http://schemas.microsoft.com/office/drawing/2014/main" id="{2478D99D-9FE3-E5C1-7BA7-65F983E5ECCA}"/>
+            </a:ext>
+          </a:extLst>
+        </p:cNvPr>
+        <p:cNvGrpSpPr/>
+        <p:nvPr/>
+      </p:nvGrpSpPr>
+      <p:grpSpPr>
+        <a:xfrm>
+          <a:off x="0" y="0"/>
+          <a:ext cx="0" cy="0"/>
+          <a:chOff x="0" y="0"/>
+          <a:chExt cx="0" cy="0"/>
+        </a:xfrm>
+      </p:grpSpPr>
+      <p:sp>
+        <p:nvSpPr>
+          <p:cNvPr id="2" name="Title 1">
+            <a:extLst>
+              <a:ext uri="{FF2B5EF4-FFF2-40B4-BE49-F238E27FC236}">
+                <a16:creationId xmlns:a16="http://schemas.microsoft.com/office/drawing/2014/main" id="{47741283-E310-91E8-6EEE-C01EDA1E4185}"/>
+              </a:ext>
+            </a:extLst>
+          </p:cNvPr>
+          <p:cNvSpPr>
+            <a:spLocks noGrp="1"/>
+          </p:cNvSpPr>
+          <p:nvPr>
+            <p:ph type="title"/>
+          </p:nvPr>
+        </p:nvSpPr>
+        <p:spPr>
+          <a:xfrm>
+            <a:off x="913795" y="609600"/>
+            <a:ext cx="10656534" cy="632604"/>
+          </a:xfrm>
+        </p:spPr>
+        <p:txBody>
+          <a:bodyPr>
+            <a:normAutofit fontScale="90000"/>
+          </a:bodyPr>
+          <a:lstStyle/>
+          <a:p>
+            <a:pPr algn="l"/>
+            <a:r>
+              <a:rPr lang="en-US" dirty="0"/>
+              <a:t>3. Dependency trees</a:t>
+            </a:r>
+            <a:br>
+              <a:rPr lang="en-US" dirty="0"/>
+            </a:br>
+            <a:endParaRPr lang="en-GB" dirty="0"/>
+          </a:p>
+        </p:txBody>
+      </p:sp>
+      <p:sp>
+        <p:nvSpPr>
+          <p:cNvPr id="3" name="Content Placeholder 2">
+            <a:extLst>
+              <a:ext uri="{FF2B5EF4-FFF2-40B4-BE49-F238E27FC236}">
+                <a16:creationId xmlns:a16="http://schemas.microsoft.com/office/drawing/2014/main" id="{6D919D79-741C-2A23-DB49-970BC7A4B375}"/>
+              </a:ext>
+            </a:extLst>
+          </p:cNvPr>
+          <p:cNvSpPr>
+            <a:spLocks noGrp="1"/>
+          </p:cNvSpPr>
+          <p:nvPr>
+            <p:ph idx="1"/>
+          </p:nvPr>
+        </p:nvSpPr>
+        <p:spPr>
+          <a:xfrm>
+            <a:off x="913795" y="1242204"/>
+            <a:ext cx="10919084" cy="5439253"/>
+          </a:xfrm>
+        </p:spPr>
+        <p:txBody>
+          <a:bodyPr>
+            <a:normAutofit/>
+          </a:bodyPr>
+          <a:lstStyle/>
+          <a:p>
+            <a:pPr marL="756900" lvl="1" indent="-342900">
+              <a:buAutoNum type="arabicPeriod"/>
+            </a:pPr>
+            <a:r>
+              <a:rPr lang="en-US" dirty="0"/>
+              <a:t>Am </a:t>
+            </a:r>
+            <a:r>
+              <a:rPr lang="en-US" dirty="0" err="1"/>
+              <a:t>incercat</a:t>
+            </a:r>
+            <a:r>
+              <a:rPr lang="en-US" dirty="0"/>
+              <a:t> </a:t>
+            </a:r>
+            <a:r>
+              <a:rPr lang="en-US" dirty="0" err="1"/>
+              <a:t>construirea</a:t>
+            </a:r>
+            <a:r>
+              <a:rPr lang="en-US" dirty="0"/>
+              <a:t> a 2 </a:t>
+            </a:r>
+            <a:r>
+              <a:rPr lang="en-US" dirty="0" err="1"/>
+              <a:t>modele</a:t>
+            </a:r>
+            <a:r>
+              <a:rPr lang="en-US" dirty="0"/>
+              <a:t> care au ca input feature POS </a:t>
+            </a:r>
+            <a:r>
+              <a:rPr lang="en-US" dirty="0" err="1"/>
+              <a:t>dependente</a:t>
+            </a:r>
+            <a:r>
+              <a:rPr lang="en-US" dirty="0"/>
+              <a:t> de context </a:t>
+            </a:r>
+            <a:r>
+              <a:rPr lang="en-US" dirty="0" err="1"/>
+              <a:t>dar</a:t>
+            </a:r>
+            <a:r>
+              <a:rPr lang="en-US" dirty="0"/>
+              <a:t> si </a:t>
+            </a:r>
+            <a:r>
+              <a:rPr lang="en-US" dirty="0" err="1"/>
+              <a:t>independente</a:t>
+            </a:r>
+            <a:r>
+              <a:rPr lang="en-US" dirty="0"/>
+              <a:t> de context</a:t>
+            </a:r>
+          </a:p>
+          <a:p>
+            <a:pPr marL="756900" lvl="1" indent="-342900">
+              <a:buAutoNum type="arabicPeriod"/>
+            </a:pPr>
+            <a:r>
+              <a:rPr lang="en-US" dirty="0" err="1"/>
+              <a:t>Pentru</a:t>
+            </a:r>
+            <a:r>
+              <a:rPr lang="en-US" dirty="0"/>
+              <a:t> </a:t>
+            </a:r>
+            <a:r>
+              <a:rPr lang="en-US" dirty="0" err="1"/>
+              <a:t>cele</a:t>
+            </a:r>
+            <a:r>
+              <a:rPr lang="en-US" dirty="0"/>
+              <a:t> </a:t>
+            </a:r>
+            <a:r>
+              <a:rPr lang="en-US" dirty="0" err="1"/>
+              <a:t>dependente</a:t>
+            </a:r>
+            <a:r>
+              <a:rPr lang="en-US" dirty="0"/>
+              <a:t> de context am </a:t>
+            </a:r>
+            <a:r>
+              <a:rPr lang="en-US" dirty="0" err="1"/>
+              <a:t>folosit</a:t>
+            </a:r>
+            <a:r>
+              <a:rPr lang="en-US" dirty="0"/>
+              <a:t> </a:t>
+            </a:r>
+            <a:r>
+              <a:rPr lang="en-US" dirty="0" err="1"/>
+              <a:t>biblioteca</a:t>
+            </a:r>
+            <a:r>
+              <a:rPr lang="en-US" dirty="0"/>
+              <a:t> </a:t>
+            </a:r>
+            <a:r>
+              <a:rPr lang="en-US" dirty="0" err="1"/>
+              <a:t>spaCy</a:t>
+            </a:r>
+            <a:r>
+              <a:rPr lang="en-US" dirty="0"/>
+              <a:t> </a:t>
+            </a:r>
+          </a:p>
+          <a:p>
+            <a:pPr marL="756900" lvl="1" indent="-342900">
+              <a:buAutoNum type="arabicPeriod"/>
+            </a:pPr>
+            <a:r>
+              <a:rPr lang="en-US" dirty="0"/>
+              <a:t>Am extras </a:t>
+            </a:r>
+            <a:r>
+              <a:rPr lang="en-US" dirty="0" err="1"/>
+              <a:t>partile</a:t>
+            </a:r>
+            <a:r>
+              <a:rPr lang="en-US" dirty="0"/>
+              <a:t> de </a:t>
+            </a:r>
+            <a:r>
+              <a:rPr lang="en-US" dirty="0" err="1"/>
+              <a:t>vorbire</a:t>
+            </a:r>
+            <a:r>
+              <a:rPr lang="en-US" dirty="0"/>
+              <a:t> si am </a:t>
+            </a:r>
+            <a:r>
+              <a:rPr lang="en-US" dirty="0" err="1"/>
+              <a:t>retinut</a:t>
+            </a:r>
+            <a:r>
+              <a:rPr lang="en-US" dirty="0"/>
+              <a:t> </a:t>
+            </a:r>
+            <a:r>
+              <a:rPr lang="en-US" dirty="0" err="1"/>
+              <a:t>primele</a:t>
+            </a:r>
+            <a:r>
+              <a:rPr lang="en-US" dirty="0"/>
+              <a:t> 10 </a:t>
+            </a:r>
+            <a:r>
+              <a:rPr lang="en-US" dirty="0" err="1"/>
+              <a:t>cele</a:t>
+            </a:r>
+            <a:r>
+              <a:rPr lang="en-US" dirty="0"/>
+              <a:t> </a:t>
+            </a:r>
+            <a:r>
+              <a:rPr lang="en-US" dirty="0" err="1"/>
+              <a:t>mai</a:t>
+            </a:r>
+            <a:r>
+              <a:rPr lang="en-US" dirty="0"/>
+              <a:t> </a:t>
+            </a:r>
+            <a:r>
+              <a:rPr lang="en-US" dirty="0" err="1"/>
+              <a:t>frecvente</a:t>
+            </a:r>
+            <a:r>
+              <a:rPr lang="en-US" dirty="0"/>
+              <a:t> parti de </a:t>
+            </a:r>
+            <a:r>
+              <a:rPr lang="en-US" dirty="0" err="1"/>
+              <a:t>vorbire</a:t>
+            </a:r>
+            <a:endParaRPr lang="en-US" dirty="0"/>
+          </a:p>
+          <a:p>
+            <a:pPr marL="756900" lvl="1" indent="-342900">
+              <a:buAutoNum type="arabicPeriod"/>
+            </a:pPr>
+            <a:r>
+              <a:rPr lang="en-US" dirty="0"/>
+              <a:t>Ca model </a:t>
+            </a:r>
+            <a:r>
+              <a:rPr lang="en-US" dirty="0" err="1"/>
+              <a:t>este</a:t>
+            </a:r>
+            <a:r>
+              <a:rPr lang="en-US" dirty="0"/>
+              <a:t> </a:t>
+            </a:r>
+            <a:r>
+              <a:rPr lang="en-US" dirty="0" err="1"/>
+              <a:t>cel</a:t>
+            </a:r>
+            <a:r>
+              <a:rPr lang="en-US" dirty="0"/>
+              <a:t> </a:t>
+            </a:r>
+            <a:r>
+              <a:rPr lang="en-US" dirty="0" err="1"/>
+              <a:t>folosit</a:t>
+            </a:r>
+            <a:r>
+              <a:rPr lang="en-US" dirty="0"/>
+              <a:t> </a:t>
+            </a:r>
+            <a:r>
+              <a:rPr lang="en-US" dirty="0" err="1"/>
+              <a:t>mai</a:t>
+            </a:r>
+            <a:r>
+              <a:rPr lang="en-US" dirty="0"/>
+              <a:t> </a:t>
+            </a:r>
+            <a:r>
+              <a:rPr lang="en-US" dirty="0" err="1"/>
+              <a:t>devreme</a:t>
+            </a:r>
+            <a:r>
+              <a:rPr lang="en-US" dirty="0"/>
+              <a:t>, Logistic Regression cu </a:t>
+            </a:r>
+            <a:r>
+              <a:rPr lang="en-US" dirty="0" err="1"/>
+              <a:t>L2</a:t>
+            </a:r>
+            <a:endParaRPr lang="en-US" dirty="0"/>
+          </a:p>
+          <a:p>
+            <a:pPr marL="756900" lvl="1" indent="-342900">
+              <a:buAutoNum type="arabicPeriod"/>
+            </a:pPr>
+            <a:r>
+              <a:rPr lang="en-US" dirty="0" err="1"/>
+              <a:t>Pentru</a:t>
+            </a:r>
+            <a:r>
+              <a:rPr lang="en-US" dirty="0"/>
+              <a:t> </a:t>
+            </a:r>
+            <a:r>
+              <a:rPr lang="en-US" dirty="0" err="1"/>
+              <a:t>cele</a:t>
+            </a:r>
+            <a:r>
+              <a:rPr lang="en-US" dirty="0"/>
+              <a:t> </a:t>
+            </a:r>
+            <a:r>
+              <a:rPr lang="en-US" dirty="0" err="1"/>
+              <a:t>independente</a:t>
+            </a:r>
+            <a:r>
+              <a:rPr lang="en-US" dirty="0"/>
+              <a:t> de context am </a:t>
+            </a:r>
+            <a:r>
+              <a:rPr lang="en-US" dirty="0" err="1"/>
+              <a:t>incercat</a:t>
+            </a:r>
+            <a:r>
+              <a:rPr lang="en-US" dirty="0"/>
+              <a:t> </a:t>
+            </a:r>
+            <a:r>
+              <a:rPr lang="en-US" dirty="0" err="1"/>
+              <a:t>folosirea</a:t>
+            </a:r>
+            <a:r>
+              <a:rPr lang="en-US" dirty="0"/>
+              <a:t> </a:t>
+            </a:r>
+            <a:r>
+              <a:rPr lang="en-US" dirty="0" err="1"/>
+              <a:t>bibliotecii</a:t>
+            </a:r>
+            <a:r>
+              <a:rPr lang="en-US" dirty="0"/>
+              <a:t> NLP-Cube de la Adobe, </a:t>
+            </a:r>
+            <a:r>
+              <a:rPr lang="en-US" dirty="0" err="1"/>
+              <a:t>dar</a:t>
+            </a:r>
+            <a:r>
+              <a:rPr lang="en-US" dirty="0"/>
+              <a:t> din </a:t>
+            </a:r>
+            <a:r>
+              <a:rPr lang="en-US" dirty="0" err="1"/>
+              <a:t>pacate</a:t>
+            </a:r>
+            <a:r>
+              <a:rPr lang="en-US" dirty="0"/>
+              <a:t> </a:t>
+            </a:r>
+            <a:r>
+              <a:rPr lang="en-US" dirty="0" err="1"/>
+              <a:t>ar</a:t>
+            </a:r>
+            <a:r>
+              <a:rPr lang="en-US" dirty="0"/>
+              <a:t> </a:t>
+            </a:r>
+            <a:r>
+              <a:rPr lang="en-US" dirty="0" err="1"/>
+              <a:t>necesita</a:t>
+            </a:r>
+            <a:r>
+              <a:rPr lang="en-US" dirty="0"/>
+              <a:t> </a:t>
+            </a:r>
+            <a:r>
+              <a:rPr lang="en-US" dirty="0" err="1"/>
+              <a:t>prea</a:t>
+            </a:r>
+            <a:r>
+              <a:rPr lang="en-US" dirty="0"/>
+              <a:t> </a:t>
+            </a:r>
+            <a:r>
+              <a:rPr lang="en-US" dirty="0" err="1"/>
+              <a:t>multe</a:t>
+            </a:r>
+            <a:r>
+              <a:rPr lang="en-US" dirty="0"/>
+              <a:t> </a:t>
+            </a:r>
+            <a:r>
+              <a:rPr lang="en-US" dirty="0" err="1"/>
+              <a:t>resurse</a:t>
+            </a:r>
+            <a:r>
+              <a:rPr lang="en-US" dirty="0"/>
+              <a:t>, pe care </a:t>
+            </a:r>
+            <a:r>
+              <a:rPr lang="en-US" dirty="0" err="1"/>
+              <a:t>noi</a:t>
+            </a:r>
+            <a:r>
+              <a:rPr lang="en-US" dirty="0"/>
+              <a:t> nu le </a:t>
+            </a:r>
+            <a:r>
+              <a:rPr lang="en-US" dirty="0" err="1"/>
+              <a:t>avem</a:t>
+            </a:r>
+            <a:r>
+              <a:rPr lang="en-US" dirty="0"/>
+              <a:t> la </a:t>
+            </a:r>
+            <a:r>
+              <a:rPr lang="en-US" dirty="0" err="1"/>
+              <a:t>dispozitie</a:t>
+            </a:r>
+            <a:endParaRPr lang="en-US" dirty="0"/>
+          </a:p>
+        </p:txBody>
+      </p:sp>
+    </p:spTree>
+    <p:extLst>
+      <p:ext uri="{BB962C8B-B14F-4D97-AF65-F5344CB8AC3E}">
+        <p14:creationId xmlns:p14="http://schemas.microsoft.com/office/powerpoint/2010/main" val="525628399"/>
+      </p:ext>
+    </p:extLst>
+  </p:cSld>
+  <p:clrMapOvr>
+    <a:masterClrMapping/>
+  </p:clrMapOvr>
+</p:sld>
+</file>
+
 <file path=ppt/slides/slide2.xml><?xml version="1.0" encoding="utf-8"?>
 <p:sld xmlns:a="http://schemas.openxmlformats.org/drawingml/2006/main" xmlns:r="http://schemas.openxmlformats.org/officeDocument/2006/relationships" xmlns:p="http://schemas.openxmlformats.org/presentationml/2006/main">
   <p:cSld>
@@ -6496,11 +6978,13 @@
         <p:spPr>
           <a:xfrm>
             <a:off x="913795" y="1242204"/>
-            <a:ext cx="10353762" cy="4548995"/>
+            <a:ext cx="10353762" cy="5439253"/>
           </a:xfrm>
         </p:spPr>
         <p:txBody>
-          <a:bodyPr/>
+          <a:bodyPr>
+            <a:normAutofit lnSpcReduction="10000"/>
+          </a:bodyPr>
           <a:lstStyle/>
           <a:p>
             <a:r>
@@ -6688,10 +7172,396 @@
               <a:t>categoriile</a:t>
             </a:r>
             <a:r>
-              <a:rPr lang="en-US"/>
-              <a:t> </a:t>
-            </a:r>
-            <a:endParaRPr lang="en-GB" dirty="0"/>
+              <a:rPr lang="en-US" dirty="0"/>
+              <a:t> de </a:t>
+            </a:r>
+            <a:r>
+              <a:rPr lang="en-US" dirty="0" err="1"/>
+              <a:t>articole</a:t>
+            </a:r>
+            <a:r>
+              <a:rPr lang="en-US" dirty="0"/>
+              <a:t> (</a:t>
+            </a:r>
+            <a:r>
+              <a:rPr lang="en-US" dirty="0" err="1"/>
+              <a:t>politica</a:t>
+            </a:r>
+            <a:r>
+              <a:rPr lang="en-US" dirty="0"/>
+              <a:t>, </a:t>
+            </a:r>
+            <a:r>
+              <a:rPr lang="en-US" dirty="0" err="1"/>
+              <a:t>economie</a:t>
+            </a:r>
+            <a:r>
+              <a:rPr lang="en-US" dirty="0"/>
+              <a:t>, social, sport, </a:t>
+            </a:r>
+            <a:r>
+              <a:rPr lang="en-US" dirty="0" err="1"/>
+              <a:t>cultura</a:t>
+            </a:r>
+            <a:r>
+              <a:rPr lang="en-US" dirty="0"/>
+              <a:t>, </a:t>
+            </a:r>
+            <a:r>
+              <a:rPr lang="en-US" dirty="0" err="1"/>
+              <a:t>stiri</a:t>
+            </a:r>
+            <a:r>
+              <a:rPr lang="en-US" dirty="0"/>
+              <a:t>, </a:t>
+            </a:r>
+            <a:r>
+              <a:rPr lang="en-US" dirty="0" err="1"/>
+              <a:t>divertisment</a:t>
+            </a:r>
+            <a:r>
+              <a:rPr lang="en-US" dirty="0"/>
+              <a:t>, </a:t>
+            </a:r>
+            <a:r>
+              <a:rPr lang="en-US" dirty="0" err="1"/>
+              <a:t>tehnologie</a:t>
+            </a:r>
+            <a:r>
+              <a:rPr lang="en-US" dirty="0"/>
+              <a:t>, </a:t>
+            </a:r>
+            <a:r>
+              <a:rPr lang="en-US" dirty="0" err="1"/>
+              <a:t>sanatate</a:t>
+            </a:r>
+            <a:r>
+              <a:rPr lang="en-US" dirty="0"/>
+              <a:t>, auto, </a:t>
+            </a:r>
+            <a:r>
+              <a:rPr lang="en-US" dirty="0" err="1"/>
+              <a:t>turism</a:t>
+            </a:r>
+            <a:r>
+              <a:rPr lang="en-US" dirty="0"/>
+              <a:t>, lifestyle, </a:t>
+            </a:r>
+            <a:r>
+              <a:rPr lang="en-US" dirty="0" err="1"/>
+              <a:t>educatie</a:t>
+            </a:r>
+            <a:r>
+              <a:rPr lang="en-US" dirty="0"/>
+              <a:t>, locale, </a:t>
+            </a:r>
+            <a:r>
+              <a:rPr lang="en-US" dirty="0" err="1"/>
+              <a:t>justitie</a:t>
+            </a:r>
+            <a:r>
+              <a:rPr lang="en-US" dirty="0"/>
+              <a:t>, diverse)</a:t>
+            </a:r>
+          </a:p>
+          <a:p>
+            <a:r>
+              <a:rPr lang="en-US" dirty="0" err="1"/>
+              <a:t>Antrenarea</a:t>
+            </a:r>
+            <a:r>
+              <a:rPr lang="en-US" dirty="0"/>
+              <a:t> </a:t>
+            </a:r>
+            <a:r>
+              <a:rPr lang="en-US" dirty="0" err="1"/>
+              <a:t>unor</a:t>
+            </a:r>
+            <a:r>
+              <a:rPr lang="en-US" dirty="0"/>
+              <a:t> </a:t>
+            </a:r>
+            <a:r>
+              <a:rPr lang="en-US" dirty="0" err="1"/>
+              <a:t>clasificatori</a:t>
+            </a:r>
+            <a:r>
+              <a:rPr lang="en-US" dirty="0"/>
+              <a:t> </a:t>
+            </a:r>
+            <a:r>
+              <a:rPr lang="en-US" dirty="0" err="1"/>
+              <a:t>binari</a:t>
+            </a:r>
+            <a:r>
+              <a:rPr lang="en-US" dirty="0"/>
+              <a:t> </a:t>
+            </a:r>
+            <a:r>
+              <a:rPr lang="en-US" dirty="0" err="1"/>
+              <a:t>pentru</a:t>
+            </a:r>
+            <a:r>
+              <a:rPr lang="en-US" dirty="0"/>
+              <a:t> a </a:t>
+            </a:r>
+            <a:r>
+              <a:rPr lang="en-US" dirty="0" err="1"/>
+              <a:t>vedea</a:t>
+            </a:r>
+            <a:r>
+              <a:rPr lang="en-US" dirty="0"/>
+              <a:t> </a:t>
+            </a:r>
+            <a:r>
+              <a:rPr lang="en-US" dirty="0" err="1"/>
+              <a:t>daca</a:t>
+            </a:r>
+            <a:r>
+              <a:rPr lang="en-US" dirty="0"/>
+              <a:t> </a:t>
+            </a:r>
+            <a:r>
+              <a:rPr lang="en-US" dirty="0" err="1"/>
+              <a:t>putem</a:t>
+            </a:r>
+            <a:r>
+              <a:rPr lang="en-US" dirty="0"/>
+              <a:t> </a:t>
+            </a:r>
+            <a:r>
+              <a:rPr lang="en-US" dirty="0" err="1"/>
+              <a:t>distinge</a:t>
+            </a:r>
+            <a:r>
+              <a:rPr lang="en-US" dirty="0"/>
+              <a:t> </a:t>
+            </a:r>
+            <a:r>
+              <a:rPr lang="en-US" dirty="0" err="1"/>
+              <a:t>intre</a:t>
+            </a:r>
+            <a:r>
+              <a:rPr lang="en-US" dirty="0"/>
+              <a:t> </a:t>
+            </a:r>
+            <a:r>
+              <a:rPr lang="en-US" dirty="0" err="1"/>
+              <a:t>cele</a:t>
+            </a:r>
+            <a:r>
+              <a:rPr lang="en-US" dirty="0"/>
+              <a:t> </a:t>
+            </a:r>
+            <a:r>
+              <a:rPr lang="en-US" dirty="0" err="1"/>
+              <a:t>doua</a:t>
+            </a:r>
+            <a:r>
+              <a:rPr lang="en-US" dirty="0"/>
+              <a:t> </a:t>
+            </a:r>
+            <a:r>
+              <a:rPr lang="en-US" dirty="0" err="1"/>
+              <a:t>clase</a:t>
+            </a:r>
+            <a:endParaRPr lang="en-US" dirty="0"/>
+          </a:p>
+          <a:p>
+            <a:pPr lvl="1"/>
+            <a:r>
+              <a:rPr lang="en-US" dirty="0"/>
+              <a:t>Un </a:t>
+            </a:r>
+            <a:r>
+              <a:rPr lang="en-US" dirty="0" err="1"/>
+              <a:t>clasificator</a:t>
+            </a:r>
+            <a:r>
+              <a:rPr lang="en-US" dirty="0"/>
+              <a:t> care are ca features direct </a:t>
+            </a:r>
+            <a:r>
+              <a:rPr lang="en-US" dirty="0" err="1"/>
+              <a:t>cuvintele</a:t>
+            </a:r>
+            <a:endParaRPr lang="en-US" dirty="0"/>
+          </a:p>
+          <a:p>
+            <a:pPr lvl="1"/>
+            <a:r>
+              <a:rPr lang="en-US" dirty="0"/>
+              <a:t>Un </a:t>
+            </a:r>
+            <a:r>
+              <a:rPr lang="en-US" dirty="0" err="1"/>
+              <a:t>clasificator</a:t>
+            </a:r>
+            <a:r>
+              <a:rPr lang="en-US" dirty="0"/>
+              <a:t> care are ca features </a:t>
+            </a:r>
+            <a:r>
+              <a:rPr lang="en-US" dirty="0" err="1"/>
+              <a:t>partile</a:t>
+            </a:r>
+            <a:r>
+              <a:rPr lang="en-US" dirty="0"/>
+              <a:t> de </a:t>
+            </a:r>
+            <a:r>
+              <a:rPr lang="en-US" dirty="0" err="1"/>
+              <a:t>vorbire</a:t>
+            </a:r>
+            <a:r>
+              <a:rPr lang="en-US" dirty="0"/>
+              <a:t> (</a:t>
+            </a:r>
+            <a:r>
+              <a:rPr lang="en-US" dirty="0" err="1"/>
+              <a:t>aici</a:t>
+            </a:r>
+            <a:r>
+              <a:rPr lang="en-US" dirty="0"/>
+              <a:t> am </a:t>
+            </a:r>
+            <a:r>
+              <a:rPr lang="en-US" dirty="0" err="1"/>
+              <a:t>folosit</a:t>
+            </a:r>
+            <a:r>
+              <a:rPr lang="en-US" dirty="0"/>
+              <a:t> spacy si </a:t>
+            </a:r>
+            <a:r>
+              <a:rPr lang="en-US" dirty="0" err="1"/>
+              <a:t>NLPCube</a:t>
+            </a:r>
+            <a:r>
+              <a:rPr lang="en-US" dirty="0"/>
+              <a:t> de la Adobe)</a:t>
+            </a:r>
+          </a:p>
+          <a:p>
+            <a:r>
+              <a:rPr lang="en-US" dirty="0" err="1"/>
+              <a:t>Generarea</a:t>
+            </a:r>
+            <a:r>
+              <a:rPr lang="en-US" dirty="0"/>
+              <a:t> </a:t>
+            </a:r>
+            <a:r>
+              <a:rPr lang="en-US" dirty="0" err="1"/>
+              <a:t>unor</a:t>
+            </a:r>
+            <a:r>
+              <a:rPr lang="en-US" dirty="0"/>
+              <a:t> dependency trees si </a:t>
+            </a:r>
+            <a:r>
+              <a:rPr lang="en-US" dirty="0" err="1"/>
+              <a:t>analiza</a:t>
+            </a:r>
+            <a:r>
+              <a:rPr lang="en-US" dirty="0"/>
+              <a:t> </a:t>
+            </a:r>
+            <a:r>
+              <a:rPr lang="en-US" dirty="0" err="1"/>
+              <a:t>celor</a:t>
+            </a:r>
+            <a:r>
+              <a:rPr lang="en-US" dirty="0"/>
+              <a:t> </a:t>
+            </a:r>
+            <a:r>
+              <a:rPr lang="en-US" dirty="0" err="1"/>
+              <a:t>mai</a:t>
+            </a:r>
+            <a:r>
+              <a:rPr lang="en-US" dirty="0"/>
+              <a:t> </a:t>
+            </a:r>
+            <a:r>
+              <a:rPr lang="en-US" dirty="0" err="1"/>
+              <a:t>intalnite</a:t>
+            </a:r>
+            <a:r>
+              <a:rPr lang="en-US" dirty="0"/>
+              <a:t> structure </a:t>
+            </a:r>
+            <a:r>
+              <a:rPr lang="en-US" dirty="0" err="1"/>
+              <a:t>statistice</a:t>
+            </a:r>
+            <a:r>
+              <a:rPr lang="en-US" dirty="0"/>
+              <a:t> din </a:t>
+            </a:r>
+            <a:r>
+              <a:rPr lang="en-US" dirty="0" err="1"/>
+              <a:t>fiecare</a:t>
+            </a:r>
+            <a:r>
+              <a:rPr lang="en-US" dirty="0"/>
+              <a:t> </a:t>
+            </a:r>
+            <a:r>
+              <a:rPr lang="en-US" dirty="0" err="1"/>
+              <a:t>clasa</a:t>
+            </a:r>
+            <a:endParaRPr lang="en-US" dirty="0"/>
+          </a:p>
+          <a:p>
+            <a:r>
+              <a:rPr lang="en-US" dirty="0" err="1"/>
+              <a:t>Constructia</a:t>
+            </a:r>
+            <a:r>
+              <a:rPr lang="en-US" dirty="0"/>
+              <a:t> </a:t>
+            </a:r>
+            <a:r>
+              <a:rPr lang="en-US" dirty="0" err="1"/>
+              <a:t>unui</a:t>
+            </a:r>
+            <a:r>
+              <a:rPr lang="en-US" dirty="0"/>
+              <a:t> model care </a:t>
+            </a:r>
+            <a:r>
+              <a:rPr lang="en-US" dirty="0" err="1"/>
+              <a:t>generaza</a:t>
+            </a:r>
+            <a:r>
+              <a:rPr lang="en-US" dirty="0"/>
+              <a:t> </a:t>
+            </a:r>
+            <a:r>
+              <a:rPr lang="en-US" dirty="0" err="1"/>
+              <a:t>propozitii</a:t>
+            </a:r>
+            <a:r>
+              <a:rPr lang="en-US" dirty="0"/>
+              <a:t> in </a:t>
+            </a:r>
+            <a:r>
+              <a:rPr lang="en-US" dirty="0" err="1"/>
+              <a:t>limba</a:t>
+            </a:r>
+            <a:r>
+              <a:rPr lang="en-US" dirty="0"/>
+              <a:t> </a:t>
+            </a:r>
+            <a:r>
+              <a:rPr lang="en-US" dirty="0" err="1"/>
+              <a:t>romana</a:t>
+            </a:r>
+            <a:r>
+              <a:rPr lang="en-US" dirty="0"/>
+              <a:t> din Romana si Moldova, separate</a:t>
+            </a:r>
           </a:p>
         </p:txBody>
       </p:sp>
@@ -6699,6 +7569,2940 @@
     <p:extLst>
       <p:ext uri="{BB962C8B-B14F-4D97-AF65-F5344CB8AC3E}">
         <p14:creationId xmlns:p14="http://schemas.microsoft.com/office/powerpoint/2010/main" val="3020722605"/>
+      </p:ext>
+    </p:extLst>
+  </p:cSld>
+  <p:clrMapOvr>
+    <a:masterClrMapping/>
+  </p:clrMapOvr>
+</p:sld>
+</file>
+
+<file path=ppt/slides/slide3.xml><?xml version="1.0" encoding="utf-8"?>
+<p:sld xmlns:a="http://schemas.openxmlformats.org/drawingml/2006/main" xmlns:r="http://schemas.openxmlformats.org/officeDocument/2006/relationships" xmlns:p="http://schemas.openxmlformats.org/presentationml/2006/main">
+  <p:cSld>
+    <p:bg>
+      <p:bgPr>
+        <a:blipFill rotWithShape="1">
+          <a:blip r:embed="rId2">
+            <a:duotone>
+              <a:schemeClr val="bg1">
+                <a:shade val="80000"/>
+                <a:lumMod val="80000"/>
+              </a:schemeClr>
+              <a:schemeClr val="bg1">
+                <a:tint val="98000"/>
+              </a:schemeClr>
+            </a:duotone>
+          </a:blip>
+          <a:stretch/>
+        </a:blipFill>
+        <a:effectLst/>
+      </p:bgPr>
+    </p:bg>
+    <p:spTree>
+      <p:nvGrpSpPr>
+        <p:cNvPr id="1" name="">
+          <a:extLst>
+            <a:ext uri="{FF2B5EF4-FFF2-40B4-BE49-F238E27FC236}">
+              <a16:creationId xmlns:a16="http://schemas.microsoft.com/office/drawing/2014/main" id="{45AD096F-651E-CB20-D61E-8F23BDD77830}"/>
+            </a:ext>
+          </a:extLst>
+        </p:cNvPr>
+        <p:cNvGrpSpPr/>
+        <p:nvPr/>
+      </p:nvGrpSpPr>
+      <p:grpSpPr>
+        <a:xfrm>
+          <a:off x="0" y="0"/>
+          <a:ext cx="0" cy="0"/>
+          <a:chOff x="0" y="0"/>
+          <a:chExt cx="0" cy="0"/>
+        </a:xfrm>
+      </p:grpSpPr>
+      <p:sp useBgFill="1">
+        <p:nvSpPr>
+          <p:cNvPr id="10" name="Rectangle 9">
+            <a:extLst>
+              <a:ext uri="{FF2B5EF4-FFF2-40B4-BE49-F238E27FC236}">
+                <a16:creationId xmlns:a16="http://schemas.microsoft.com/office/drawing/2014/main" id="{1B3897FC-A693-4656-8FCD-CF609C3BDF8D}"/>
+              </a:ext>
+              <a:ext uri="{C183D7F6-B498-43B3-948B-1728B52AA6E4}">
+                <adec:decorative xmlns:adec="http://schemas.microsoft.com/office/drawing/2017/decorative" val="1"/>
+              </a:ext>
+            </a:extLst>
+          </p:cNvPr>
+          <p:cNvSpPr>
+            <a:spLocks noGrp="1" noRot="1" noChangeAspect="1" noMove="1" noResize="1" noEditPoints="1" noAdjustHandles="1" noChangeArrowheads="1" noChangeShapeType="1" noTextEdit="1"/>
+          </p:cNvSpPr>
+          <p:nvPr>
+            <p:extLst>
+              <p:ext uri="{386F3935-93C4-4BCD-93E2-E3B085C9AB24}">
+                <p16:designElem xmlns:p16="http://schemas.microsoft.com/office/powerpoint/2015/main" val="1"/>
+              </p:ext>
+            </p:extLst>
+          </p:nvPr>
+        </p:nvSpPr>
+        <p:spPr>
+          <a:xfrm>
+            <a:off x="0" y="0"/>
+            <a:ext cx="12192000" cy="6858000"/>
+          </a:xfrm>
+          <a:prstGeom prst="rect">
+            <a:avLst/>
+          </a:prstGeom>
+          <a:ln>
+            <a:noFill/>
+          </a:ln>
+        </p:spPr>
+        <p:style>
+          <a:lnRef idx="2">
+            <a:schemeClr val="accent1">
+              <a:shade val="50000"/>
+            </a:schemeClr>
+          </a:lnRef>
+          <a:fillRef idx="1">
+            <a:schemeClr val="accent1"/>
+          </a:fillRef>
+          <a:effectRef idx="0">
+            <a:schemeClr val="accent1"/>
+          </a:effectRef>
+          <a:fontRef idx="minor">
+            <a:schemeClr val="lt1"/>
+          </a:fontRef>
+        </p:style>
+        <p:txBody>
+          <a:bodyPr rtlCol="0" anchor="ctr"/>
+          <a:lstStyle/>
+          <a:p>
+            <a:pPr algn="ctr"/>
+            <a:endParaRPr lang="en-US"/>
+          </a:p>
+        </p:txBody>
+      </p:sp>
+      <p:sp>
+        <p:nvSpPr>
+          <p:cNvPr id="2" name="Title 1">
+            <a:extLst>
+              <a:ext uri="{FF2B5EF4-FFF2-40B4-BE49-F238E27FC236}">
+                <a16:creationId xmlns:a16="http://schemas.microsoft.com/office/drawing/2014/main" id="{B4D22C2D-11E2-5061-D50E-5C84EFB1F375}"/>
+              </a:ext>
+            </a:extLst>
+          </p:cNvPr>
+          <p:cNvSpPr>
+            <a:spLocks noGrp="1"/>
+          </p:cNvSpPr>
+          <p:nvPr>
+            <p:ph type="title"/>
+          </p:nvPr>
+        </p:nvSpPr>
+        <p:spPr>
+          <a:xfrm>
+            <a:off x="707900" y="643467"/>
+            <a:ext cx="3946393" cy="1956298"/>
+          </a:xfrm>
+        </p:spPr>
+        <p:txBody>
+          <a:bodyPr>
+            <a:normAutofit/>
+          </a:bodyPr>
+          <a:lstStyle/>
+          <a:p>
+            <a:pPr algn="l"/>
+            <a:r>
+              <a:rPr lang="en-US" sz="3600"/>
+              <a:t>1. Colectarea datelor</a:t>
+            </a:r>
+            <a:endParaRPr lang="en-GB" sz="3600"/>
+          </a:p>
+        </p:txBody>
+      </p:sp>
+      <p:sp>
+        <p:nvSpPr>
+          <p:cNvPr id="3" name="Content Placeholder 2">
+            <a:extLst>
+              <a:ext uri="{FF2B5EF4-FFF2-40B4-BE49-F238E27FC236}">
+                <a16:creationId xmlns:a16="http://schemas.microsoft.com/office/drawing/2014/main" id="{EF072E21-9872-D50F-656D-04EFCE99ECEE}"/>
+              </a:ext>
+            </a:extLst>
+          </p:cNvPr>
+          <p:cNvSpPr>
+            <a:spLocks noGrp="1"/>
+          </p:cNvSpPr>
+          <p:nvPr>
+            <p:ph idx="1"/>
+          </p:nvPr>
+        </p:nvSpPr>
+        <p:spPr>
+          <a:xfrm>
+            <a:off x="5139768" y="643467"/>
+            <a:ext cx="6430560" cy="1956298"/>
+          </a:xfrm>
+        </p:spPr>
+        <p:txBody>
+          <a:bodyPr anchor="ctr">
+            <a:normAutofit/>
+          </a:bodyPr>
+          <a:lstStyle/>
+          <a:p>
+            <a:pPr>
+              <a:lnSpc>
+                <a:spcPct val="90000"/>
+              </a:lnSpc>
+            </a:pPr>
+            <a:r>
+              <a:rPr lang="en-US" sz="1400" dirty="0"/>
+              <a:t>Am ales 10 </a:t>
+            </a:r>
+            <a:r>
+              <a:rPr lang="en-US" sz="1400" dirty="0" err="1"/>
+              <a:t>publicatii</a:t>
+            </a:r>
+            <a:r>
+              <a:rPr lang="en-US" sz="1400" dirty="0"/>
+              <a:t> din Romania si Moldova si am extras minim 300 de </a:t>
+            </a:r>
+            <a:r>
+              <a:rPr lang="en-US" sz="1400" dirty="0" err="1"/>
+              <a:t>articole</a:t>
+            </a:r>
+            <a:r>
+              <a:rPr lang="en-US" sz="1400" dirty="0"/>
+              <a:t> per </a:t>
+            </a:r>
+            <a:r>
+              <a:rPr lang="en-US" sz="1400" dirty="0" err="1"/>
+              <a:t>ziar</a:t>
+            </a:r>
+            <a:r>
+              <a:rPr lang="en-US" sz="1400" dirty="0"/>
+              <a:t>, din </a:t>
+            </a:r>
+            <a:r>
+              <a:rPr lang="en-US" sz="1400" dirty="0" err="1"/>
+              <a:t>categoriile</a:t>
+            </a:r>
+            <a:r>
+              <a:rPr lang="en-US" sz="1400" dirty="0"/>
+              <a:t> </a:t>
+            </a:r>
+            <a:r>
+              <a:rPr lang="en-US" sz="1400" dirty="0" err="1"/>
+              <a:t>mentionate</a:t>
+            </a:r>
+            <a:r>
+              <a:rPr lang="en-US" sz="1400" dirty="0"/>
+              <a:t> in slide-</a:t>
+            </a:r>
+            <a:r>
+              <a:rPr lang="en-US" sz="1400" dirty="0" err="1"/>
+              <a:t>ul</a:t>
+            </a:r>
+            <a:r>
+              <a:rPr lang="en-US" sz="1400" dirty="0"/>
+              <a:t> anterior, </a:t>
+            </a:r>
+            <a:r>
+              <a:rPr lang="en-US" sz="1400" dirty="0" err="1"/>
+              <a:t>folosind</a:t>
+            </a:r>
+            <a:r>
+              <a:rPr lang="en-US" sz="1400" dirty="0"/>
+              <a:t> un script de </a:t>
+            </a:r>
+            <a:r>
+              <a:rPr lang="en-US" sz="1400" dirty="0" err="1"/>
+              <a:t>automatizare</a:t>
+            </a:r>
+            <a:r>
+              <a:rPr lang="en-US" sz="1400" dirty="0"/>
+              <a:t> in Python, cu </a:t>
+            </a:r>
+            <a:r>
+              <a:rPr lang="en-US" sz="1400" dirty="0" err="1"/>
+              <a:t>libraria</a:t>
+            </a:r>
+            <a:r>
+              <a:rPr lang="en-US" sz="1400" dirty="0"/>
+              <a:t> Selenium</a:t>
+            </a:r>
+          </a:p>
+          <a:p>
+            <a:pPr>
+              <a:lnSpc>
+                <a:spcPct val="90000"/>
+              </a:lnSpc>
+            </a:pPr>
+            <a:r>
+              <a:rPr lang="en-US" sz="1400" dirty="0" err="1"/>
+              <a:t>Pentru</a:t>
+            </a:r>
+            <a:r>
+              <a:rPr lang="en-US" sz="1400" dirty="0"/>
+              <a:t> </a:t>
+            </a:r>
+            <a:r>
+              <a:rPr lang="en-US" sz="1400" dirty="0" err="1"/>
+              <a:t>fiecare</a:t>
+            </a:r>
+            <a:r>
+              <a:rPr lang="en-US" sz="1400" dirty="0"/>
+              <a:t> </a:t>
+            </a:r>
+            <a:r>
+              <a:rPr lang="en-US" sz="1400" dirty="0" err="1"/>
+              <a:t>articol</a:t>
+            </a:r>
+            <a:r>
+              <a:rPr lang="en-US" sz="1400" dirty="0"/>
+              <a:t> am extras </a:t>
+            </a:r>
+            <a:r>
+              <a:rPr lang="en-US" sz="1400" dirty="0" err="1"/>
+              <a:t>atat</a:t>
+            </a:r>
+            <a:r>
+              <a:rPr lang="en-US" sz="1400" dirty="0"/>
+              <a:t> </a:t>
+            </a:r>
+            <a:r>
+              <a:rPr lang="en-US" sz="1400" dirty="0" err="1"/>
+              <a:t>textul</a:t>
+            </a:r>
+            <a:r>
+              <a:rPr lang="en-US" sz="1400" dirty="0"/>
+              <a:t> cat si metadata </a:t>
+            </a:r>
+            <a:r>
+              <a:rPr lang="en-US" sz="1400" dirty="0" err="1"/>
+              <a:t>despre</a:t>
+            </a:r>
+            <a:r>
+              <a:rPr lang="en-US" sz="1400" dirty="0"/>
+              <a:t> </a:t>
+            </a:r>
+            <a:r>
+              <a:rPr lang="en-US" sz="1400" dirty="0" err="1"/>
+              <a:t>articol</a:t>
+            </a:r>
+            <a:r>
+              <a:rPr lang="en-US" sz="1400" dirty="0"/>
+              <a:t>, precum data </a:t>
+            </a:r>
+            <a:r>
+              <a:rPr lang="en-US" sz="1400" dirty="0" err="1"/>
+              <a:t>publicarii</a:t>
+            </a:r>
+            <a:r>
+              <a:rPr lang="en-US" sz="1400" dirty="0"/>
+              <a:t>, </a:t>
+            </a:r>
+            <a:r>
+              <a:rPr lang="en-US" sz="1400" dirty="0" err="1"/>
+              <a:t>categoria</a:t>
+            </a:r>
+            <a:r>
+              <a:rPr lang="en-US" sz="1400" dirty="0"/>
+              <a:t> si </a:t>
+            </a:r>
+            <a:r>
+              <a:rPr lang="en-US" sz="1400" dirty="0" err="1"/>
+              <a:t>titlul</a:t>
+            </a:r>
+            <a:endParaRPr lang="en-US" sz="1400" dirty="0"/>
+          </a:p>
+          <a:p>
+            <a:pPr>
+              <a:lnSpc>
+                <a:spcPct val="90000"/>
+              </a:lnSpc>
+            </a:pPr>
+            <a:r>
+              <a:rPr lang="en-US" sz="1400" dirty="0"/>
+              <a:t>Am pus </a:t>
+            </a:r>
+            <a:r>
+              <a:rPr lang="en-US" sz="1400" dirty="0" err="1"/>
+              <a:t>aceste</a:t>
+            </a:r>
+            <a:r>
+              <a:rPr lang="en-US" sz="1400" dirty="0"/>
+              <a:t> date </a:t>
+            </a:r>
+            <a:r>
+              <a:rPr lang="en-US" sz="1400" dirty="0" err="1"/>
+              <a:t>intr</a:t>
+            </a:r>
+            <a:r>
+              <a:rPr lang="en-US" sz="1400" dirty="0"/>
+              <a:t>-o </a:t>
+            </a:r>
+            <a:r>
+              <a:rPr lang="en-US" sz="1400" dirty="0" err="1"/>
+              <a:t>baza</a:t>
+            </a:r>
+            <a:r>
+              <a:rPr lang="en-US" sz="1400" dirty="0"/>
+              <a:t> de date </a:t>
+            </a:r>
+            <a:r>
+              <a:rPr lang="en-US" sz="1400" dirty="0" err="1"/>
+              <a:t>atat</a:t>
+            </a:r>
+            <a:r>
+              <a:rPr lang="en-US" sz="1400" dirty="0"/>
+              <a:t> SQLite, </a:t>
+            </a:r>
+            <a:r>
+              <a:rPr lang="en-US" sz="1400" dirty="0" err="1"/>
+              <a:t>pentru</a:t>
+            </a:r>
+            <a:r>
+              <a:rPr lang="en-US" sz="1400" dirty="0"/>
+              <a:t> </a:t>
+            </a:r>
+            <a:r>
+              <a:rPr lang="en-US" sz="1400" dirty="0" err="1"/>
+              <a:t>accesarea</a:t>
+            </a:r>
+            <a:r>
+              <a:rPr lang="en-US" sz="1400" dirty="0"/>
+              <a:t> </a:t>
+            </a:r>
+            <a:r>
+              <a:rPr lang="en-US" sz="1400" dirty="0" err="1"/>
+              <a:t>mai</a:t>
+            </a:r>
+            <a:r>
+              <a:rPr lang="en-US" sz="1400" dirty="0"/>
+              <a:t> </a:t>
+            </a:r>
+            <a:r>
+              <a:rPr lang="en-US" sz="1400" dirty="0" err="1"/>
+              <a:t>facila</a:t>
+            </a:r>
+            <a:r>
+              <a:rPr lang="en-US" sz="1400" dirty="0"/>
+              <a:t> din cod, cat si in </a:t>
+            </a:r>
+            <a:r>
+              <a:rPr lang="en-US" sz="1400" dirty="0" err="1"/>
+              <a:t>fisiere</a:t>
+            </a:r>
+            <a:r>
+              <a:rPr lang="en-US" sz="1400" dirty="0"/>
+              <a:t> .txt</a:t>
+            </a:r>
+          </a:p>
+        </p:txBody>
+      </p:sp>
+      <p:pic>
+        <p:nvPicPr>
+          <p:cNvPr id="5" name="Picture 4">
+            <a:extLst>
+              <a:ext uri="{FF2B5EF4-FFF2-40B4-BE49-F238E27FC236}">
+                <a16:creationId xmlns:a16="http://schemas.microsoft.com/office/drawing/2014/main" id="{CE143AB3-44C0-2E72-FC80-63DABB3D4B11}"/>
+              </a:ext>
+            </a:extLst>
+          </p:cNvPr>
+          <p:cNvPicPr>
+            <a:picLocks noChangeAspect="1"/>
+          </p:cNvPicPr>
+          <p:nvPr/>
+        </p:nvPicPr>
+        <p:blipFill>
+          <a:blip r:embed="rId3"/>
+          <a:stretch>
+            <a:fillRect/>
+          </a:stretch>
+        </p:blipFill>
+        <p:spPr>
+          <a:xfrm>
+            <a:off x="1251013" y="2952377"/>
+            <a:ext cx="9711770" cy="3107766"/>
+          </a:xfrm>
+          <a:prstGeom prst="rect">
+            <a:avLst/>
+          </a:prstGeom>
+        </p:spPr>
+      </p:pic>
+    </p:spTree>
+    <p:extLst>
+      <p:ext uri="{BB962C8B-B14F-4D97-AF65-F5344CB8AC3E}">
+        <p14:creationId xmlns:p14="http://schemas.microsoft.com/office/powerpoint/2010/main" val="1846122313"/>
+      </p:ext>
+    </p:extLst>
+  </p:cSld>
+  <p:clrMapOvr>
+    <a:masterClrMapping/>
+  </p:clrMapOvr>
+</p:sld>
+</file>
+
+<file path=ppt/slides/slide4.xml><?xml version="1.0" encoding="utf-8"?>
+<p:sld xmlns:a="http://schemas.openxmlformats.org/drawingml/2006/main" xmlns:r="http://schemas.openxmlformats.org/officeDocument/2006/relationships" xmlns:p="http://schemas.openxmlformats.org/presentationml/2006/main">
+  <p:cSld>
+    <p:bg>
+      <p:bgPr>
+        <a:blipFill rotWithShape="1">
+          <a:blip r:embed="rId2">
+            <a:duotone>
+              <a:schemeClr val="bg1">
+                <a:shade val="80000"/>
+                <a:lumMod val="80000"/>
+              </a:schemeClr>
+              <a:schemeClr val="bg1">
+                <a:tint val="98000"/>
+              </a:schemeClr>
+            </a:duotone>
+          </a:blip>
+          <a:stretch/>
+        </a:blipFill>
+        <a:effectLst/>
+      </p:bgPr>
+    </p:bg>
+    <p:spTree>
+      <p:nvGrpSpPr>
+        <p:cNvPr id="1" name="">
+          <a:extLst>
+            <a:ext uri="{FF2B5EF4-FFF2-40B4-BE49-F238E27FC236}">
+              <a16:creationId xmlns:a16="http://schemas.microsoft.com/office/drawing/2014/main" id="{235778EF-9ADE-42D4-63F6-6BF99767BC41}"/>
+            </a:ext>
+          </a:extLst>
+        </p:cNvPr>
+        <p:cNvGrpSpPr/>
+        <p:nvPr/>
+      </p:nvGrpSpPr>
+      <p:grpSpPr>
+        <a:xfrm>
+          <a:off x="0" y="0"/>
+          <a:ext cx="0" cy="0"/>
+          <a:chOff x="0" y="0"/>
+          <a:chExt cx="0" cy="0"/>
+        </a:xfrm>
+      </p:grpSpPr>
+      <p:sp useBgFill="1">
+        <p:nvSpPr>
+          <p:cNvPr id="14" name="Rectangle 13">
+            <a:extLst>
+              <a:ext uri="{FF2B5EF4-FFF2-40B4-BE49-F238E27FC236}">
+                <a16:creationId xmlns:a16="http://schemas.microsoft.com/office/drawing/2014/main" id="{94AB646F-3BE3-47A3-B14F-9CB84F6BF5BD}"/>
+              </a:ext>
+              <a:ext uri="{C183D7F6-B498-43B3-948B-1728B52AA6E4}">
+                <adec:decorative xmlns:adec="http://schemas.microsoft.com/office/drawing/2017/decorative" val="1"/>
+              </a:ext>
+            </a:extLst>
+          </p:cNvPr>
+          <p:cNvSpPr>
+            <a:spLocks noGrp="1" noRot="1" noChangeAspect="1" noMove="1" noResize="1" noEditPoints="1" noAdjustHandles="1" noChangeArrowheads="1" noChangeShapeType="1" noTextEdit="1"/>
+          </p:cNvSpPr>
+          <p:nvPr>
+            <p:extLst>
+              <p:ext uri="{386F3935-93C4-4BCD-93E2-E3B085C9AB24}">
+                <p16:designElem xmlns:p16="http://schemas.microsoft.com/office/powerpoint/2015/main" val="1"/>
+              </p:ext>
+            </p:extLst>
+          </p:nvPr>
+        </p:nvSpPr>
+        <p:spPr>
+          <a:xfrm>
+            <a:off x="0" y="0"/>
+            <a:ext cx="12192000" cy="6858000"/>
+          </a:xfrm>
+          <a:prstGeom prst="rect">
+            <a:avLst/>
+          </a:prstGeom>
+          <a:ln>
+            <a:noFill/>
+          </a:ln>
+        </p:spPr>
+        <p:style>
+          <a:lnRef idx="2">
+            <a:schemeClr val="accent1">
+              <a:shade val="50000"/>
+            </a:schemeClr>
+          </a:lnRef>
+          <a:fillRef idx="1">
+            <a:schemeClr val="accent1"/>
+          </a:fillRef>
+          <a:effectRef idx="0">
+            <a:schemeClr val="accent1"/>
+          </a:effectRef>
+          <a:fontRef idx="minor">
+            <a:schemeClr val="lt1"/>
+          </a:fontRef>
+        </p:style>
+        <p:txBody>
+          <a:bodyPr rtlCol="0" anchor="ctr"/>
+          <a:lstStyle/>
+          <a:p>
+            <a:pPr algn="ctr"/>
+            <a:endParaRPr lang="en-US"/>
+          </a:p>
+        </p:txBody>
+      </p:sp>
+      <p:sp>
+        <p:nvSpPr>
+          <p:cNvPr id="2" name="Title 1">
+            <a:extLst>
+              <a:ext uri="{FF2B5EF4-FFF2-40B4-BE49-F238E27FC236}">
+                <a16:creationId xmlns:a16="http://schemas.microsoft.com/office/drawing/2014/main" id="{B1142A97-EBFF-BEA8-6A67-6DC683BBC928}"/>
+              </a:ext>
+            </a:extLst>
+          </p:cNvPr>
+          <p:cNvSpPr>
+            <a:spLocks noGrp="1"/>
+          </p:cNvSpPr>
+          <p:nvPr>
+            <p:ph type="title"/>
+          </p:nvPr>
+        </p:nvSpPr>
+        <p:spPr>
+          <a:xfrm>
+            <a:off x="913795" y="609599"/>
+            <a:ext cx="5978072" cy="1481150"/>
+          </a:xfrm>
+        </p:spPr>
+        <p:txBody>
+          <a:bodyPr>
+            <a:normAutofit/>
+          </a:bodyPr>
+          <a:lstStyle/>
+          <a:p>
+            <a:r>
+              <a:rPr lang="en-US" dirty="0"/>
+              <a:t>2. </a:t>
+            </a:r>
+            <a:r>
+              <a:rPr lang="en-US" dirty="0" err="1"/>
+              <a:t>Statistici</a:t>
+            </a:r>
+            <a:r>
+              <a:rPr lang="en-US" dirty="0"/>
+              <a:t> </a:t>
+            </a:r>
+            <a:r>
+              <a:rPr lang="en-US" dirty="0" err="1"/>
+              <a:t>independente</a:t>
+            </a:r>
+            <a:r>
+              <a:rPr lang="en-US" dirty="0"/>
+              <a:t> de context</a:t>
+            </a:r>
+            <a:endParaRPr lang="en-GB"/>
+          </a:p>
+        </p:txBody>
+      </p:sp>
+      <p:sp>
+        <p:nvSpPr>
+          <p:cNvPr id="3" name="Content Placeholder 2">
+            <a:extLst>
+              <a:ext uri="{FF2B5EF4-FFF2-40B4-BE49-F238E27FC236}">
+                <a16:creationId xmlns:a16="http://schemas.microsoft.com/office/drawing/2014/main" id="{5F348E6B-6A95-DDDF-A867-D5AC5E25F8CD}"/>
+              </a:ext>
+            </a:extLst>
+          </p:cNvPr>
+          <p:cNvSpPr>
+            <a:spLocks noGrp="1"/>
+          </p:cNvSpPr>
+          <p:nvPr>
+            <p:ph idx="1"/>
+          </p:nvPr>
+        </p:nvSpPr>
+        <p:spPr>
+          <a:xfrm>
+            <a:off x="913795" y="2279176"/>
+            <a:ext cx="5978072" cy="3415672"/>
+          </a:xfrm>
+        </p:spPr>
+        <p:txBody>
+          <a:bodyPr anchor="ctr">
+            <a:normAutofit/>
+          </a:bodyPr>
+          <a:lstStyle/>
+          <a:p>
+            <a:pPr>
+              <a:lnSpc>
+                <a:spcPct val="90000"/>
+              </a:lnSpc>
+            </a:pPr>
+            <a:r>
+              <a:rPr lang="en-US" dirty="0"/>
+              <a:t>Am </a:t>
+            </a:r>
+            <a:r>
+              <a:rPr lang="en-US" dirty="0" err="1"/>
+              <a:t>incarcat</a:t>
+            </a:r>
+            <a:r>
+              <a:rPr lang="en-US" dirty="0"/>
+              <a:t> </a:t>
+            </a:r>
+            <a:r>
+              <a:rPr lang="en-US" dirty="0" err="1"/>
+              <a:t>toate</a:t>
+            </a:r>
+            <a:r>
+              <a:rPr lang="en-US" dirty="0"/>
+              <a:t> </a:t>
+            </a:r>
+            <a:r>
+              <a:rPr lang="en-US" dirty="0" err="1"/>
+              <a:t>articolele</a:t>
+            </a:r>
+            <a:r>
+              <a:rPr lang="en-US" dirty="0"/>
+              <a:t> din Moldova si Romania (</a:t>
+            </a:r>
+            <a:r>
+              <a:rPr lang="en-US" dirty="0" err="1"/>
+              <a:t>bineinteles</a:t>
+            </a:r>
+            <a:r>
+              <a:rPr lang="en-US" dirty="0"/>
+              <a:t>, </a:t>
+            </a:r>
+            <a:r>
+              <a:rPr lang="en-US" dirty="0" err="1"/>
+              <a:t>separat</a:t>
+            </a:r>
+            <a:r>
+              <a:rPr lang="en-US" dirty="0"/>
+              <a:t>) </a:t>
+            </a:r>
+            <a:endParaRPr lang="en-US"/>
+          </a:p>
+          <a:p>
+            <a:pPr>
+              <a:lnSpc>
+                <a:spcPct val="90000"/>
+              </a:lnSpc>
+            </a:pPr>
+            <a:r>
+              <a:rPr lang="en-US" dirty="0"/>
+              <a:t>Am </a:t>
+            </a:r>
+            <a:r>
+              <a:rPr lang="en-US" dirty="0" err="1"/>
+              <a:t>incarcat</a:t>
+            </a:r>
+            <a:r>
+              <a:rPr lang="en-US" dirty="0"/>
+              <a:t> </a:t>
+            </a:r>
+            <a:r>
+              <a:rPr lang="en-US" dirty="0" err="1"/>
+              <a:t>toate</a:t>
+            </a:r>
+            <a:r>
+              <a:rPr lang="en-US" dirty="0"/>
+              <a:t> </a:t>
+            </a:r>
+            <a:r>
+              <a:rPr lang="en-US" dirty="0" err="1"/>
+              <a:t>cuvintele</a:t>
+            </a:r>
+            <a:r>
+              <a:rPr lang="en-US" dirty="0"/>
+              <a:t> in </a:t>
+            </a:r>
+            <a:r>
+              <a:rPr lang="en-US" dirty="0" err="1"/>
+              <a:t>doua</a:t>
+            </a:r>
+            <a:r>
+              <a:rPr lang="en-US" dirty="0"/>
+              <a:t> array-</a:t>
+            </a:r>
+            <a:r>
+              <a:rPr lang="en-US" dirty="0" err="1"/>
+              <a:t>uri</a:t>
+            </a:r>
+            <a:r>
+              <a:rPr lang="en-US" dirty="0"/>
+              <a:t> si am </a:t>
+            </a:r>
+            <a:r>
+              <a:rPr lang="en-US" dirty="0" err="1"/>
+              <a:t>facut</a:t>
+            </a:r>
+            <a:r>
+              <a:rPr lang="en-US" dirty="0"/>
+              <a:t> </a:t>
+            </a:r>
+            <a:r>
+              <a:rPr lang="en-US" dirty="0" err="1"/>
+              <a:t>urmatoarele</a:t>
+            </a:r>
+            <a:r>
+              <a:rPr lang="en-US" dirty="0"/>
+              <a:t> </a:t>
+            </a:r>
+            <a:r>
+              <a:rPr lang="en-US" dirty="0" err="1"/>
+              <a:t>statistici</a:t>
+            </a:r>
+            <a:r>
+              <a:rPr lang="en-US" dirty="0"/>
+              <a:t>: mean, median si standard deviation</a:t>
+            </a:r>
+            <a:endParaRPr lang="en-US"/>
+          </a:p>
+          <a:p>
+            <a:pPr>
+              <a:lnSpc>
+                <a:spcPct val="90000"/>
+              </a:lnSpc>
+            </a:pPr>
+            <a:endParaRPr lang="en-US"/>
+          </a:p>
+          <a:p>
+            <a:pPr>
+              <a:lnSpc>
+                <a:spcPct val="90000"/>
+              </a:lnSpc>
+            </a:pPr>
+            <a:endParaRPr lang="en-US"/>
+          </a:p>
+          <a:p>
+            <a:pPr>
+              <a:lnSpc>
+                <a:spcPct val="90000"/>
+              </a:lnSpc>
+            </a:pPr>
+            <a:r>
+              <a:rPr lang="en-US" dirty="0" err="1"/>
+              <a:t>Apoi</a:t>
+            </a:r>
+            <a:r>
+              <a:rPr lang="en-US" dirty="0"/>
+              <a:t> am </a:t>
+            </a:r>
+            <a:r>
+              <a:rPr lang="en-US" dirty="0" err="1"/>
+              <a:t>grupat</a:t>
+            </a:r>
+            <a:r>
+              <a:rPr lang="en-US" dirty="0"/>
+              <a:t> </a:t>
+            </a:r>
+            <a:r>
+              <a:rPr lang="en-US" dirty="0" err="1"/>
+              <a:t>artcolele</a:t>
+            </a:r>
+            <a:r>
+              <a:rPr lang="en-US" dirty="0"/>
+              <a:t> pe </a:t>
+            </a:r>
+            <a:r>
+              <a:rPr lang="en-US" dirty="0" err="1"/>
+              <a:t>categori</a:t>
+            </a:r>
+            <a:r>
+              <a:rPr lang="en-US" dirty="0"/>
+              <a:t> si </a:t>
+            </a:r>
+            <a:r>
+              <a:rPr lang="en-US" dirty="0" err="1"/>
+              <a:t>repetam</a:t>
+            </a:r>
+            <a:r>
+              <a:rPr lang="en-US" dirty="0"/>
+              <a:t> </a:t>
+            </a:r>
+            <a:r>
+              <a:rPr lang="en-US" dirty="0" err="1"/>
+              <a:t>aceleasi</a:t>
+            </a:r>
+            <a:r>
+              <a:rPr lang="en-US" dirty="0"/>
+              <a:t> </a:t>
+            </a:r>
+            <a:r>
+              <a:rPr lang="en-US" dirty="0" err="1"/>
+              <a:t>statistici</a:t>
+            </a:r>
+            <a:r>
+              <a:rPr lang="en-US" dirty="0"/>
+              <a:t>, pe care le </a:t>
+            </a:r>
+            <a:r>
+              <a:rPr lang="en-US" dirty="0" err="1"/>
+              <a:t>salvam</a:t>
+            </a:r>
+            <a:r>
+              <a:rPr lang="en-US" dirty="0"/>
+              <a:t> </a:t>
+            </a:r>
+            <a:r>
+              <a:rPr lang="en-US" dirty="0" err="1"/>
+              <a:t>intr</a:t>
+            </a:r>
+            <a:r>
+              <a:rPr lang="en-US" dirty="0"/>
+              <a:t>-un </a:t>
+            </a:r>
+            <a:r>
+              <a:rPr lang="en-US" dirty="0" err="1"/>
+              <a:t>fisier</a:t>
+            </a:r>
+            <a:r>
+              <a:rPr lang="en-US" dirty="0"/>
+              <a:t> .csv</a:t>
+            </a:r>
+            <a:endParaRPr lang="en-US"/>
+          </a:p>
+        </p:txBody>
+      </p:sp>
+      <p:pic>
+        <p:nvPicPr>
+          <p:cNvPr id="16" name="Picture 15">
+            <a:extLst>
+              <a:ext uri="{FF2B5EF4-FFF2-40B4-BE49-F238E27FC236}">
+                <a16:creationId xmlns:a16="http://schemas.microsoft.com/office/drawing/2014/main" id="{E0BE7827-5B1A-4F37-BF70-19F7C5C6BDEB}"/>
+              </a:ext>
+              <a:ext uri="{C183D7F6-B498-43B3-948B-1728B52AA6E4}">
+                <adec:decorative xmlns:adec="http://schemas.microsoft.com/office/drawing/2017/decorative" val="1"/>
+              </a:ext>
+            </a:extLst>
+          </p:cNvPr>
+          <p:cNvPicPr>
+            <a:picLocks noGrp="1" noRot="1" noChangeAspect="1" noMove="1" noResize="1" noEditPoints="1" noAdjustHandles="1" noChangeArrowheads="1" noChangeShapeType="1" noCrop="1"/>
+          </p:cNvPicPr>
+          <p:nvPr>
+            <p:extLst>
+              <p:ext uri="{386F3935-93C4-4BCD-93E2-E3B085C9AB24}">
+                <p16:designElem xmlns:p16="http://schemas.microsoft.com/office/powerpoint/2015/main" val="1"/>
+              </p:ext>
+            </p:extLst>
+          </p:nvPr>
+        </p:nvPicPr>
+        <p:blipFill rotWithShape="1">
+          <a:blip r:embed="rId3">
+            <a:extLst>
+              <a:ext uri="{28A0092B-C50C-407E-A947-70E740481C1C}">
+                <a14:useLocalDpi xmlns:a14="http://schemas.microsoft.com/office/drawing/2010/main" val="0"/>
+              </a:ext>
+            </a:extLst>
+          </a:blip>
+          <a:srcRect t="964" r="2807" b="1446"/>
+          <a:stretch/>
+        </p:blipFill>
+        <p:spPr>
+          <a:xfrm>
+            <a:off x="7501468" y="1"/>
+            <a:ext cx="4690532" cy="6858000"/>
+          </a:xfrm>
+          <a:prstGeom prst="rect">
+            <a:avLst/>
+          </a:prstGeom>
+        </p:spPr>
+      </p:pic>
+      <p:pic>
+        <p:nvPicPr>
+          <p:cNvPr id="9" name="Picture 8">
+            <a:extLst>
+              <a:ext uri="{FF2B5EF4-FFF2-40B4-BE49-F238E27FC236}">
+                <a16:creationId xmlns:a16="http://schemas.microsoft.com/office/drawing/2014/main" id="{A8EB7821-CBF5-9EC5-BF9C-8204FDA19D28}"/>
+              </a:ext>
+            </a:extLst>
+          </p:cNvPr>
+          <p:cNvPicPr>
+            <a:picLocks noChangeAspect="1"/>
+          </p:cNvPicPr>
+          <p:nvPr/>
+        </p:nvPicPr>
+        <p:blipFill>
+          <a:blip r:embed="rId4"/>
+          <a:stretch>
+            <a:fillRect/>
+          </a:stretch>
+        </p:blipFill>
+        <p:spPr>
+          <a:xfrm>
+            <a:off x="7996767" y="3987012"/>
+            <a:ext cx="3699934" cy="2452446"/>
+          </a:xfrm>
+          <a:prstGeom prst="rect">
+            <a:avLst/>
+          </a:prstGeom>
+        </p:spPr>
+      </p:pic>
+      <p:pic>
+        <p:nvPicPr>
+          <p:cNvPr id="7" name="Picture 6">
+            <a:extLst>
+              <a:ext uri="{FF2B5EF4-FFF2-40B4-BE49-F238E27FC236}">
+                <a16:creationId xmlns:a16="http://schemas.microsoft.com/office/drawing/2014/main" id="{906DC558-B277-A340-2B2A-17F2C69A2B4B}"/>
+              </a:ext>
+            </a:extLst>
+          </p:cNvPr>
+          <p:cNvPicPr>
+            <a:picLocks noChangeAspect="1"/>
+          </p:cNvPicPr>
+          <p:nvPr/>
+        </p:nvPicPr>
+        <p:blipFill>
+          <a:blip r:embed="rId5"/>
+          <a:stretch>
+            <a:fillRect/>
+          </a:stretch>
+        </p:blipFill>
+        <p:spPr>
+          <a:xfrm>
+            <a:off x="7996767" y="1029375"/>
+            <a:ext cx="3699934" cy="1061374"/>
+          </a:xfrm>
+          <a:prstGeom prst="rect">
+            <a:avLst/>
+          </a:prstGeom>
+        </p:spPr>
+      </p:pic>
+    </p:spTree>
+    <p:extLst>
+      <p:ext uri="{BB962C8B-B14F-4D97-AF65-F5344CB8AC3E}">
+        <p14:creationId xmlns:p14="http://schemas.microsoft.com/office/powerpoint/2010/main" val="904310847"/>
+      </p:ext>
+    </p:extLst>
+  </p:cSld>
+  <p:clrMapOvr>
+    <a:masterClrMapping/>
+  </p:clrMapOvr>
+</p:sld>
+</file>
+
+<file path=ppt/slides/slide5.xml><?xml version="1.0" encoding="utf-8"?>
+<p:sld xmlns:a="http://schemas.openxmlformats.org/drawingml/2006/main" xmlns:r="http://schemas.openxmlformats.org/officeDocument/2006/relationships" xmlns:p="http://schemas.openxmlformats.org/presentationml/2006/main">
+  <p:cSld>
+    <p:spTree>
+      <p:nvGrpSpPr>
+        <p:cNvPr id="1" name="">
+          <a:extLst>
+            <a:ext uri="{FF2B5EF4-FFF2-40B4-BE49-F238E27FC236}">
+              <a16:creationId xmlns:a16="http://schemas.microsoft.com/office/drawing/2014/main" id="{40B903B8-6087-2CF1-8F4A-CD7E162A7650}"/>
+            </a:ext>
+          </a:extLst>
+        </p:cNvPr>
+        <p:cNvGrpSpPr/>
+        <p:nvPr/>
+      </p:nvGrpSpPr>
+      <p:grpSpPr>
+        <a:xfrm>
+          <a:off x="0" y="0"/>
+          <a:ext cx="0" cy="0"/>
+          <a:chOff x="0" y="0"/>
+          <a:chExt cx="0" cy="0"/>
+        </a:xfrm>
+      </p:grpSpPr>
+      <p:sp>
+        <p:nvSpPr>
+          <p:cNvPr id="2" name="Title 1">
+            <a:extLst>
+              <a:ext uri="{FF2B5EF4-FFF2-40B4-BE49-F238E27FC236}">
+                <a16:creationId xmlns:a16="http://schemas.microsoft.com/office/drawing/2014/main" id="{D74473BA-7B68-504F-380A-DBDD6C440C89}"/>
+              </a:ext>
+            </a:extLst>
+          </p:cNvPr>
+          <p:cNvSpPr>
+            <a:spLocks noGrp="1"/>
+          </p:cNvSpPr>
+          <p:nvPr>
+            <p:ph type="title"/>
+          </p:nvPr>
+        </p:nvSpPr>
+        <p:spPr>
+          <a:xfrm>
+            <a:off x="913795" y="609600"/>
+            <a:ext cx="10353762" cy="632604"/>
+          </a:xfrm>
+        </p:spPr>
+        <p:txBody>
+          <a:bodyPr>
+            <a:normAutofit fontScale="90000"/>
+          </a:bodyPr>
+          <a:lstStyle/>
+          <a:p>
+            <a:pPr algn="l"/>
+            <a:r>
+              <a:rPr lang="en-US" dirty="0" err="1"/>
+              <a:t>Concluzii</a:t>
+            </a:r>
+            <a:endParaRPr lang="en-GB" dirty="0"/>
+          </a:p>
+        </p:txBody>
+      </p:sp>
+      <p:sp>
+        <p:nvSpPr>
+          <p:cNvPr id="3" name="Content Placeholder 2">
+            <a:extLst>
+              <a:ext uri="{FF2B5EF4-FFF2-40B4-BE49-F238E27FC236}">
+                <a16:creationId xmlns:a16="http://schemas.microsoft.com/office/drawing/2014/main" id="{CE0A9434-CEA7-E998-2482-FE6E3B4078E4}"/>
+              </a:ext>
+            </a:extLst>
+          </p:cNvPr>
+          <p:cNvSpPr>
+            <a:spLocks noGrp="1"/>
+          </p:cNvSpPr>
+          <p:nvPr>
+            <p:ph idx="1"/>
+          </p:nvPr>
+        </p:nvSpPr>
+        <p:spPr>
+          <a:xfrm>
+            <a:off x="913795" y="1242204"/>
+            <a:ext cx="10353762" cy="5439253"/>
+          </a:xfrm>
+        </p:spPr>
+        <p:txBody>
+          <a:bodyPr>
+            <a:normAutofit/>
+          </a:bodyPr>
+          <a:lstStyle/>
+          <a:p>
+            <a:r>
+              <a:rPr lang="en-US" dirty="0"/>
+              <a:t>Nu </a:t>
+            </a:r>
+            <a:r>
+              <a:rPr lang="en-US" dirty="0" err="1"/>
+              <a:t>exista</a:t>
+            </a:r>
+            <a:r>
+              <a:rPr lang="en-US" dirty="0"/>
+              <a:t> </a:t>
+            </a:r>
+            <a:r>
+              <a:rPr lang="en-US" dirty="0" err="1"/>
+              <a:t>mari</a:t>
+            </a:r>
+            <a:r>
+              <a:rPr lang="en-US" dirty="0"/>
+              <a:t> </a:t>
+            </a:r>
+            <a:r>
+              <a:rPr lang="en-US" dirty="0" err="1"/>
+              <a:t>diferente</a:t>
+            </a:r>
+            <a:r>
+              <a:rPr lang="en-US" dirty="0"/>
+              <a:t> </a:t>
+            </a:r>
+            <a:r>
+              <a:rPr lang="en-US" dirty="0" err="1"/>
+              <a:t>intre</a:t>
+            </a:r>
+            <a:r>
+              <a:rPr lang="en-US" dirty="0"/>
+              <a:t> </a:t>
+            </a:r>
+            <a:r>
+              <a:rPr lang="en-US" dirty="0" err="1"/>
+              <a:t>mediile</a:t>
+            </a:r>
+            <a:r>
+              <a:rPr lang="en-US" dirty="0"/>
+              <a:t> si </a:t>
+            </a:r>
+            <a:r>
+              <a:rPr lang="en-US" dirty="0" err="1"/>
+              <a:t>deviatiile</a:t>
+            </a:r>
+            <a:r>
+              <a:rPr lang="en-US" dirty="0"/>
+              <a:t> standard pe </a:t>
+            </a:r>
+            <a:r>
+              <a:rPr lang="en-US" dirty="0" err="1"/>
+              <a:t>cele</a:t>
+            </a:r>
+            <a:r>
+              <a:rPr lang="en-US" dirty="0"/>
+              <a:t> 2 limbi</a:t>
+            </a:r>
+          </a:p>
+        </p:txBody>
+      </p:sp>
+    </p:spTree>
+    <p:extLst>
+      <p:ext uri="{BB962C8B-B14F-4D97-AF65-F5344CB8AC3E}">
+        <p14:creationId xmlns:p14="http://schemas.microsoft.com/office/powerpoint/2010/main" val="4098715572"/>
+      </p:ext>
+    </p:extLst>
+  </p:cSld>
+  <p:clrMapOvr>
+    <a:masterClrMapping/>
+  </p:clrMapOvr>
+</p:sld>
+</file>
+
+<file path=ppt/slides/slide6.xml><?xml version="1.0" encoding="utf-8"?>
+<p:sld xmlns:a="http://schemas.openxmlformats.org/drawingml/2006/main" xmlns:r="http://schemas.openxmlformats.org/officeDocument/2006/relationships" xmlns:p="http://schemas.openxmlformats.org/presentationml/2006/main">
+  <p:cSld>
+    <p:spTree>
+      <p:nvGrpSpPr>
+        <p:cNvPr id="1" name="">
+          <a:extLst>
+            <a:ext uri="{FF2B5EF4-FFF2-40B4-BE49-F238E27FC236}">
+              <a16:creationId xmlns:a16="http://schemas.microsoft.com/office/drawing/2014/main" id="{3F15174F-1872-D30D-106C-07556781FF50}"/>
+            </a:ext>
+          </a:extLst>
+        </p:cNvPr>
+        <p:cNvGrpSpPr/>
+        <p:nvPr/>
+      </p:nvGrpSpPr>
+      <p:grpSpPr>
+        <a:xfrm>
+          <a:off x="0" y="0"/>
+          <a:ext cx="0" cy="0"/>
+          <a:chOff x="0" y="0"/>
+          <a:chExt cx="0" cy="0"/>
+        </a:xfrm>
+      </p:grpSpPr>
+      <p:sp>
+        <p:nvSpPr>
+          <p:cNvPr id="2" name="Title 1">
+            <a:extLst>
+              <a:ext uri="{FF2B5EF4-FFF2-40B4-BE49-F238E27FC236}">
+                <a16:creationId xmlns:a16="http://schemas.microsoft.com/office/drawing/2014/main" id="{EC2B0AAC-0778-0B7B-02AA-98D664CB622D}"/>
+              </a:ext>
+            </a:extLst>
+          </p:cNvPr>
+          <p:cNvSpPr>
+            <a:spLocks noGrp="1"/>
+          </p:cNvSpPr>
+          <p:nvPr>
+            <p:ph type="title"/>
+          </p:nvPr>
+        </p:nvSpPr>
+        <p:spPr>
+          <a:xfrm>
+            <a:off x="913795" y="609600"/>
+            <a:ext cx="10656534" cy="632604"/>
+          </a:xfrm>
+        </p:spPr>
+        <p:txBody>
+          <a:bodyPr>
+            <a:normAutofit fontScale="90000"/>
+          </a:bodyPr>
+          <a:lstStyle/>
+          <a:p>
+            <a:pPr algn="l"/>
+            <a:r>
+              <a:rPr lang="en-US" dirty="0"/>
+              <a:t>2. </a:t>
+            </a:r>
+            <a:r>
+              <a:rPr lang="en-US" dirty="0" err="1"/>
+              <a:t>Clasificatori</a:t>
+            </a:r>
+            <a:r>
+              <a:rPr lang="en-US" dirty="0"/>
+              <a:t> </a:t>
+            </a:r>
+            <a:r>
+              <a:rPr lang="en-US" dirty="0" err="1"/>
+              <a:t>binari</a:t>
+            </a:r>
+            <a:r>
+              <a:rPr lang="en-US" dirty="0"/>
+              <a:t>: cu feature-</a:t>
+            </a:r>
+            <a:r>
+              <a:rPr lang="en-US" dirty="0" err="1"/>
+              <a:t>uri</a:t>
+            </a:r>
+            <a:r>
+              <a:rPr lang="en-US" dirty="0"/>
+              <a:t> </a:t>
+            </a:r>
+            <a:r>
+              <a:rPr lang="en-US" dirty="0" err="1"/>
+              <a:t>cuvintele</a:t>
+            </a:r>
+            <a:r>
+              <a:rPr lang="en-US" dirty="0"/>
+              <a:t> in sine:</a:t>
+            </a:r>
+            <a:br>
+              <a:rPr lang="en-US" dirty="0"/>
+            </a:br>
+            <a:endParaRPr lang="en-GB" dirty="0"/>
+          </a:p>
+        </p:txBody>
+      </p:sp>
+      <p:sp>
+        <p:nvSpPr>
+          <p:cNvPr id="3" name="Content Placeholder 2">
+            <a:extLst>
+              <a:ext uri="{FF2B5EF4-FFF2-40B4-BE49-F238E27FC236}">
+                <a16:creationId xmlns:a16="http://schemas.microsoft.com/office/drawing/2014/main" id="{C4E8C9E5-DAA2-05F1-B736-0FAC48DAE80A}"/>
+              </a:ext>
+            </a:extLst>
+          </p:cNvPr>
+          <p:cNvSpPr>
+            <a:spLocks noGrp="1"/>
+          </p:cNvSpPr>
+          <p:nvPr>
+            <p:ph idx="1"/>
+          </p:nvPr>
+        </p:nvSpPr>
+        <p:spPr>
+          <a:xfrm>
+            <a:off x="913795" y="1242204"/>
+            <a:ext cx="10919084" cy="5439253"/>
+          </a:xfrm>
+        </p:spPr>
+        <p:txBody>
+          <a:bodyPr>
+            <a:normAutofit/>
+          </a:bodyPr>
+          <a:lstStyle/>
+          <a:p>
+            <a:pPr marL="756900" lvl="1" indent="-342900">
+              <a:buAutoNum type="arabicPeriod"/>
+            </a:pPr>
+            <a:r>
+              <a:rPr lang="en-US" dirty="0"/>
+              <a:t>Am </a:t>
+            </a:r>
+            <a:r>
+              <a:rPr lang="en-US" dirty="0" err="1"/>
+              <a:t>facut</a:t>
+            </a:r>
+            <a:r>
+              <a:rPr lang="en-US" dirty="0"/>
+              <a:t> un </a:t>
+            </a:r>
+            <a:r>
+              <a:rPr lang="en-US" dirty="0" err="1"/>
+              <a:t>clasificator</a:t>
+            </a:r>
+            <a:r>
+              <a:rPr lang="en-US" dirty="0"/>
+              <a:t> </a:t>
+            </a:r>
+            <a:r>
+              <a:rPr lang="en-US" dirty="0" err="1"/>
+              <a:t>binar</a:t>
+            </a:r>
+            <a:r>
+              <a:rPr lang="en-US" dirty="0"/>
+              <a:t> de tip Logistic Regression cu </a:t>
+            </a:r>
+            <a:r>
+              <a:rPr lang="en-US" dirty="0" err="1"/>
+              <a:t>l2</a:t>
+            </a:r>
+            <a:r>
+              <a:rPr lang="en-US" dirty="0"/>
+              <a:t>, un vectorizer cu </a:t>
+            </a:r>
+            <a:r>
+              <a:rPr lang="en-US" dirty="0" err="1"/>
+              <a:t>urmatoarele</a:t>
+            </a:r>
+            <a:r>
+              <a:rPr lang="en-US" dirty="0"/>
+              <a:t> </a:t>
+            </a:r>
+            <a:r>
+              <a:rPr lang="en-US" dirty="0" err="1"/>
+              <a:t>setari</a:t>
+            </a:r>
+            <a:r>
+              <a:rPr lang="en-US" dirty="0"/>
+              <a:t>:</a:t>
+            </a:r>
+          </a:p>
+          <a:p>
+            <a:pPr marL="720000" lvl="2" indent="0">
+              <a:buNone/>
+            </a:pPr>
+            <a:r>
+              <a:rPr lang="en-US" b="0" dirty="0" err="1">
+                <a:solidFill>
+                  <a:srgbClr val="BBDAFF"/>
+                </a:solidFill>
+                <a:effectLst/>
+                <a:latin typeface="Consolas" panose="020B0609020204030204" pitchFamily="49" charset="0"/>
+              </a:rPr>
+              <a:t>TfidfVectorizer</a:t>
+            </a:r>
+            <a:r>
+              <a:rPr lang="en-US" b="0" dirty="0">
+                <a:solidFill>
+                  <a:srgbClr val="BBDAFF"/>
+                </a:solidFill>
+                <a:effectLst/>
+                <a:latin typeface="Consolas" panose="020B0609020204030204" pitchFamily="49" charset="0"/>
+              </a:rPr>
+              <a:t>(</a:t>
+            </a:r>
+            <a:r>
+              <a:rPr lang="en-US" b="0" dirty="0" err="1">
+                <a:solidFill>
+                  <a:srgbClr val="FFC58F"/>
+                </a:solidFill>
+                <a:effectLst/>
+                <a:latin typeface="Consolas" panose="020B0609020204030204" pitchFamily="49" charset="0"/>
+              </a:rPr>
+              <a:t>min_df</a:t>
+            </a:r>
+            <a:r>
+              <a:rPr lang="en-US" b="0" dirty="0">
+                <a:solidFill>
+                  <a:srgbClr val="99FFFF"/>
+                </a:solidFill>
+                <a:effectLst/>
+                <a:latin typeface="Consolas" panose="020B0609020204030204" pitchFamily="49" charset="0"/>
+              </a:rPr>
+              <a:t>=</a:t>
+            </a:r>
+            <a:r>
+              <a:rPr lang="en-US" b="0" dirty="0">
+                <a:solidFill>
+                  <a:srgbClr val="FFC58F"/>
+                </a:solidFill>
+                <a:effectLst/>
+                <a:latin typeface="Consolas" panose="020B0609020204030204" pitchFamily="49" charset="0"/>
+              </a:rPr>
+              <a:t>3</a:t>
+            </a:r>
+            <a:r>
+              <a:rPr lang="en-US" b="0" dirty="0">
+                <a:solidFill>
+                  <a:srgbClr val="BBDAFF"/>
+                </a:solidFill>
+                <a:effectLst/>
+                <a:latin typeface="Consolas" panose="020B0609020204030204" pitchFamily="49" charset="0"/>
+              </a:rPr>
+              <a:t>, </a:t>
+            </a:r>
+            <a:r>
+              <a:rPr lang="en-US" b="0" dirty="0" err="1">
+                <a:solidFill>
+                  <a:srgbClr val="FFC58F"/>
+                </a:solidFill>
+                <a:effectLst/>
+                <a:latin typeface="Consolas" panose="020B0609020204030204" pitchFamily="49" charset="0"/>
+              </a:rPr>
+              <a:t>max_df</a:t>
+            </a:r>
+            <a:r>
+              <a:rPr lang="en-US" b="0" dirty="0">
+                <a:solidFill>
+                  <a:srgbClr val="99FFFF"/>
+                </a:solidFill>
+                <a:effectLst/>
+                <a:latin typeface="Consolas" panose="020B0609020204030204" pitchFamily="49" charset="0"/>
+              </a:rPr>
+              <a:t>=</a:t>
+            </a:r>
+            <a:r>
+              <a:rPr lang="en-US" b="0" dirty="0">
+                <a:solidFill>
+                  <a:srgbClr val="FFC58F"/>
+                </a:solidFill>
+                <a:effectLst/>
+                <a:latin typeface="Consolas" panose="020B0609020204030204" pitchFamily="49" charset="0"/>
+              </a:rPr>
+              <a:t>0.7</a:t>
+            </a:r>
+            <a:r>
+              <a:rPr lang="en-US" b="0" dirty="0">
+                <a:solidFill>
+                  <a:srgbClr val="BBDAFF"/>
+                </a:solidFill>
+                <a:effectLst/>
+                <a:latin typeface="Consolas" panose="020B0609020204030204" pitchFamily="49" charset="0"/>
+              </a:rPr>
+              <a:t>, </a:t>
+            </a:r>
+            <a:r>
+              <a:rPr lang="en-US" b="0" dirty="0" err="1">
+                <a:solidFill>
+                  <a:srgbClr val="FFC58F"/>
+                </a:solidFill>
+                <a:effectLst/>
+                <a:latin typeface="Consolas" panose="020B0609020204030204" pitchFamily="49" charset="0"/>
+              </a:rPr>
+              <a:t>max_features</a:t>
+            </a:r>
+            <a:r>
+              <a:rPr lang="en-US" b="0" dirty="0">
+                <a:solidFill>
+                  <a:srgbClr val="99FFFF"/>
+                </a:solidFill>
+                <a:effectLst/>
+                <a:latin typeface="Consolas" panose="020B0609020204030204" pitchFamily="49" charset="0"/>
+              </a:rPr>
+              <a:t>=</a:t>
+            </a:r>
+            <a:r>
+              <a:rPr lang="en-US" b="0" dirty="0" err="1">
+                <a:solidFill>
+                  <a:srgbClr val="FFC58F"/>
+                </a:solidFill>
+                <a:effectLst/>
+                <a:latin typeface="Consolas" panose="020B0609020204030204" pitchFamily="49" charset="0"/>
+              </a:rPr>
+              <a:t>10000</a:t>
+            </a:r>
+            <a:r>
+              <a:rPr lang="en-US" b="0" dirty="0" err="1">
+                <a:solidFill>
+                  <a:srgbClr val="BBDAFF"/>
+                </a:solidFill>
+                <a:effectLst/>
+                <a:latin typeface="Consolas" panose="020B0609020204030204" pitchFamily="49" charset="0"/>
+              </a:rPr>
+              <a:t>,</a:t>
+            </a:r>
+            <a:r>
+              <a:rPr lang="en-US" b="0" dirty="0" err="1">
+                <a:solidFill>
+                  <a:srgbClr val="FFC58F"/>
+                </a:solidFill>
+                <a:effectLst/>
+                <a:latin typeface="Consolas" panose="020B0609020204030204" pitchFamily="49" charset="0"/>
+              </a:rPr>
+              <a:t>stop_words</a:t>
+            </a:r>
+            <a:r>
+              <a:rPr lang="en-US" b="0" dirty="0">
+                <a:solidFill>
+                  <a:srgbClr val="99FFFF"/>
+                </a:solidFill>
+                <a:effectLst/>
+                <a:latin typeface="Consolas" panose="020B0609020204030204" pitchFamily="49" charset="0"/>
+              </a:rPr>
+              <a:t>=</a:t>
+            </a:r>
+            <a:r>
+              <a:rPr lang="en-US" b="0" dirty="0" err="1">
+                <a:solidFill>
+                  <a:srgbClr val="BBDAFF"/>
+                </a:solidFill>
+                <a:effectLst/>
+                <a:latin typeface="Consolas" panose="020B0609020204030204" pitchFamily="49" charset="0"/>
+              </a:rPr>
+              <a:t>get_stop_words</a:t>
+            </a:r>
+            <a:r>
+              <a:rPr lang="en-US" b="0" dirty="0">
+                <a:solidFill>
+                  <a:srgbClr val="BBDAFF"/>
+                </a:solidFill>
+                <a:effectLst/>
+                <a:latin typeface="Consolas" panose="020B0609020204030204" pitchFamily="49" charset="0"/>
+              </a:rPr>
+              <a:t>(</a:t>
+            </a:r>
+            <a:r>
+              <a:rPr lang="en-US" dirty="0">
+                <a:solidFill>
+                  <a:srgbClr val="D1F1A9"/>
+                </a:solidFill>
+                <a:effectLst/>
+                <a:latin typeface="Consolas" panose="020B0609020204030204" pitchFamily="49" charset="0"/>
+              </a:rPr>
+              <a:t>‘</a:t>
+            </a:r>
+            <a:r>
+              <a:rPr lang="en-US" b="0" dirty="0" err="1">
+                <a:solidFill>
+                  <a:srgbClr val="D1F1A9"/>
+                </a:solidFill>
+                <a:effectLst/>
+                <a:latin typeface="Consolas" panose="020B0609020204030204" pitchFamily="49" charset="0"/>
+              </a:rPr>
+              <a:t>ro</a:t>
+            </a:r>
+            <a:r>
+              <a:rPr lang="en-US" dirty="0">
+                <a:solidFill>
+                  <a:srgbClr val="D1F1A9"/>
+                </a:solidFill>
+                <a:effectLst/>
+                <a:latin typeface="Consolas" panose="020B0609020204030204" pitchFamily="49" charset="0"/>
+              </a:rPr>
+              <a:t>’</a:t>
+            </a:r>
+            <a:r>
+              <a:rPr lang="en-US" b="0" dirty="0">
+                <a:solidFill>
+                  <a:srgbClr val="BBDAFF"/>
+                </a:solidFill>
+                <a:effectLst/>
+                <a:latin typeface="Consolas" panose="020B0609020204030204" pitchFamily="49" charset="0"/>
+              </a:rPr>
+              <a:t>))</a:t>
+            </a:r>
+            <a:endParaRPr lang="en-US" b="0" dirty="0">
+              <a:solidFill>
+                <a:srgbClr val="FFFFFF"/>
+              </a:solidFill>
+              <a:effectLst/>
+              <a:latin typeface="Consolas" panose="020B0609020204030204" pitchFamily="49" charset="0"/>
+            </a:endParaRPr>
+          </a:p>
+          <a:p>
+            <a:pPr marL="720000" lvl="2" indent="0">
+              <a:buNone/>
+            </a:pPr>
+            <a:r>
+              <a:rPr lang="en-US" dirty="0"/>
+              <a:t>si un grid search </a:t>
+            </a:r>
+            <a:r>
+              <a:rPr lang="en-US" dirty="0" err="1"/>
+              <a:t>pentru</a:t>
+            </a:r>
+            <a:r>
+              <a:rPr lang="en-US" dirty="0"/>
+              <a:t> </a:t>
+            </a:r>
+            <a:r>
+              <a:rPr lang="en-US" dirty="0" err="1"/>
+              <a:t>automatizarea</a:t>
+            </a:r>
+            <a:r>
+              <a:rPr lang="en-US" dirty="0"/>
+              <a:t> hyperparameter tuning</a:t>
+            </a:r>
+          </a:p>
+          <a:p>
+            <a:pPr marL="756900" lvl="1" indent="-342900">
+              <a:buAutoNum type="arabicPeriod"/>
+            </a:pPr>
+            <a:r>
+              <a:rPr lang="en-US" dirty="0" err="1"/>
+              <a:t>Datele</a:t>
+            </a:r>
+            <a:r>
+              <a:rPr lang="en-US" dirty="0"/>
+              <a:t> sunt stratified split</a:t>
+            </a:r>
+          </a:p>
+          <a:p>
+            <a:pPr marL="756900" lvl="1" indent="-342900">
+              <a:buFont typeface="Wingdings 2" charset="2"/>
+              <a:buAutoNum type="arabicPeriod"/>
+            </a:pPr>
+            <a:r>
+              <a:rPr lang="en-US" dirty="0" err="1"/>
+              <a:t>Pentru</a:t>
+            </a:r>
+            <a:r>
+              <a:rPr lang="en-US" dirty="0"/>
+              <a:t> a nu face </a:t>
+            </a:r>
+            <a:r>
+              <a:rPr lang="en-US" dirty="0" err="1"/>
+              <a:t>modelul</a:t>
+            </a:r>
+            <a:r>
+              <a:rPr lang="en-US" dirty="0"/>
+              <a:t> </a:t>
+            </a:r>
+            <a:r>
+              <a:rPr lang="en-US" dirty="0" err="1"/>
+              <a:t>sa</a:t>
+            </a:r>
+            <a:r>
+              <a:rPr lang="en-US" dirty="0"/>
+              <a:t> fie biased, am ales </a:t>
+            </a:r>
+            <a:r>
+              <a:rPr lang="en-US" dirty="0" err="1"/>
+              <a:t>sa</a:t>
+            </a:r>
+            <a:r>
+              <a:rPr lang="en-US" dirty="0"/>
+              <a:t> ii dam cate 916 </a:t>
+            </a:r>
+            <a:r>
+              <a:rPr lang="en-US" dirty="0" err="1"/>
+              <a:t>articole</a:t>
+            </a:r>
+            <a:r>
+              <a:rPr lang="en-US" dirty="0"/>
+              <a:t> din </a:t>
+            </a:r>
+            <a:r>
+              <a:rPr lang="en-US" dirty="0" err="1"/>
+              <a:t>fiecare</a:t>
+            </a:r>
+            <a:r>
+              <a:rPr lang="en-US" dirty="0"/>
+              <a:t> </a:t>
+            </a:r>
+            <a:r>
+              <a:rPr lang="en-US" dirty="0" err="1"/>
+              <a:t>clasa</a:t>
+            </a:r>
+            <a:r>
+              <a:rPr lang="en-US" dirty="0"/>
+              <a:t> (Romania – Moldova)</a:t>
+            </a:r>
+          </a:p>
+          <a:p>
+            <a:pPr marL="756900" lvl="1" indent="-342900">
+              <a:buAutoNum type="arabicPeriod"/>
+            </a:pPr>
+            <a:endParaRPr lang="en-US" dirty="0"/>
+          </a:p>
+        </p:txBody>
+      </p:sp>
+      <p:pic>
+        <p:nvPicPr>
+          <p:cNvPr id="7" name="Picture 6">
+            <a:extLst>
+              <a:ext uri="{FF2B5EF4-FFF2-40B4-BE49-F238E27FC236}">
+                <a16:creationId xmlns:a16="http://schemas.microsoft.com/office/drawing/2014/main" id="{7D575DA2-569A-2D2D-C416-189B146E22AD}"/>
+              </a:ext>
+            </a:extLst>
+          </p:cNvPr>
+          <p:cNvPicPr>
+            <a:picLocks noChangeAspect="1"/>
+          </p:cNvPicPr>
+          <p:nvPr/>
+        </p:nvPicPr>
+        <p:blipFill>
+          <a:blip r:embed="rId2"/>
+          <a:stretch>
+            <a:fillRect/>
+          </a:stretch>
+        </p:blipFill>
+        <p:spPr>
+          <a:xfrm>
+            <a:off x="1909178" y="4084897"/>
+            <a:ext cx="8373644" cy="2276793"/>
+          </a:xfrm>
+          <a:prstGeom prst="rect">
+            <a:avLst/>
+          </a:prstGeom>
+        </p:spPr>
+      </p:pic>
+    </p:spTree>
+    <p:extLst>
+      <p:ext uri="{BB962C8B-B14F-4D97-AF65-F5344CB8AC3E}">
+        <p14:creationId xmlns:p14="http://schemas.microsoft.com/office/powerpoint/2010/main" val="558734905"/>
+      </p:ext>
+    </p:extLst>
+  </p:cSld>
+  <p:clrMapOvr>
+    <a:masterClrMapping/>
+  </p:clrMapOvr>
+</p:sld>
+</file>
+
+<file path=ppt/slides/slide7.xml><?xml version="1.0" encoding="utf-8"?>
+<p:sld xmlns:a="http://schemas.openxmlformats.org/drawingml/2006/main" xmlns:r="http://schemas.openxmlformats.org/officeDocument/2006/relationships" xmlns:p="http://schemas.openxmlformats.org/presentationml/2006/main">
+  <p:cSld>
+    <p:bg>
+      <p:bgPr>
+        <a:blipFill rotWithShape="1">
+          <a:blip r:embed="rId2">
+            <a:duotone>
+              <a:schemeClr val="bg1">
+                <a:shade val="80000"/>
+                <a:lumMod val="80000"/>
+              </a:schemeClr>
+              <a:schemeClr val="bg1">
+                <a:tint val="98000"/>
+              </a:schemeClr>
+            </a:duotone>
+          </a:blip>
+          <a:stretch/>
+        </a:blipFill>
+        <a:effectLst/>
+      </p:bgPr>
+    </p:bg>
+    <p:spTree>
+      <p:nvGrpSpPr>
+        <p:cNvPr id="1" name="">
+          <a:extLst>
+            <a:ext uri="{FF2B5EF4-FFF2-40B4-BE49-F238E27FC236}">
+              <a16:creationId xmlns:a16="http://schemas.microsoft.com/office/drawing/2014/main" id="{9C8EE383-7D18-FDEA-644A-C3C925230703}"/>
+            </a:ext>
+          </a:extLst>
+        </p:cNvPr>
+        <p:cNvGrpSpPr/>
+        <p:nvPr/>
+      </p:nvGrpSpPr>
+      <p:grpSpPr>
+        <a:xfrm>
+          <a:off x="0" y="0"/>
+          <a:ext cx="0" cy="0"/>
+          <a:chOff x="0" y="0"/>
+          <a:chExt cx="0" cy="0"/>
+        </a:xfrm>
+      </p:grpSpPr>
+      <p:sp useBgFill="1">
+        <p:nvSpPr>
+          <p:cNvPr id="15" name="Rectangle 14">
+            <a:extLst>
+              <a:ext uri="{FF2B5EF4-FFF2-40B4-BE49-F238E27FC236}">
+                <a16:creationId xmlns:a16="http://schemas.microsoft.com/office/drawing/2014/main" id="{1B3897FC-A693-4656-8FCD-CF609C3BDF8D}"/>
+              </a:ext>
+              <a:ext uri="{C183D7F6-B498-43B3-948B-1728B52AA6E4}">
+                <adec:decorative xmlns:adec="http://schemas.microsoft.com/office/drawing/2017/decorative" val="1"/>
+              </a:ext>
+            </a:extLst>
+          </p:cNvPr>
+          <p:cNvSpPr>
+            <a:spLocks noGrp="1" noRot="1" noChangeAspect="1" noMove="1" noResize="1" noEditPoints="1" noAdjustHandles="1" noChangeArrowheads="1" noChangeShapeType="1" noTextEdit="1"/>
+          </p:cNvSpPr>
+          <p:nvPr>
+            <p:extLst>
+              <p:ext uri="{386F3935-93C4-4BCD-93E2-E3B085C9AB24}">
+                <p16:designElem xmlns:p16="http://schemas.microsoft.com/office/powerpoint/2015/main" val="1"/>
+              </p:ext>
+            </p:extLst>
+          </p:nvPr>
+        </p:nvSpPr>
+        <p:spPr>
+          <a:xfrm>
+            <a:off x="0" y="0"/>
+            <a:ext cx="12192000" cy="6858000"/>
+          </a:xfrm>
+          <a:prstGeom prst="rect">
+            <a:avLst/>
+          </a:prstGeom>
+          <a:ln>
+            <a:noFill/>
+          </a:ln>
+        </p:spPr>
+        <p:style>
+          <a:lnRef idx="2">
+            <a:schemeClr val="accent1">
+              <a:shade val="50000"/>
+            </a:schemeClr>
+          </a:lnRef>
+          <a:fillRef idx="1">
+            <a:schemeClr val="accent1"/>
+          </a:fillRef>
+          <a:effectRef idx="0">
+            <a:schemeClr val="accent1"/>
+          </a:effectRef>
+          <a:fontRef idx="minor">
+            <a:schemeClr val="lt1"/>
+          </a:fontRef>
+        </p:style>
+        <p:txBody>
+          <a:bodyPr rtlCol="0" anchor="ctr"/>
+          <a:lstStyle/>
+          <a:p>
+            <a:pPr algn="ctr"/>
+            <a:endParaRPr lang="en-US"/>
+          </a:p>
+        </p:txBody>
+      </p:sp>
+      <p:sp>
+        <p:nvSpPr>
+          <p:cNvPr id="2" name="Title 1">
+            <a:extLst>
+              <a:ext uri="{FF2B5EF4-FFF2-40B4-BE49-F238E27FC236}">
+                <a16:creationId xmlns:a16="http://schemas.microsoft.com/office/drawing/2014/main" id="{B68197E9-CA5F-9325-F916-34C00CED28BA}"/>
+              </a:ext>
+            </a:extLst>
+          </p:cNvPr>
+          <p:cNvSpPr>
+            <a:spLocks noGrp="1"/>
+          </p:cNvSpPr>
+          <p:nvPr>
+            <p:ph type="title"/>
+          </p:nvPr>
+        </p:nvSpPr>
+        <p:spPr>
+          <a:xfrm>
+            <a:off x="707900" y="643467"/>
+            <a:ext cx="3946393" cy="1956298"/>
+          </a:xfrm>
+        </p:spPr>
+        <p:txBody>
+          <a:bodyPr>
+            <a:normAutofit/>
+          </a:bodyPr>
+          <a:lstStyle/>
+          <a:p>
+            <a:pPr algn="l"/>
+            <a:r>
+              <a:rPr lang="en-US" sz="3600"/>
+              <a:t>Concluzii</a:t>
+            </a:r>
+            <a:endParaRPr lang="en-GB" sz="3600"/>
+          </a:p>
+        </p:txBody>
+      </p:sp>
+      <p:sp>
+        <p:nvSpPr>
+          <p:cNvPr id="3" name="Content Placeholder 2">
+            <a:extLst>
+              <a:ext uri="{FF2B5EF4-FFF2-40B4-BE49-F238E27FC236}">
+                <a16:creationId xmlns:a16="http://schemas.microsoft.com/office/drawing/2014/main" id="{A1BC0F40-905D-F778-E3FF-3B2B287AA125}"/>
+              </a:ext>
+            </a:extLst>
+          </p:cNvPr>
+          <p:cNvSpPr>
+            <a:spLocks noGrp="1"/>
+          </p:cNvSpPr>
+          <p:nvPr>
+            <p:ph idx="1"/>
+          </p:nvPr>
+        </p:nvSpPr>
+        <p:spPr>
+          <a:xfrm>
+            <a:off x="5139768" y="643467"/>
+            <a:ext cx="6430560" cy="1956298"/>
+          </a:xfrm>
+        </p:spPr>
+        <p:txBody>
+          <a:bodyPr anchor="ctr">
+            <a:normAutofit/>
+          </a:bodyPr>
+          <a:lstStyle/>
+          <a:p>
+            <a:r>
+              <a:rPr lang="en-US" dirty="0" err="1"/>
+              <a:t>Modelul</a:t>
+            </a:r>
+            <a:r>
+              <a:rPr lang="en-US" dirty="0"/>
+              <a:t> are o </a:t>
+            </a:r>
+            <a:r>
+              <a:rPr lang="en-US" dirty="0" err="1"/>
+              <a:t>acuratete</a:t>
+            </a:r>
+            <a:r>
+              <a:rPr lang="en-US" dirty="0"/>
+              <a:t> de 99% </a:t>
+            </a:r>
+            <a:r>
+              <a:rPr lang="en-US" dirty="0" err="1"/>
+              <a:t>atat</a:t>
+            </a:r>
+            <a:r>
+              <a:rPr lang="en-US" dirty="0"/>
+              <a:t> pe </a:t>
+            </a:r>
+            <a:r>
+              <a:rPr lang="en-US" dirty="0" err="1"/>
+              <a:t>romana</a:t>
+            </a:r>
+            <a:r>
+              <a:rPr lang="en-US" dirty="0"/>
+              <a:t> </a:t>
+            </a:r>
+            <a:r>
+              <a:rPr lang="en-US" dirty="0" err="1"/>
+              <a:t>scrisa</a:t>
+            </a:r>
+            <a:r>
+              <a:rPr lang="en-US" dirty="0"/>
+              <a:t> in Romania cat si pe </a:t>
+            </a:r>
+            <a:r>
+              <a:rPr lang="en-US" dirty="0" err="1"/>
+              <a:t>cea</a:t>
+            </a:r>
+            <a:r>
+              <a:rPr lang="en-US" dirty="0"/>
+              <a:t> in Moldova</a:t>
+            </a:r>
+          </a:p>
+          <a:p>
+            <a:r>
+              <a:rPr lang="en-US" dirty="0" err="1"/>
+              <a:t>Acest</a:t>
+            </a:r>
+            <a:r>
+              <a:rPr lang="en-US" dirty="0"/>
+              <a:t> </a:t>
+            </a:r>
+            <a:r>
+              <a:rPr lang="en-US" dirty="0" err="1"/>
+              <a:t>lucru</a:t>
+            </a:r>
+            <a:r>
+              <a:rPr lang="en-US" dirty="0"/>
+              <a:t> </a:t>
+            </a:r>
+            <a:r>
+              <a:rPr lang="en-US" dirty="0" err="1"/>
+              <a:t>poate</a:t>
+            </a:r>
+            <a:r>
+              <a:rPr lang="en-US" dirty="0"/>
+              <a:t> </a:t>
+            </a:r>
+            <a:r>
+              <a:rPr lang="en-US" dirty="0" err="1"/>
+              <a:t>insemna</a:t>
+            </a:r>
+            <a:r>
+              <a:rPr lang="en-US" dirty="0"/>
+              <a:t> ca </a:t>
+            </a:r>
+            <a:r>
+              <a:rPr lang="en-US" dirty="0" err="1"/>
+              <a:t>cele</a:t>
+            </a:r>
+            <a:r>
+              <a:rPr lang="en-US" dirty="0"/>
+              <a:t> </a:t>
+            </a:r>
+            <a:r>
+              <a:rPr lang="en-US" dirty="0" err="1"/>
+              <a:t>doua</a:t>
+            </a:r>
+            <a:r>
+              <a:rPr lang="en-US" dirty="0"/>
+              <a:t> limbi </a:t>
+            </a:r>
+            <a:r>
+              <a:rPr lang="en-US" dirty="0" err="1"/>
+              <a:t>difera</a:t>
+            </a:r>
+            <a:r>
+              <a:rPr lang="en-US" dirty="0"/>
+              <a:t> </a:t>
+            </a:r>
+            <a:r>
+              <a:rPr lang="en-US" dirty="0" err="1"/>
+              <a:t>indeajuns</a:t>
+            </a:r>
+            <a:r>
+              <a:rPr lang="en-US" dirty="0"/>
+              <a:t> de </a:t>
+            </a:r>
+            <a:r>
+              <a:rPr lang="en-US" dirty="0" err="1"/>
+              <a:t>mult</a:t>
+            </a:r>
+            <a:r>
+              <a:rPr lang="en-US" dirty="0"/>
+              <a:t> </a:t>
+            </a:r>
+            <a:r>
+              <a:rPr lang="en-US" dirty="0" err="1"/>
+              <a:t>pentru</a:t>
+            </a:r>
+            <a:r>
+              <a:rPr lang="en-US" dirty="0"/>
+              <a:t> ca un </a:t>
+            </a:r>
+            <a:r>
+              <a:rPr lang="en-US" dirty="0" err="1"/>
+              <a:t>clasificator</a:t>
+            </a:r>
+            <a:r>
+              <a:rPr lang="en-US" dirty="0"/>
+              <a:t> </a:t>
+            </a:r>
+            <a:r>
+              <a:rPr lang="en-US" dirty="0" err="1"/>
+              <a:t>binar</a:t>
+            </a:r>
+            <a:r>
+              <a:rPr lang="en-US" dirty="0"/>
+              <a:t> </a:t>
+            </a:r>
+            <a:r>
+              <a:rPr lang="en-US" dirty="0" err="1"/>
+              <a:t>sa</a:t>
+            </a:r>
+            <a:r>
+              <a:rPr lang="en-US" dirty="0"/>
+              <a:t> le </a:t>
+            </a:r>
+            <a:r>
+              <a:rPr lang="en-US" dirty="0" err="1"/>
+              <a:t>diferentieze</a:t>
+            </a:r>
+            <a:r>
+              <a:rPr lang="en-US" dirty="0"/>
+              <a:t> bine</a:t>
+            </a:r>
+          </a:p>
+        </p:txBody>
+      </p:sp>
+      <p:pic>
+        <p:nvPicPr>
+          <p:cNvPr id="7" name="Picture 6">
+            <a:extLst>
+              <a:ext uri="{FF2B5EF4-FFF2-40B4-BE49-F238E27FC236}">
+                <a16:creationId xmlns:a16="http://schemas.microsoft.com/office/drawing/2014/main" id="{F63FD73D-4D2D-AC45-330B-2AEF06F64354}"/>
+              </a:ext>
+            </a:extLst>
+          </p:cNvPr>
+          <p:cNvPicPr>
+            <a:picLocks noChangeAspect="1"/>
+          </p:cNvPicPr>
+          <p:nvPr/>
+        </p:nvPicPr>
+        <p:blipFill>
+          <a:blip r:embed="rId3"/>
+          <a:stretch>
+            <a:fillRect/>
+          </a:stretch>
+        </p:blipFill>
+        <p:spPr>
+          <a:xfrm>
+            <a:off x="2044457" y="2952377"/>
+            <a:ext cx="8124881" cy="3107766"/>
+          </a:xfrm>
+          <a:prstGeom prst="rect">
+            <a:avLst/>
+          </a:prstGeom>
+        </p:spPr>
+      </p:pic>
+    </p:spTree>
+    <p:extLst>
+      <p:ext uri="{BB962C8B-B14F-4D97-AF65-F5344CB8AC3E}">
+        <p14:creationId xmlns:p14="http://schemas.microsoft.com/office/powerpoint/2010/main" val="2311945446"/>
+      </p:ext>
+    </p:extLst>
+  </p:cSld>
+  <p:clrMapOvr>
+    <a:masterClrMapping/>
+  </p:clrMapOvr>
+</p:sld>
+</file>
+
+<file path=ppt/slides/slide8.xml><?xml version="1.0" encoding="utf-8"?>
+<p:sld xmlns:a="http://schemas.openxmlformats.org/drawingml/2006/main" xmlns:r="http://schemas.openxmlformats.org/officeDocument/2006/relationships" xmlns:p="http://schemas.openxmlformats.org/presentationml/2006/main">
+  <p:cSld>
+    <p:spTree>
+      <p:nvGrpSpPr>
+        <p:cNvPr id="1" name="">
+          <a:extLst>
+            <a:ext uri="{FF2B5EF4-FFF2-40B4-BE49-F238E27FC236}">
+              <a16:creationId xmlns:a16="http://schemas.microsoft.com/office/drawing/2014/main" id="{15D6126A-A3F9-7AD1-302C-9AC953256A35}"/>
+            </a:ext>
+          </a:extLst>
+        </p:cNvPr>
+        <p:cNvGrpSpPr/>
+        <p:nvPr/>
+      </p:nvGrpSpPr>
+      <p:grpSpPr>
+        <a:xfrm>
+          <a:off x="0" y="0"/>
+          <a:ext cx="0" cy="0"/>
+          <a:chOff x="0" y="0"/>
+          <a:chExt cx="0" cy="0"/>
+        </a:xfrm>
+      </p:grpSpPr>
+      <p:sp>
+        <p:nvSpPr>
+          <p:cNvPr id="2" name="Title 1">
+            <a:extLst>
+              <a:ext uri="{FF2B5EF4-FFF2-40B4-BE49-F238E27FC236}">
+                <a16:creationId xmlns:a16="http://schemas.microsoft.com/office/drawing/2014/main" id="{E7C1F9D6-A406-3DE1-561D-37427879EE55}"/>
+              </a:ext>
+            </a:extLst>
+          </p:cNvPr>
+          <p:cNvSpPr>
+            <a:spLocks noGrp="1"/>
+          </p:cNvSpPr>
+          <p:nvPr>
+            <p:ph type="title"/>
+          </p:nvPr>
+        </p:nvSpPr>
+        <p:spPr>
+          <a:xfrm>
+            <a:off x="913795" y="609600"/>
+            <a:ext cx="10656534" cy="632604"/>
+          </a:xfrm>
+        </p:spPr>
+        <p:txBody>
+          <a:bodyPr>
+            <a:normAutofit fontScale="90000"/>
+          </a:bodyPr>
+          <a:lstStyle/>
+          <a:p>
+            <a:pPr algn="l"/>
+            <a:r>
+              <a:rPr lang="en-US" dirty="0"/>
+              <a:t>2. </a:t>
+            </a:r>
+            <a:r>
+              <a:rPr lang="en-US" dirty="0" err="1"/>
+              <a:t>Clasificatori</a:t>
+            </a:r>
+            <a:r>
+              <a:rPr lang="en-US" dirty="0"/>
+              <a:t> </a:t>
+            </a:r>
+            <a:r>
+              <a:rPr lang="en-US" dirty="0" err="1"/>
+              <a:t>binari</a:t>
+            </a:r>
+            <a:r>
+              <a:rPr lang="en-US" dirty="0"/>
+              <a:t>: cu feature-</a:t>
+            </a:r>
+            <a:r>
+              <a:rPr lang="en-US" dirty="0" err="1"/>
+              <a:t>uri</a:t>
+            </a:r>
+            <a:r>
+              <a:rPr lang="en-US" dirty="0"/>
+              <a:t> parti de </a:t>
+            </a:r>
+            <a:r>
+              <a:rPr lang="en-US" dirty="0" err="1"/>
+              <a:t>vorbire</a:t>
+            </a:r>
+            <a:br>
+              <a:rPr lang="en-US" dirty="0"/>
+            </a:br>
+            <a:endParaRPr lang="en-GB" dirty="0"/>
+          </a:p>
+        </p:txBody>
+      </p:sp>
+      <p:sp>
+        <p:nvSpPr>
+          <p:cNvPr id="3" name="Content Placeholder 2">
+            <a:extLst>
+              <a:ext uri="{FF2B5EF4-FFF2-40B4-BE49-F238E27FC236}">
+                <a16:creationId xmlns:a16="http://schemas.microsoft.com/office/drawing/2014/main" id="{712BBAC9-8EFE-876B-2230-A876B864DBEB}"/>
+              </a:ext>
+            </a:extLst>
+          </p:cNvPr>
+          <p:cNvSpPr>
+            <a:spLocks noGrp="1"/>
+          </p:cNvSpPr>
+          <p:nvPr>
+            <p:ph idx="1"/>
+          </p:nvPr>
+        </p:nvSpPr>
+        <p:spPr>
+          <a:xfrm>
+            <a:off x="913795" y="1242204"/>
+            <a:ext cx="10919084" cy="5439253"/>
+          </a:xfrm>
+        </p:spPr>
+        <p:txBody>
+          <a:bodyPr>
+            <a:normAutofit/>
+          </a:bodyPr>
+          <a:lstStyle/>
+          <a:p>
+            <a:pPr marL="756900" lvl="1" indent="-342900">
+              <a:buAutoNum type="arabicPeriod"/>
+            </a:pPr>
+            <a:r>
+              <a:rPr lang="en-US" dirty="0"/>
+              <a:t>Am </a:t>
+            </a:r>
+            <a:r>
+              <a:rPr lang="en-US" dirty="0" err="1"/>
+              <a:t>incercat</a:t>
+            </a:r>
+            <a:r>
+              <a:rPr lang="en-US" dirty="0"/>
+              <a:t> </a:t>
+            </a:r>
+            <a:r>
+              <a:rPr lang="en-US" dirty="0" err="1"/>
+              <a:t>construirea</a:t>
+            </a:r>
+            <a:r>
+              <a:rPr lang="en-US" dirty="0"/>
+              <a:t> a 2 </a:t>
+            </a:r>
+            <a:r>
+              <a:rPr lang="en-US" dirty="0" err="1"/>
+              <a:t>modele</a:t>
+            </a:r>
+            <a:r>
+              <a:rPr lang="en-US" dirty="0"/>
+              <a:t> care au ca input feature POS </a:t>
+            </a:r>
+            <a:r>
+              <a:rPr lang="en-US" dirty="0" err="1"/>
+              <a:t>dependente</a:t>
+            </a:r>
+            <a:r>
+              <a:rPr lang="en-US" dirty="0"/>
+              <a:t> de context </a:t>
+            </a:r>
+            <a:r>
+              <a:rPr lang="en-US" dirty="0" err="1"/>
+              <a:t>dar</a:t>
+            </a:r>
+            <a:r>
+              <a:rPr lang="en-US" dirty="0"/>
+              <a:t> si </a:t>
+            </a:r>
+            <a:r>
+              <a:rPr lang="en-US" dirty="0" err="1"/>
+              <a:t>independente</a:t>
+            </a:r>
+            <a:r>
+              <a:rPr lang="en-US" dirty="0"/>
+              <a:t> de context</a:t>
+            </a:r>
+          </a:p>
+          <a:p>
+            <a:pPr marL="756900" lvl="1" indent="-342900">
+              <a:buAutoNum type="arabicPeriod"/>
+            </a:pPr>
+            <a:r>
+              <a:rPr lang="en-US" dirty="0" err="1"/>
+              <a:t>Pentru</a:t>
+            </a:r>
+            <a:r>
+              <a:rPr lang="en-US" dirty="0"/>
+              <a:t> </a:t>
+            </a:r>
+            <a:r>
+              <a:rPr lang="en-US" dirty="0" err="1"/>
+              <a:t>cele</a:t>
+            </a:r>
+            <a:r>
+              <a:rPr lang="en-US" dirty="0"/>
+              <a:t> </a:t>
+            </a:r>
+            <a:r>
+              <a:rPr lang="en-US" dirty="0" err="1"/>
+              <a:t>dependente</a:t>
+            </a:r>
+            <a:r>
+              <a:rPr lang="en-US" dirty="0"/>
+              <a:t> de context am </a:t>
+            </a:r>
+            <a:r>
+              <a:rPr lang="en-US" dirty="0" err="1"/>
+              <a:t>folosit</a:t>
+            </a:r>
+            <a:r>
+              <a:rPr lang="en-US" dirty="0"/>
+              <a:t> </a:t>
+            </a:r>
+            <a:r>
+              <a:rPr lang="en-US" dirty="0" err="1"/>
+              <a:t>biblioteca</a:t>
+            </a:r>
+            <a:r>
+              <a:rPr lang="en-US" dirty="0"/>
+              <a:t> </a:t>
+            </a:r>
+            <a:r>
+              <a:rPr lang="en-US" dirty="0" err="1"/>
+              <a:t>spaCy</a:t>
+            </a:r>
+            <a:r>
+              <a:rPr lang="en-US" dirty="0"/>
+              <a:t> </a:t>
+            </a:r>
+          </a:p>
+          <a:p>
+            <a:pPr marL="756900" lvl="1" indent="-342900">
+              <a:buAutoNum type="arabicPeriod"/>
+            </a:pPr>
+            <a:r>
+              <a:rPr lang="en-US" dirty="0"/>
+              <a:t>Am extras </a:t>
+            </a:r>
+            <a:r>
+              <a:rPr lang="en-US" dirty="0" err="1"/>
+              <a:t>partile</a:t>
+            </a:r>
+            <a:r>
+              <a:rPr lang="en-US" dirty="0"/>
+              <a:t> de </a:t>
+            </a:r>
+            <a:r>
+              <a:rPr lang="en-US" dirty="0" err="1"/>
+              <a:t>vorbire</a:t>
+            </a:r>
+            <a:r>
+              <a:rPr lang="en-US" dirty="0"/>
+              <a:t> si am </a:t>
+            </a:r>
+            <a:r>
+              <a:rPr lang="en-US" dirty="0" err="1"/>
+              <a:t>retinut</a:t>
+            </a:r>
+            <a:r>
+              <a:rPr lang="en-US" dirty="0"/>
+              <a:t> </a:t>
+            </a:r>
+            <a:r>
+              <a:rPr lang="en-US" dirty="0" err="1"/>
+              <a:t>primele</a:t>
+            </a:r>
+            <a:r>
+              <a:rPr lang="en-US" dirty="0"/>
+              <a:t> 10 </a:t>
+            </a:r>
+            <a:r>
+              <a:rPr lang="en-US" dirty="0" err="1"/>
+              <a:t>cele</a:t>
+            </a:r>
+            <a:r>
+              <a:rPr lang="en-US" dirty="0"/>
+              <a:t> </a:t>
+            </a:r>
+            <a:r>
+              <a:rPr lang="en-US" dirty="0" err="1"/>
+              <a:t>mai</a:t>
+            </a:r>
+            <a:r>
+              <a:rPr lang="en-US" dirty="0"/>
+              <a:t> </a:t>
+            </a:r>
+            <a:r>
+              <a:rPr lang="en-US" dirty="0" err="1"/>
+              <a:t>frecvente</a:t>
+            </a:r>
+            <a:r>
+              <a:rPr lang="en-US" dirty="0"/>
+              <a:t> parti de </a:t>
+            </a:r>
+            <a:r>
+              <a:rPr lang="en-US" dirty="0" err="1"/>
+              <a:t>vorbire</a:t>
+            </a:r>
+            <a:endParaRPr lang="en-US" dirty="0"/>
+          </a:p>
+          <a:p>
+            <a:pPr marL="756900" lvl="1" indent="-342900">
+              <a:buAutoNum type="arabicPeriod"/>
+            </a:pPr>
+            <a:r>
+              <a:rPr lang="en-US" dirty="0"/>
+              <a:t>Ca model </a:t>
+            </a:r>
+            <a:r>
+              <a:rPr lang="en-US" dirty="0" err="1"/>
+              <a:t>este</a:t>
+            </a:r>
+            <a:r>
+              <a:rPr lang="en-US" dirty="0"/>
+              <a:t> </a:t>
+            </a:r>
+            <a:r>
+              <a:rPr lang="en-US" dirty="0" err="1"/>
+              <a:t>cel</a:t>
+            </a:r>
+            <a:r>
+              <a:rPr lang="en-US" dirty="0"/>
+              <a:t> </a:t>
+            </a:r>
+            <a:r>
+              <a:rPr lang="en-US" dirty="0" err="1"/>
+              <a:t>folosit</a:t>
+            </a:r>
+            <a:r>
+              <a:rPr lang="en-US" dirty="0"/>
+              <a:t> </a:t>
+            </a:r>
+            <a:r>
+              <a:rPr lang="en-US" dirty="0" err="1"/>
+              <a:t>mai</a:t>
+            </a:r>
+            <a:r>
+              <a:rPr lang="en-US" dirty="0"/>
+              <a:t> </a:t>
+            </a:r>
+            <a:r>
+              <a:rPr lang="en-US" dirty="0" err="1"/>
+              <a:t>devreme</a:t>
+            </a:r>
+            <a:r>
+              <a:rPr lang="en-US" dirty="0"/>
+              <a:t>, Logistic Regression cu </a:t>
+            </a:r>
+            <a:r>
+              <a:rPr lang="en-US" dirty="0" err="1"/>
+              <a:t>L2</a:t>
+            </a:r>
+            <a:endParaRPr lang="en-US" dirty="0"/>
+          </a:p>
+          <a:p>
+            <a:pPr marL="756900" lvl="1" indent="-342900">
+              <a:buAutoNum type="arabicPeriod"/>
+            </a:pPr>
+            <a:r>
+              <a:rPr lang="en-US" dirty="0" err="1"/>
+              <a:t>Pentru</a:t>
+            </a:r>
+            <a:r>
+              <a:rPr lang="en-US" dirty="0"/>
+              <a:t> </a:t>
+            </a:r>
+            <a:r>
+              <a:rPr lang="en-US" dirty="0" err="1"/>
+              <a:t>cele</a:t>
+            </a:r>
+            <a:r>
+              <a:rPr lang="en-US" dirty="0"/>
+              <a:t> </a:t>
+            </a:r>
+            <a:r>
+              <a:rPr lang="en-US" dirty="0" err="1"/>
+              <a:t>independente</a:t>
+            </a:r>
+            <a:r>
+              <a:rPr lang="en-US" dirty="0"/>
+              <a:t> de context am </a:t>
+            </a:r>
+            <a:r>
+              <a:rPr lang="en-US" dirty="0" err="1"/>
+              <a:t>incercat</a:t>
+            </a:r>
+            <a:r>
+              <a:rPr lang="en-US" dirty="0"/>
+              <a:t> </a:t>
+            </a:r>
+            <a:r>
+              <a:rPr lang="en-US" dirty="0" err="1"/>
+              <a:t>folosirea</a:t>
+            </a:r>
+            <a:r>
+              <a:rPr lang="en-US" dirty="0"/>
+              <a:t> </a:t>
+            </a:r>
+            <a:r>
+              <a:rPr lang="en-US" dirty="0" err="1"/>
+              <a:t>bibliotecii</a:t>
+            </a:r>
+            <a:r>
+              <a:rPr lang="en-US" dirty="0"/>
+              <a:t> NLP-Cube de la Adobe, </a:t>
+            </a:r>
+            <a:r>
+              <a:rPr lang="en-US" dirty="0" err="1"/>
+              <a:t>dar</a:t>
+            </a:r>
+            <a:r>
+              <a:rPr lang="en-US" dirty="0"/>
+              <a:t> din </a:t>
+            </a:r>
+            <a:r>
+              <a:rPr lang="en-US" dirty="0" err="1"/>
+              <a:t>pacate</a:t>
+            </a:r>
+            <a:r>
+              <a:rPr lang="en-US" dirty="0"/>
+              <a:t> </a:t>
+            </a:r>
+            <a:r>
+              <a:rPr lang="en-US" dirty="0" err="1"/>
+              <a:t>ar</a:t>
+            </a:r>
+            <a:r>
+              <a:rPr lang="en-US" dirty="0"/>
+              <a:t> </a:t>
+            </a:r>
+            <a:r>
+              <a:rPr lang="en-US" dirty="0" err="1"/>
+              <a:t>necesita</a:t>
+            </a:r>
+            <a:r>
+              <a:rPr lang="en-US" dirty="0"/>
+              <a:t> </a:t>
+            </a:r>
+            <a:r>
+              <a:rPr lang="en-US" dirty="0" err="1"/>
+              <a:t>prea</a:t>
+            </a:r>
+            <a:r>
+              <a:rPr lang="en-US" dirty="0"/>
+              <a:t> </a:t>
+            </a:r>
+            <a:r>
+              <a:rPr lang="en-US" dirty="0" err="1"/>
+              <a:t>multe</a:t>
+            </a:r>
+            <a:r>
+              <a:rPr lang="en-US" dirty="0"/>
+              <a:t> </a:t>
+            </a:r>
+            <a:r>
+              <a:rPr lang="en-US" dirty="0" err="1"/>
+              <a:t>resurse</a:t>
+            </a:r>
+            <a:r>
+              <a:rPr lang="en-US" dirty="0"/>
+              <a:t>, pe care </a:t>
+            </a:r>
+            <a:r>
+              <a:rPr lang="en-US" dirty="0" err="1"/>
+              <a:t>noi</a:t>
+            </a:r>
+            <a:r>
+              <a:rPr lang="en-US" dirty="0"/>
+              <a:t> nu le </a:t>
+            </a:r>
+            <a:r>
+              <a:rPr lang="en-US" dirty="0" err="1"/>
+              <a:t>avem</a:t>
+            </a:r>
+            <a:r>
+              <a:rPr lang="en-US" dirty="0"/>
+              <a:t> la </a:t>
+            </a:r>
+            <a:r>
+              <a:rPr lang="en-US" dirty="0" err="1"/>
+              <a:t>dispozitie</a:t>
+            </a:r>
+            <a:endParaRPr lang="en-US" dirty="0"/>
+          </a:p>
+        </p:txBody>
+      </p:sp>
+    </p:spTree>
+    <p:extLst>
+      <p:ext uri="{BB962C8B-B14F-4D97-AF65-F5344CB8AC3E}">
+        <p14:creationId xmlns:p14="http://schemas.microsoft.com/office/powerpoint/2010/main" val="4085742182"/>
+      </p:ext>
+    </p:extLst>
+  </p:cSld>
+  <p:clrMapOvr>
+    <a:masterClrMapping/>
+  </p:clrMapOvr>
+</p:sld>
+</file>
+
+<file path=ppt/slides/slide9.xml><?xml version="1.0" encoding="utf-8"?>
+<p:sld xmlns:a="http://schemas.openxmlformats.org/drawingml/2006/main" xmlns:r="http://schemas.openxmlformats.org/officeDocument/2006/relationships" xmlns:p="http://schemas.openxmlformats.org/presentationml/2006/main">
+  <p:cSld>
+    <p:bg>
+      <p:bgPr>
+        <a:blipFill rotWithShape="1">
+          <a:blip r:embed="rId2">
+            <a:duotone>
+              <a:schemeClr val="bg1">
+                <a:shade val="80000"/>
+                <a:lumMod val="80000"/>
+              </a:schemeClr>
+              <a:schemeClr val="bg1">
+                <a:tint val="98000"/>
+              </a:schemeClr>
+            </a:duotone>
+          </a:blip>
+          <a:stretch/>
+        </a:blipFill>
+        <a:effectLst/>
+      </p:bgPr>
+    </p:bg>
+    <p:spTree>
+      <p:nvGrpSpPr>
+        <p:cNvPr id="1" name="">
+          <a:extLst>
+            <a:ext uri="{FF2B5EF4-FFF2-40B4-BE49-F238E27FC236}">
+              <a16:creationId xmlns:a16="http://schemas.microsoft.com/office/drawing/2014/main" id="{E12275F3-845D-0D02-2AB9-A62DEFFA627F}"/>
+            </a:ext>
+          </a:extLst>
+        </p:cNvPr>
+        <p:cNvGrpSpPr/>
+        <p:nvPr/>
+      </p:nvGrpSpPr>
+      <p:grpSpPr>
+        <a:xfrm>
+          <a:off x="0" y="0"/>
+          <a:ext cx="0" cy="0"/>
+          <a:chOff x="0" y="0"/>
+          <a:chExt cx="0" cy="0"/>
+        </a:xfrm>
+      </p:grpSpPr>
+      <p:sp useBgFill="1">
+        <p:nvSpPr>
+          <p:cNvPr id="11" name="Rectangle 10">
+            <a:extLst>
+              <a:ext uri="{FF2B5EF4-FFF2-40B4-BE49-F238E27FC236}">
+                <a16:creationId xmlns:a16="http://schemas.microsoft.com/office/drawing/2014/main" id="{1B3897FC-A693-4656-8FCD-CF609C3BDF8D}"/>
+              </a:ext>
+              <a:ext uri="{C183D7F6-B498-43B3-948B-1728B52AA6E4}">
+                <adec:decorative xmlns:adec="http://schemas.microsoft.com/office/drawing/2017/decorative" val="1"/>
+              </a:ext>
+            </a:extLst>
+          </p:cNvPr>
+          <p:cNvSpPr>
+            <a:spLocks noGrp="1" noRot="1" noChangeAspect="1" noMove="1" noResize="1" noEditPoints="1" noAdjustHandles="1" noChangeArrowheads="1" noChangeShapeType="1" noTextEdit="1"/>
+          </p:cNvSpPr>
+          <p:nvPr>
+            <p:extLst>
+              <p:ext uri="{386F3935-93C4-4BCD-93E2-E3B085C9AB24}">
+                <p16:designElem xmlns:p16="http://schemas.microsoft.com/office/powerpoint/2015/main" val="1"/>
+              </p:ext>
+            </p:extLst>
+          </p:nvPr>
+        </p:nvSpPr>
+        <p:spPr>
+          <a:xfrm>
+            <a:off x="0" y="0"/>
+            <a:ext cx="12192000" cy="6858000"/>
+          </a:xfrm>
+          <a:prstGeom prst="rect">
+            <a:avLst/>
+          </a:prstGeom>
+          <a:ln>
+            <a:noFill/>
+          </a:ln>
+        </p:spPr>
+        <p:style>
+          <a:lnRef idx="2">
+            <a:schemeClr val="accent1">
+              <a:shade val="50000"/>
+            </a:schemeClr>
+          </a:lnRef>
+          <a:fillRef idx="1">
+            <a:schemeClr val="accent1"/>
+          </a:fillRef>
+          <a:effectRef idx="0">
+            <a:schemeClr val="accent1"/>
+          </a:effectRef>
+          <a:fontRef idx="minor">
+            <a:schemeClr val="lt1"/>
+          </a:fontRef>
+        </p:style>
+        <p:txBody>
+          <a:bodyPr rtlCol="0" anchor="ctr"/>
+          <a:lstStyle/>
+          <a:p>
+            <a:pPr algn="ctr"/>
+            <a:endParaRPr lang="en-US"/>
+          </a:p>
+        </p:txBody>
+      </p:sp>
+      <p:sp>
+        <p:nvSpPr>
+          <p:cNvPr id="2" name="Title 1">
+            <a:extLst>
+              <a:ext uri="{FF2B5EF4-FFF2-40B4-BE49-F238E27FC236}">
+                <a16:creationId xmlns:a16="http://schemas.microsoft.com/office/drawing/2014/main" id="{E8F35762-5275-4E81-F98F-742D5DD520FA}"/>
+              </a:ext>
+            </a:extLst>
+          </p:cNvPr>
+          <p:cNvSpPr>
+            <a:spLocks noGrp="1"/>
+          </p:cNvSpPr>
+          <p:nvPr>
+            <p:ph type="title"/>
+          </p:nvPr>
+        </p:nvSpPr>
+        <p:spPr>
+          <a:xfrm>
+            <a:off x="707900" y="643467"/>
+            <a:ext cx="3946393" cy="1956298"/>
+          </a:xfrm>
+        </p:spPr>
+        <p:txBody>
+          <a:bodyPr>
+            <a:normAutofit/>
+          </a:bodyPr>
+          <a:lstStyle/>
+          <a:p>
+            <a:pPr algn="l"/>
+            <a:r>
+              <a:rPr lang="en-US" sz="3600"/>
+              <a:t>Concluzii</a:t>
+            </a:r>
+            <a:endParaRPr lang="en-GB" sz="3600"/>
+          </a:p>
+        </p:txBody>
+      </p:sp>
+      <p:sp>
+        <p:nvSpPr>
+          <p:cNvPr id="3" name="Content Placeholder 2">
+            <a:extLst>
+              <a:ext uri="{FF2B5EF4-FFF2-40B4-BE49-F238E27FC236}">
+                <a16:creationId xmlns:a16="http://schemas.microsoft.com/office/drawing/2014/main" id="{75CF708E-1664-AEA0-ED21-79ADD76ED4A9}"/>
+              </a:ext>
+            </a:extLst>
+          </p:cNvPr>
+          <p:cNvSpPr>
+            <a:spLocks noGrp="1"/>
+          </p:cNvSpPr>
+          <p:nvPr>
+            <p:ph idx="1"/>
+          </p:nvPr>
+        </p:nvSpPr>
+        <p:spPr>
+          <a:xfrm>
+            <a:off x="5139768" y="643467"/>
+            <a:ext cx="6430560" cy="1956298"/>
+          </a:xfrm>
+        </p:spPr>
+        <p:txBody>
+          <a:bodyPr anchor="ctr">
+            <a:normAutofit/>
+          </a:bodyPr>
+          <a:lstStyle/>
+          <a:p>
+            <a:r>
+              <a:rPr lang="en-US" dirty="0" err="1"/>
+              <a:t>Modelul</a:t>
+            </a:r>
+            <a:r>
+              <a:rPr lang="en-US" dirty="0"/>
+              <a:t> dependent de context are </a:t>
+            </a:r>
+            <a:r>
+              <a:rPr lang="en-US" dirty="0" err="1"/>
+              <a:t>scor</a:t>
+            </a:r>
+            <a:r>
+              <a:rPr lang="en-US" dirty="0"/>
+              <a:t> </a:t>
+            </a:r>
+            <a:r>
+              <a:rPr lang="en-US" dirty="0" err="1"/>
+              <a:t>f1</a:t>
+            </a:r>
+            <a:r>
+              <a:rPr lang="en-US" dirty="0"/>
+              <a:t> de 1 pe Moldova si 0.98 pe Romania</a:t>
+            </a:r>
+          </a:p>
+          <a:p>
+            <a:r>
+              <a:rPr lang="en-US" dirty="0" err="1"/>
+              <a:t>Acest</a:t>
+            </a:r>
+            <a:r>
+              <a:rPr lang="en-US" dirty="0"/>
+              <a:t> </a:t>
+            </a:r>
+            <a:r>
+              <a:rPr lang="en-US" dirty="0" err="1"/>
+              <a:t>lucru</a:t>
+            </a:r>
+            <a:r>
+              <a:rPr lang="en-US" dirty="0"/>
+              <a:t> </a:t>
+            </a:r>
+            <a:r>
+              <a:rPr lang="en-US" dirty="0" err="1"/>
+              <a:t>poate</a:t>
+            </a:r>
+            <a:r>
+              <a:rPr lang="en-US" dirty="0"/>
+              <a:t> </a:t>
+            </a:r>
+            <a:r>
+              <a:rPr lang="en-US" dirty="0" err="1"/>
+              <a:t>insemna</a:t>
+            </a:r>
+            <a:r>
+              <a:rPr lang="en-US" dirty="0"/>
+              <a:t> ca </a:t>
+            </a:r>
+            <a:r>
+              <a:rPr lang="en-US" dirty="0" err="1"/>
+              <a:t>cele</a:t>
+            </a:r>
+            <a:r>
+              <a:rPr lang="en-US" dirty="0"/>
+              <a:t> </a:t>
+            </a:r>
+            <a:r>
+              <a:rPr lang="en-US" dirty="0" err="1"/>
+              <a:t>doua</a:t>
+            </a:r>
+            <a:r>
+              <a:rPr lang="en-US" dirty="0"/>
+              <a:t> limbi </a:t>
+            </a:r>
+            <a:r>
+              <a:rPr lang="en-US" dirty="0" err="1"/>
+              <a:t>difera</a:t>
+            </a:r>
+            <a:r>
+              <a:rPr lang="en-US" dirty="0"/>
+              <a:t> si contextual </a:t>
+            </a:r>
+            <a:r>
+              <a:rPr lang="en-US" dirty="0" err="1"/>
+              <a:t>destul</a:t>
+            </a:r>
+            <a:r>
+              <a:rPr lang="en-US" dirty="0"/>
+              <a:t> de </a:t>
+            </a:r>
+            <a:r>
+              <a:rPr lang="en-US" dirty="0" err="1"/>
+              <a:t>mult</a:t>
+            </a:r>
+            <a:r>
+              <a:rPr lang="en-US" dirty="0"/>
+              <a:t> </a:t>
+            </a:r>
+            <a:r>
+              <a:rPr lang="en-US" dirty="0" err="1"/>
+              <a:t>pentru</a:t>
+            </a:r>
+            <a:r>
+              <a:rPr lang="en-US" dirty="0"/>
+              <a:t> a </a:t>
+            </a:r>
+            <a:r>
+              <a:rPr lang="en-US" dirty="0" err="1"/>
+              <a:t>putea</a:t>
+            </a:r>
+            <a:r>
+              <a:rPr lang="en-US" dirty="0"/>
+              <a:t> fi </a:t>
+            </a:r>
+            <a:r>
+              <a:rPr lang="en-US" dirty="0" err="1"/>
+              <a:t>diferentiate</a:t>
+            </a:r>
+            <a:r>
+              <a:rPr lang="en-US" dirty="0"/>
+              <a:t> “</a:t>
+            </a:r>
+            <a:r>
+              <a:rPr lang="en-US" dirty="0" err="1"/>
+              <a:t>lejer</a:t>
+            </a:r>
+            <a:r>
+              <a:rPr lang="en-US" dirty="0"/>
+              <a:t>”</a:t>
+            </a:r>
+          </a:p>
+        </p:txBody>
+      </p:sp>
+      <p:pic>
+        <p:nvPicPr>
+          <p:cNvPr id="6" name="Picture 5" descr="A screen shot of a computer&#10;&#10;Description automatically generated">
+            <a:extLst>
+              <a:ext uri="{FF2B5EF4-FFF2-40B4-BE49-F238E27FC236}">
+                <a16:creationId xmlns:a16="http://schemas.microsoft.com/office/drawing/2014/main" id="{64869119-CD5A-4104-61B5-907E78151824}"/>
+              </a:ext>
+            </a:extLst>
+          </p:cNvPr>
+          <p:cNvPicPr>
+            <a:picLocks noChangeAspect="1"/>
+          </p:cNvPicPr>
+          <p:nvPr/>
+        </p:nvPicPr>
+        <p:blipFill>
+          <a:blip r:embed="rId3"/>
+          <a:stretch>
+            <a:fillRect/>
+          </a:stretch>
+        </p:blipFill>
+        <p:spPr>
+          <a:xfrm>
+            <a:off x="2044457" y="2952377"/>
+            <a:ext cx="8124881" cy="3107766"/>
+          </a:xfrm>
+          <a:prstGeom prst="rect">
+            <a:avLst/>
+          </a:prstGeom>
+        </p:spPr>
+      </p:pic>
+    </p:spTree>
+    <p:extLst>
+      <p:ext uri="{BB962C8B-B14F-4D97-AF65-F5344CB8AC3E}">
+        <p14:creationId xmlns:p14="http://schemas.microsoft.com/office/powerpoint/2010/main" val="3562314670"/>
       </p:ext>
     </p:extLst>
   </p:cSld>

--- a/Presentation.pptx
+++ b/Presentation.pptx
@@ -15,6 +15,11 @@
     <p:sldId id="264" r:id="rId9"/>
     <p:sldId id="265" r:id="rId10"/>
     <p:sldId id="266" r:id="rId11"/>
+    <p:sldId id="267" r:id="rId12"/>
+    <p:sldId id="269" r:id="rId13"/>
+    <p:sldId id="271" r:id="rId14"/>
+    <p:sldId id="268" r:id="rId15"/>
+    <p:sldId id="270" r:id="rId16"/>
   </p:sldIdLst>
   <p:sldSz cx="12192000" cy="6858000"/>
   <p:notesSz cx="6858000" cy="9144000"/>
@@ -6536,64 +6541,129 @@
             </a:r>
             <a:r>
               <a:rPr lang="en-US" dirty="0" err="1"/>
-              <a:t>incercat</a:t>
-            </a:r>
-            <a:r>
-              <a:rPr lang="en-US" dirty="0"/>
-              <a:t> </a:t>
-            </a:r>
-            <a:r>
-              <a:rPr lang="en-US" dirty="0" err="1"/>
-              <a:t>construirea</a:t>
-            </a:r>
-            <a:r>
-              <a:rPr lang="en-US" dirty="0"/>
-              <a:t> a 2 </a:t>
-            </a:r>
-            <a:r>
-              <a:rPr lang="en-US" dirty="0" err="1"/>
-              <a:t>modele</a:t>
-            </a:r>
-            <a:r>
-              <a:rPr lang="en-US" dirty="0"/>
-              <a:t> care au ca input feature POS </a:t>
-            </a:r>
-            <a:r>
-              <a:rPr lang="en-US" dirty="0" err="1"/>
-              <a:t>dependente</a:t>
-            </a:r>
-            <a:r>
-              <a:rPr lang="en-US" dirty="0"/>
-              <a:t> de context </a:t>
-            </a:r>
-            <a:r>
-              <a:rPr lang="en-US" dirty="0" err="1"/>
-              <a:t>dar</a:t>
-            </a:r>
-            <a:r>
-              <a:rPr lang="en-US" dirty="0"/>
-              <a:t> si </a:t>
-            </a:r>
-            <a:r>
-              <a:rPr lang="en-US" dirty="0" err="1"/>
-              <a:t>independente</a:t>
-            </a:r>
-            <a:r>
-              <a:rPr lang="en-US" dirty="0"/>
-              <a:t> de context</a:t>
-            </a:r>
+              <a:t>incarcat</a:t>
+            </a:r>
+            <a:r>
+              <a:rPr lang="en-US" dirty="0"/>
+              <a:t> </a:t>
+            </a:r>
+            <a:r>
+              <a:rPr lang="en-US" dirty="0" err="1"/>
+              <a:t>articolele</a:t>
+            </a:r>
+            <a:r>
+              <a:rPr lang="en-US" dirty="0"/>
+              <a:t> si am </a:t>
+            </a:r>
+            <a:r>
+              <a:rPr lang="en-US" dirty="0" err="1"/>
+              <a:t>folosit</a:t>
+            </a:r>
+            <a:r>
+              <a:rPr lang="en-US" dirty="0"/>
+              <a:t> </a:t>
+            </a:r>
+            <a:r>
+              <a:rPr lang="en-US" dirty="0" err="1"/>
+              <a:t>libraria</a:t>
+            </a:r>
+            <a:r>
+              <a:rPr lang="en-US" dirty="0"/>
+              <a:t> </a:t>
+            </a:r>
+            <a:r>
+              <a:rPr lang="en-US" dirty="0" err="1"/>
+              <a:t>spaCy</a:t>
+            </a:r>
+            <a:r>
+              <a:rPr lang="en-US" dirty="0"/>
+              <a:t> </a:t>
+            </a:r>
+            <a:r>
+              <a:rPr lang="en-US" dirty="0" err="1"/>
+              <a:t>pentru</a:t>
+            </a:r>
+            <a:r>
+              <a:rPr lang="en-US" dirty="0"/>
+              <a:t> a </a:t>
+            </a:r>
+            <a:r>
+              <a:rPr lang="en-US" dirty="0" err="1"/>
+              <a:t>calcula</a:t>
+            </a:r>
+            <a:r>
+              <a:rPr lang="en-US" dirty="0"/>
+              <a:t> dependency trees </a:t>
+            </a:r>
+            <a:r>
+              <a:rPr lang="en-US" dirty="0" err="1"/>
+              <a:t>pentru</a:t>
+            </a:r>
+            <a:r>
+              <a:rPr lang="en-US" dirty="0"/>
+              <a:t> </a:t>
+            </a:r>
+            <a:r>
+              <a:rPr lang="en-US" dirty="0" err="1"/>
+              <a:t>fiecare</a:t>
+            </a:r>
+            <a:r>
+              <a:rPr lang="en-US" dirty="0"/>
+              <a:t> </a:t>
+            </a:r>
+            <a:r>
+              <a:rPr lang="en-US" dirty="0" err="1"/>
+              <a:t>dintre</a:t>
+            </a:r>
+            <a:r>
+              <a:rPr lang="en-US" dirty="0"/>
+              <a:t> </a:t>
+            </a:r>
+            <a:r>
+              <a:rPr lang="en-US" dirty="0" err="1"/>
+              <a:t>cele</a:t>
+            </a:r>
+            <a:r>
+              <a:rPr lang="en-US" dirty="0"/>
+              <a:t> 2 </a:t>
+            </a:r>
+            <a:r>
+              <a:rPr lang="en-US" dirty="0" err="1"/>
+              <a:t>clase</a:t>
+            </a:r>
+            <a:endParaRPr lang="en-US" dirty="0"/>
           </a:p>
           <a:p>
             <a:pPr marL="756900" lvl="1" indent="-342900">
               <a:buAutoNum type="arabicPeriod"/>
             </a:pPr>
             <a:r>
-              <a:rPr lang="en-US" dirty="0" err="1"/>
-              <a:t>Pentru</a:t>
-            </a:r>
-            <a:r>
-              <a:rPr lang="en-US" dirty="0"/>
-              <a:t> </a:t>
+              <a:rPr lang="en-US" dirty="0"/>
+              <a:t>Am </a:t>
+            </a:r>
+            <a:r>
+              <a:rPr lang="en-US" dirty="0" err="1"/>
+              <a:t>parcurs</a:t>
+            </a:r>
+            <a:r>
+              <a:rPr lang="en-US" dirty="0"/>
+              <a:t> </a:t>
+            </a:r>
+            <a:r>
+              <a:rPr lang="en-US" dirty="0" err="1"/>
+              <a:t>fiecare</a:t>
+            </a:r>
+            <a:r>
+              <a:rPr lang="en-US" dirty="0"/>
+              <a:t> </a:t>
+            </a:r>
+            <a:r>
+              <a:rPr lang="en-US" dirty="0" err="1"/>
+              <a:t>fraza</a:t>
+            </a:r>
+            <a:r>
+              <a:rPr lang="en-US" dirty="0"/>
+              <a:t> din </a:t>
             </a:r>
             <a:r>
               <a:rPr lang="en-US" dirty="0" err="1"/>
@@ -6605,36 +6675,259 @@
             </a:r>
             <a:r>
               <a:rPr lang="en-US" dirty="0" err="1"/>
-              <a:t>dependente</a:t>
-            </a:r>
-            <a:r>
-              <a:rPr lang="en-US" dirty="0"/>
-              <a:t> de context am </a:t>
-            </a:r>
-            <a:r>
-              <a:rPr lang="en-US" dirty="0" err="1"/>
-              <a:t>folosit</a:t>
-            </a:r>
-            <a:r>
-              <a:rPr lang="en-US" dirty="0"/>
-              <a:t> </a:t>
-            </a:r>
-            <a:r>
-              <a:rPr lang="en-US" dirty="0" err="1"/>
-              <a:t>biblioteca</a:t>
-            </a:r>
-            <a:r>
-              <a:rPr lang="en-US" dirty="0"/>
-              <a:t> </a:t>
-            </a:r>
-            <a:r>
-              <a:rPr lang="en-US" dirty="0" err="1"/>
-              <a:t>spaCy</a:t>
-            </a:r>
-            <a:r>
-              <a:rPr lang="en-US" dirty="0"/>
-              <a:t> </a:t>
-            </a:r>
+              <a:t>doua</a:t>
+            </a:r>
+            <a:r>
+              <a:rPr lang="en-US" dirty="0"/>
+              <a:t> </a:t>
+            </a:r>
+            <a:r>
+              <a:rPr lang="en-US" dirty="0" err="1"/>
+              <a:t>clase</a:t>
+            </a:r>
+            <a:r>
+              <a:rPr lang="en-US" dirty="0"/>
+              <a:t> si </a:t>
+            </a:r>
+            <a:r>
+              <a:rPr lang="en-US" dirty="0" err="1"/>
+              <a:t>pentru</a:t>
+            </a:r>
+            <a:r>
+              <a:rPr lang="en-US" dirty="0"/>
+              <a:t> </a:t>
+            </a:r>
+            <a:r>
+              <a:rPr lang="en-US" dirty="0" err="1"/>
+              <a:t>fraze</a:t>
+            </a:r>
+            <a:r>
+              <a:rPr lang="en-US" dirty="0"/>
+              <a:t> care au </a:t>
+            </a:r>
+            <a:r>
+              <a:rPr lang="en-US" dirty="0" err="1"/>
+              <a:t>mai</a:t>
+            </a:r>
+            <a:r>
+              <a:rPr lang="en-US" dirty="0"/>
+              <a:t> </a:t>
+            </a:r>
+            <a:r>
+              <a:rPr lang="en-US" dirty="0" err="1"/>
+              <a:t>mult</a:t>
+            </a:r>
+            <a:r>
+              <a:rPr lang="en-US" dirty="0"/>
+              <a:t> de 3 </a:t>
+            </a:r>
+            <a:r>
+              <a:rPr lang="en-US" dirty="0" err="1"/>
+              <a:t>cuvinte</a:t>
+            </a:r>
+            <a:r>
+              <a:rPr lang="en-US" dirty="0"/>
+              <a:t> si </a:t>
+            </a:r>
+            <a:r>
+              <a:rPr lang="en-US" dirty="0" err="1"/>
+              <a:t>numaram</a:t>
+            </a:r>
+            <a:r>
+              <a:rPr lang="en-US" dirty="0"/>
+              <a:t> cate </a:t>
+            </a:r>
+            <a:r>
+              <a:rPr lang="en-US" dirty="0" err="1"/>
+              <a:t>fraze</a:t>
+            </a:r>
+            <a:r>
+              <a:rPr lang="en-US" dirty="0"/>
+              <a:t> apar cu exact </a:t>
+            </a:r>
+            <a:r>
+              <a:rPr lang="en-US" dirty="0" err="1"/>
+              <a:t>aceleasi</a:t>
+            </a:r>
+            <a:r>
+              <a:rPr lang="en-US" dirty="0"/>
+              <a:t> parti de </a:t>
+            </a:r>
+            <a:r>
+              <a:rPr lang="en-US" dirty="0" err="1"/>
+              <a:t>vorbire</a:t>
+            </a:r>
+            <a:r>
+              <a:rPr lang="en-US" dirty="0"/>
+              <a:t> </a:t>
+            </a:r>
+            <a:r>
+              <a:rPr lang="en-US" dirty="0" err="1"/>
+              <a:t>astfel</a:t>
+            </a:r>
+            <a:r>
+              <a:rPr lang="en-US" dirty="0"/>
+              <a:t>:</a:t>
+            </a:r>
+          </a:p>
+          <a:p>
+            <a:pPr marL="1062900" lvl="2" indent="-342900">
+              <a:buAutoNum type="arabicPeriod"/>
+            </a:pPr>
+            <a:r>
+              <a:rPr lang="en-US" dirty="0" err="1"/>
+              <a:t>sortam</a:t>
+            </a:r>
+            <a:r>
+              <a:rPr lang="en-US" dirty="0"/>
+              <a:t> </a:t>
+            </a:r>
+            <a:r>
+              <a:rPr lang="en-US" dirty="0" err="1"/>
+              <a:t>partile</a:t>
+            </a:r>
+            <a:r>
+              <a:rPr lang="en-US" dirty="0"/>
+              <a:t> de </a:t>
+            </a:r>
+            <a:r>
+              <a:rPr lang="en-US" dirty="0" err="1"/>
+              <a:t>vorbire</a:t>
+            </a:r>
+            <a:r>
+              <a:rPr lang="en-US" dirty="0"/>
+              <a:t> si le </a:t>
+            </a:r>
+            <a:r>
+              <a:rPr lang="en-US" dirty="0" err="1"/>
+              <a:t>concatenam</a:t>
+            </a:r>
+            <a:r>
+              <a:rPr lang="en-US" dirty="0"/>
+              <a:t> </a:t>
+            </a:r>
+            <a:r>
+              <a:rPr lang="en-US" dirty="0" err="1"/>
+              <a:t>intr</a:t>
+            </a:r>
+            <a:r>
+              <a:rPr lang="en-US" dirty="0"/>
+              <a:t>-un string (</a:t>
+            </a:r>
+            <a:r>
+              <a:rPr lang="en-US" dirty="0" err="1"/>
+              <a:t>doua</a:t>
+            </a:r>
+            <a:r>
+              <a:rPr lang="en-US" dirty="0"/>
+              <a:t> string-</a:t>
+            </a:r>
+            <a:r>
+              <a:rPr lang="en-US" dirty="0" err="1"/>
+              <a:t>uri</a:t>
+            </a:r>
+            <a:r>
+              <a:rPr lang="en-US" dirty="0"/>
+              <a:t> nu pot fi </a:t>
+            </a:r>
+            <a:r>
+              <a:rPr lang="en-US" dirty="0" err="1"/>
+              <a:t>identice</a:t>
+            </a:r>
+            <a:r>
+              <a:rPr lang="en-US" dirty="0"/>
+              <a:t> </a:t>
+            </a:r>
+            <a:r>
+              <a:rPr lang="en-US" dirty="0" err="1"/>
+              <a:t>decat</a:t>
+            </a:r>
+            <a:r>
+              <a:rPr lang="en-US" dirty="0"/>
+              <a:t> </a:t>
+            </a:r>
+            <a:r>
+              <a:rPr lang="en-US" dirty="0" err="1"/>
+              <a:t>daca</a:t>
+            </a:r>
+            <a:r>
+              <a:rPr lang="en-US" dirty="0"/>
+              <a:t> sunt </a:t>
+            </a:r>
+            <a:r>
+              <a:rPr lang="en-US" dirty="0" err="1"/>
+              <a:t>propozitii</a:t>
+            </a:r>
+            <a:r>
+              <a:rPr lang="en-US" dirty="0"/>
+              <a:t> care au exact </a:t>
+            </a:r>
+            <a:r>
+              <a:rPr lang="en-US" dirty="0" err="1"/>
+              <a:t>aceleasi</a:t>
+            </a:r>
+            <a:r>
+              <a:rPr lang="en-US" dirty="0"/>
+              <a:t> parti de </a:t>
+            </a:r>
+            <a:r>
+              <a:rPr lang="en-US" dirty="0" err="1"/>
+              <a:t>vorbire</a:t>
+            </a:r>
+            <a:r>
+              <a:rPr lang="en-US" dirty="0"/>
+              <a:t>)</a:t>
+            </a:r>
+          </a:p>
+          <a:p>
+            <a:pPr marL="1062900" lvl="2" indent="-342900">
+              <a:buAutoNum type="arabicPeriod"/>
+            </a:pPr>
+            <a:r>
+              <a:rPr lang="en-US" dirty="0" err="1"/>
+              <a:t>memoram</a:t>
+            </a:r>
+            <a:r>
+              <a:rPr lang="en-US" dirty="0"/>
+              <a:t> </a:t>
+            </a:r>
+            <a:r>
+              <a:rPr lang="en-US" dirty="0" err="1"/>
+              <a:t>intr</a:t>
+            </a:r>
+            <a:r>
+              <a:rPr lang="en-US" dirty="0"/>
+              <a:t>-un </a:t>
+            </a:r>
+            <a:r>
+              <a:rPr lang="en-US" dirty="0" err="1"/>
+              <a:t>dictionar</a:t>
+            </a:r>
+            <a:r>
+              <a:rPr lang="en-US" dirty="0"/>
+              <a:t> </a:t>
+            </a:r>
+            <a:r>
+              <a:rPr lang="en-US" dirty="0" err="1"/>
+              <a:t>numarul</a:t>
+            </a:r>
+            <a:r>
+              <a:rPr lang="en-US" dirty="0"/>
+              <a:t> de </a:t>
+            </a:r>
+            <a:r>
+              <a:rPr lang="en-US" dirty="0" err="1"/>
+              <a:t>aparitii</a:t>
+            </a:r>
+            <a:r>
+              <a:rPr lang="en-US" dirty="0"/>
+              <a:t> al </a:t>
+            </a:r>
+            <a:r>
+              <a:rPr lang="en-US" dirty="0" err="1"/>
+              <a:t>frazelor</a:t>
+            </a:r>
+            <a:endParaRPr lang="en-US" dirty="0"/>
           </a:p>
           <a:p>
             <a:pPr marL="756900" lvl="1" indent="-342900">
@@ -6642,7 +6935,95 @@
             </a:pPr>
             <a:r>
               <a:rPr lang="en-US" dirty="0"/>
-              <a:t>Am extras </a:t>
+              <a:t>La </a:t>
+            </a:r>
+            <a:r>
+              <a:rPr lang="en-US" dirty="0" err="1"/>
+              <a:t>sfarsit</a:t>
+            </a:r>
+            <a:r>
+              <a:rPr lang="en-US" dirty="0"/>
+              <a:t>, </a:t>
+            </a:r>
+            <a:r>
+              <a:rPr lang="en-US" dirty="0" err="1"/>
+              <a:t>sortam</a:t>
+            </a:r>
+            <a:r>
+              <a:rPr lang="en-US" dirty="0"/>
+              <a:t> </a:t>
+            </a:r>
+            <a:r>
+              <a:rPr lang="en-US" dirty="0" err="1"/>
+              <a:t>listele</a:t>
+            </a:r>
+            <a:r>
+              <a:rPr lang="en-US" dirty="0"/>
+              <a:t> </a:t>
+            </a:r>
+            <a:r>
+              <a:rPr lang="en-US" dirty="0" err="1"/>
+              <a:t>corespunzatoare</a:t>
+            </a:r>
+            <a:r>
+              <a:rPr lang="en-US" dirty="0"/>
+              <a:t> </a:t>
+            </a:r>
+            <a:r>
+              <a:rPr lang="en-US" dirty="0" err="1"/>
+              <a:t>celor</a:t>
+            </a:r>
+            <a:r>
+              <a:rPr lang="en-US" dirty="0"/>
+              <a:t> </a:t>
+            </a:r>
+            <a:r>
+              <a:rPr lang="en-US" dirty="0" err="1"/>
+              <a:t>doua</a:t>
+            </a:r>
+            <a:r>
+              <a:rPr lang="en-US" dirty="0"/>
+              <a:t> </a:t>
+            </a:r>
+            <a:r>
+              <a:rPr lang="en-US" dirty="0" err="1"/>
+              <a:t>clase</a:t>
+            </a:r>
+            <a:r>
+              <a:rPr lang="en-US" dirty="0"/>
+              <a:t> si </a:t>
+            </a:r>
+            <a:r>
+              <a:rPr lang="en-US" dirty="0" err="1"/>
+              <a:t>vedem</a:t>
+            </a:r>
+            <a:r>
+              <a:rPr lang="en-US" dirty="0"/>
+              <a:t> </a:t>
+            </a:r>
+            <a:r>
+              <a:rPr lang="en-US" dirty="0" err="1"/>
+              <a:t>ce</a:t>
+            </a:r>
+            <a:r>
+              <a:rPr lang="en-US" dirty="0"/>
+              <a:t> </a:t>
+            </a:r>
+            <a:r>
+              <a:rPr lang="en-US" dirty="0" err="1"/>
+              <a:t>dependinte</a:t>
+            </a:r>
+            <a:r>
+              <a:rPr lang="en-US" dirty="0"/>
+              <a:t> </a:t>
+            </a:r>
+            <a:r>
+              <a:rPr lang="en-US" dirty="0" err="1"/>
+              <a:t>exista</a:t>
+            </a:r>
+            <a:r>
+              <a:rPr lang="en-US" dirty="0"/>
+              <a:t> intra </a:t>
             </a:r>
             <a:r>
               <a:rPr lang="en-US" dirty="0" err="1"/>
@@ -6658,27 +7039,19 @@
             </a:r>
             <a:r>
               <a:rPr lang="en-US" dirty="0"/>
-              <a:t> si am </a:t>
-            </a:r>
-            <a:r>
-              <a:rPr lang="en-US" dirty="0" err="1"/>
-              <a:t>retinut</a:t>
-            </a:r>
-            <a:r>
-              <a:rPr lang="en-US" dirty="0"/>
-              <a:t> </a:t>
-            </a:r>
-            <a:r>
-              <a:rPr lang="en-US" dirty="0" err="1"/>
-              <a:t>primele</a:t>
-            </a:r>
-            <a:r>
-              <a:rPr lang="en-US" dirty="0"/>
-              <a:t> 10 </a:t>
-            </a:r>
-            <a:r>
-              <a:rPr lang="en-US" dirty="0" err="1"/>
-              <a:t>cele</a:t>
+              <a:t> din </a:t>
+            </a:r>
+            <a:r>
+              <a:rPr lang="en-US" dirty="0" err="1"/>
+              <a:t>frazele</a:t>
+            </a:r>
+            <a:r>
+              <a:rPr lang="en-US" dirty="0"/>
+              <a:t> care apar </a:t>
+            </a:r>
+            <a:r>
+              <a:rPr lang="en-US" dirty="0" err="1"/>
+              <a:t>cel</a:t>
             </a:r>
             <a:r>
               <a:rPr lang="en-US" dirty="0"/>
@@ -6690,11 +7063,19 @@
             </a:r>
             <a:r>
               <a:rPr lang="en-US" dirty="0"/>
-              <a:t> </a:t>
-            </a:r>
-            <a:r>
-              <a:rPr lang="en-US" dirty="0" err="1"/>
-              <a:t>frecvente</a:t>
+              <a:t> des si sunt </a:t>
+            </a:r>
+            <a:r>
+              <a:rPr lang="en-US" dirty="0" err="1"/>
+              <a:t>compuse</a:t>
+            </a:r>
+            <a:r>
+              <a:rPr lang="en-US" dirty="0"/>
+              <a:t> din </a:t>
+            </a:r>
+            <a:r>
+              <a:rPr lang="en-US" dirty="0" err="1"/>
+              <a:t>aceste</a:t>
             </a:r>
             <a:r>
               <a:rPr lang="en-US" dirty="0"/>
@@ -6712,181 +7093,75 @@
             </a:pPr>
             <a:r>
               <a:rPr lang="en-US" dirty="0"/>
-              <a:t>Ca model </a:t>
-            </a:r>
-            <a:r>
-              <a:rPr lang="en-US" dirty="0" err="1"/>
-              <a:t>este</a:t>
-            </a:r>
-            <a:r>
-              <a:rPr lang="en-US" dirty="0"/>
-              <a:t> </a:t>
-            </a:r>
-            <a:r>
-              <a:rPr lang="en-US" dirty="0" err="1"/>
-              <a:t>cel</a:t>
-            </a:r>
-            <a:r>
-              <a:rPr lang="en-US" dirty="0"/>
-              <a:t> </a:t>
-            </a:r>
-            <a:r>
-              <a:rPr lang="en-US" dirty="0" err="1"/>
-              <a:t>folosit</a:t>
-            </a:r>
-            <a:r>
-              <a:rPr lang="en-US" dirty="0"/>
-              <a:t> </a:t>
-            </a:r>
-            <a:r>
-              <a:rPr lang="en-US" dirty="0" err="1"/>
-              <a:t>mai</a:t>
-            </a:r>
-            <a:r>
-              <a:rPr lang="en-US" dirty="0"/>
-              <a:t> </a:t>
-            </a:r>
-            <a:r>
-              <a:rPr lang="en-US" dirty="0" err="1"/>
-              <a:t>devreme</a:t>
-            </a:r>
-            <a:r>
-              <a:rPr lang="en-US" dirty="0"/>
-              <a:t>, Logistic Regression cu </a:t>
-            </a:r>
-            <a:r>
-              <a:rPr lang="en-US" dirty="0" err="1"/>
-              <a:t>L2</a:t>
-            </a:r>
-            <a:endParaRPr lang="en-US" dirty="0"/>
-          </a:p>
-          <a:p>
-            <a:pPr marL="756900" lvl="1" indent="-342900">
-              <a:buAutoNum type="arabicPeriod"/>
-            </a:pPr>
-            <a:r>
-              <a:rPr lang="en-US" dirty="0" err="1"/>
-              <a:t>Pentru</a:t>
-            </a:r>
-            <a:r>
-              <a:rPr lang="en-US" dirty="0"/>
-              <a:t> </a:t>
-            </a:r>
-            <a:r>
-              <a:rPr lang="en-US" dirty="0" err="1"/>
-              <a:t>cele</a:t>
-            </a:r>
-            <a:r>
-              <a:rPr lang="en-US" dirty="0"/>
-              <a:t> </a:t>
-            </a:r>
-            <a:r>
-              <a:rPr lang="en-US" dirty="0" err="1"/>
-              <a:t>independente</a:t>
-            </a:r>
-            <a:r>
-              <a:rPr lang="en-US" dirty="0"/>
-              <a:t> de context am </a:t>
-            </a:r>
-            <a:r>
-              <a:rPr lang="en-US" dirty="0" err="1"/>
-              <a:t>incercat</a:t>
-            </a:r>
-            <a:r>
-              <a:rPr lang="en-US" dirty="0"/>
-              <a:t> </a:t>
-            </a:r>
-            <a:r>
-              <a:rPr lang="en-US" dirty="0" err="1"/>
-              <a:t>folosirea</a:t>
-            </a:r>
-            <a:r>
-              <a:rPr lang="en-US" dirty="0"/>
-              <a:t> </a:t>
-            </a:r>
-            <a:r>
-              <a:rPr lang="en-US" dirty="0" err="1"/>
-              <a:t>bibliotecii</a:t>
-            </a:r>
-            <a:r>
-              <a:rPr lang="en-US" dirty="0"/>
-              <a:t> NLP-Cube de la Adobe, </a:t>
-            </a:r>
-            <a:r>
-              <a:rPr lang="en-US" dirty="0" err="1"/>
-              <a:t>dar</a:t>
-            </a:r>
-            <a:r>
-              <a:rPr lang="en-US" dirty="0"/>
-              <a:t> din </a:t>
-            </a:r>
-            <a:r>
-              <a:rPr lang="en-US" dirty="0" err="1"/>
-              <a:t>pacate</a:t>
-            </a:r>
-            <a:r>
-              <a:rPr lang="en-US" dirty="0"/>
-              <a:t> </a:t>
-            </a:r>
-            <a:r>
-              <a:rPr lang="en-US" dirty="0" err="1"/>
-              <a:t>ar</a:t>
-            </a:r>
-            <a:r>
-              <a:rPr lang="en-US" dirty="0"/>
-              <a:t> </a:t>
-            </a:r>
-            <a:r>
-              <a:rPr lang="en-US" dirty="0" err="1"/>
-              <a:t>necesita</a:t>
-            </a:r>
-            <a:r>
-              <a:rPr lang="en-US" dirty="0"/>
-              <a:t> </a:t>
-            </a:r>
-            <a:r>
-              <a:rPr lang="en-US" dirty="0" err="1"/>
-              <a:t>prea</a:t>
-            </a:r>
-            <a:r>
-              <a:rPr lang="en-US" dirty="0"/>
-              <a:t> </a:t>
-            </a:r>
-            <a:r>
-              <a:rPr lang="en-US" dirty="0" err="1"/>
-              <a:t>multe</a:t>
-            </a:r>
-            <a:r>
-              <a:rPr lang="en-US" dirty="0"/>
-              <a:t> </a:t>
-            </a:r>
-            <a:r>
-              <a:rPr lang="en-US" dirty="0" err="1"/>
-              <a:t>resurse</a:t>
-            </a:r>
-            <a:r>
-              <a:rPr lang="en-US" dirty="0"/>
-              <a:t>, pe care </a:t>
-            </a:r>
-            <a:r>
-              <a:rPr lang="en-US" dirty="0" err="1"/>
-              <a:t>noi</a:t>
-            </a:r>
-            <a:r>
-              <a:rPr lang="en-US" dirty="0"/>
-              <a:t> nu le </a:t>
-            </a:r>
-            <a:r>
-              <a:rPr lang="en-US" dirty="0" err="1"/>
-              <a:t>avem</a:t>
-            </a:r>
-            <a:r>
-              <a:rPr lang="en-US" dirty="0"/>
-              <a:t> la </a:t>
-            </a:r>
-            <a:r>
-              <a:rPr lang="en-US" dirty="0" err="1"/>
-              <a:t>dispozitie</a:t>
+              <a:t>De </a:t>
+            </a:r>
+            <a:r>
+              <a:rPr lang="en-US" dirty="0" err="1"/>
+              <a:t>asemenea</a:t>
+            </a:r>
+            <a:r>
+              <a:rPr lang="en-US" dirty="0"/>
+              <a:t> am </a:t>
+            </a:r>
+            <a:r>
+              <a:rPr lang="en-US" dirty="0" err="1"/>
+              <a:t>facut</a:t>
+            </a:r>
+            <a:r>
+              <a:rPr lang="en-US" dirty="0"/>
+              <a:t> un tip de dependency trees in care </a:t>
+            </a:r>
+            <a:r>
+              <a:rPr lang="en-US" dirty="0" err="1"/>
+              <a:t>conteaza</a:t>
+            </a:r>
+            <a:r>
+              <a:rPr lang="en-US" dirty="0"/>
+              <a:t> </a:t>
+            </a:r>
+            <a:r>
+              <a:rPr lang="en-US" dirty="0" err="1"/>
+              <a:t>topica</a:t>
+            </a:r>
+            <a:r>
+              <a:rPr lang="en-US" dirty="0"/>
+              <a:t> </a:t>
+            </a:r>
+            <a:r>
+              <a:rPr lang="en-US" dirty="0" err="1"/>
+              <a:t>partilor</a:t>
+            </a:r>
+            <a:r>
+              <a:rPr lang="en-US" dirty="0"/>
+              <a:t> de </a:t>
+            </a:r>
+            <a:r>
+              <a:rPr lang="en-US" dirty="0" err="1"/>
+              <a:t>vorbire</a:t>
+            </a:r>
+            <a:r>
+              <a:rPr lang="en-US" dirty="0"/>
+              <a:t>, </a:t>
+            </a:r>
+            <a:r>
+              <a:rPr lang="en-US" dirty="0" err="1"/>
+              <a:t>adica</a:t>
+            </a:r>
+            <a:r>
+              <a:rPr lang="en-US" dirty="0"/>
+              <a:t> am </a:t>
+            </a:r>
+            <a:r>
+              <a:rPr lang="en-US" dirty="0" err="1"/>
+              <a:t>eliminat</a:t>
+            </a:r>
+            <a:r>
+              <a:rPr lang="en-US" dirty="0"/>
+              <a:t> </a:t>
+            </a:r>
+            <a:r>
+              <a:rPr lang="en-US" dirty="0" err="1"/>
+              <a:t>sortarea</a:t>
             </a:r>
             <a:endParaRPr lang="en-US" dirty="0"/>
           </a:p>
@@ -6896,6 +7171,2841 @@
     <p:extLst>
       <p:ext uri="{BB962C8B-B14F-4D97-AF65-F5344CB8AC3E}">
         <p14:creationId xmlns:p14="http://schemas.microsoft.com/office/powerpoint/2010/main" val="525628399"/>
+      </p:ext>
+    </p:extLst>
+  </p:cSld>
+  <p:clrMapOvr>
+    <a:masterClrMapping/>
+  </p:clrMapOvr>
+</p:sld>
+</file>
+
+<file path=ppt/slides/slide11.xml><?xml version="1.0" encoding="utf-8"?>
+<p:sld xmlns:a="http://schemas.openxmlformats.org/drawingml/2006/main" xmlns:r="http://schemas.openxmlformats.org/officeDocument/2006/relationships" xmlns:p="http://schemas.openxmlformats.org/presentationml/2006/main">
+  <p:cSld>
+    <p:spTree>
+      <p:nvGrpSpPr>
+        <p:cNvPr id="1" name="">
+          <a:extLst>
+            <a:ext uri="{FF2B5EF4-FFF2-40B4-BE49-F238E27FC236}">
+              <a16:creationId xmlns:a16="http://schemas.microsoft.com/office/drawing/2014/main" id="{757FAF59-CC91-ECAE-7D45-848C049A4D17}"/>
+            </a:ext>
+          </a:extLst>
+        </p:cNvPr>
+        <p:cNvGrpSpPr/>
+        <p:nvPr/>
+      </p:nvGrpSpPr>
+      <p:grpSpPr>
+        <a:xfrm>
+          <a:off x="0" y="0"/>
+          <a:ext cx="0" cy="0"/>
+          <a:chOff x="0" y="0"/>
+          <a:chExt cx="0" cy="0"/>
+        </a:xfrm>
+      </p:grpSpPr>
+      <p:sp>
+        <p:nvSpPr>
+          <p:cNvPr id="2" name="Title 1">
+            <a:extLst>
+              <a:ext uri="{FF2B5EF4-FFF2-40B4-BE49-F238E27FC236}">
+                <a16:creationId xmlns:a16="http://schemas.microsoft.com/office/drawing/2014/main" id="{FCE5DEB9-2250-D65A-6EBD-D02ADE0D8367}"/>
+              </a:ext>
+            </a:extLst>
+          </p:cNvPr>
+          <p:cNvSpPr>
+            <a:spLocks noGrp="1"/>
+          </p:cNvSpPr>
+          <p:nvPr>
+            <p:ph type="title"/>
+          </p:nvPr>
+        </p:nvSpPr>
+        <p:spPr>
+          <a:xfrm>
+            <a:off x="707900" y="643467"/>
+            <a:ext cx="3946393" cy="1956298"/>
+          </a:xfrm>
+        </p:spPr>
+        <p:txBody>
+          <a:bodyPr>
+            <a:normAutofit/>
+          </a:bodyPr>
+          <a:lstStyle/>
+          <a:p>
+            <a:pPr algn="l"/>
+            <a:r>
+              <a:rPr lang="en-US" sz="3600" dirty="0" err="1"/>
+              <a:t>Concluzii</a:t>
+            </a:r>
+            <a:r>
+              <a:rPr lang="en-US" sz="3600" dirty="0"/>
+              <a:t> (</a:t>
+            </a:r>
+            <a:r>
+              <a:rPr lang="en-US" sz="3600" dirty="0" err="1"/>
+              <a:t>sortat</a:t>
+            </a:r>
+            <a:r>
+              <a:rPr lang="en-US" sz="3600" dirty="0"/>
+              <a:t>)</a:t>
+            </a:r>
+            <a:endParaRPr lang="en-GB" sz="3600" dirty="0"/>
+          </a:p>
+        </p:txBody>
+      </p:sp>
+      <p:sp>
+        <p:nvSpPr>
+          <p:cNvPr id="3" name="Content Placeholder 2">
+            <a:extLst>
+              <a:ext uri="{FF2B5EF4-FFF2-40B4-BE49-F238E27FC236}">
+                <a16:creationId xmlns:a16="http://schemas.microsoft.com/office/drawing/2014/main" id="{5F19CBB2-23B8-9EC7-554E-B80CC4F9C0B4}"/>
+              </a:ext>
+            </a:extLst>
+          </p:cNvPr>
+          <p:cNvSpPr>
+            <a:spLocks noGrp="1"/>
+          </p:cNvSpPr>
+          <p:nvPr>
+            <p:ph idx="1"/>
+          </p:nvPr>
+        </p:nvSpPr>
+        <p:spPr>
+          <a:xfrm>
+            <a:off x="4978400" y="643467"/>
+            <a:ext cx="6591928" cy="2478424"/>
+          </a:xfrm>
+        </p:spPr>
+        <p:txBody>
+          <a:bodyPr anchor="ctr">
+            <a:normAutofit/>
+          </a:bodyPr>
+          <a:lstStyle/>
+          <a:p>
+            <a:r>
+              <a:rPr lang="en-US" dirty="0" err="1"/>
+              <a:t>Exista</a:t>
+            </a:r>
+            <a:r>
+              <a:rPr lang="en-US" dirty="0"/>
+              <a:t> </a:t>
+            </a:r>
+            <a:r>
+              <a:rPr lang="en-US" dirty="0" err="1"/>
+              <a:t>diferente</a:t>
+            </a:r>
+            <a:r>
+              <a:rPr lang="en-US" dirty="0"/>
+              <a:t> </a:t>
+            </a:r>
+            <a:r>
+              <a:rPr lang="en-US" dirty="0" err="1"/>
+              <a:t>majore</a:t>
+            </a:r>
+            <a:r>
+              <a:rPr lang="en-US" dirty="0"/>
+              <a:t> </a:t>
+            </a:r>
+            <a:r>
+              <a:rPr lang="en-US" dirty="0" err="1"/>
+              <a:t>intre</a:t>
+            </a:r>
+            <a:r>
+              <a:rPr lang="en-US" dirty="0"/>
+              <a:t> </a:t>
+            </a:r>
+            <a:r>
+              <a:rPr lang="en-US" dirty="0" err="1"/>
+              <a:t>cele</a:t>
+            </a:r>
+            <a:r>
+              <a:rPr lang="en-US" dirty="0"/>
+              <a:t> </a:t>
+            </a:r>
+            <a:r>
+              <a:rPr lang="en-US" dirty="0" err="1"/>
+              <a:t>doua</a:t>
+            </a:r>
+            <a:r>
+              <a:rPr lang="en-US" dirty="0"/>
+              <a:t> limbi</a:t>
+            </a:r>
+          </a:p>
+        </p:txBody>
+      </p:sp>
+      <p:pic>
+        <p:nvPicPr>
+          <p:cNvPr id="5" name="Picture 4">
+            <a:extLst>
+              <a:ext uri="{FF2B5EF4-FFF2-40B4-BE49-F238E27FC236}">
+                <a16:creationId xmlns:a16="http://schemas.microsoft.com/office/drawing/2014/main" id="{3F978044-AB3C-3A91-6C79-C211AF2C5199}"/>
+              </a:ext>
+            </a:extLst>
+          </p:cNvPr>
+          <p:cNvPicPr>
+            <a:picLocks noChangeAspect="1"/>
+          </p:cNvPicPr>
+          <p:nvPr/>
+        </p:nvPicPr>
+        <p:blipFill>
+          <a:blip r:embed="rId2"/>
+          <a:stretch>
+            <a:fillRect/>
+          </a:stretch>
+        </p:blipFill>
+        <p:spPr>
+          <a:xfrm>
+            <a:off x="6588040" y="3333486"/>
+            <a:ext cx="5603960" cy="676216"/>
+          </a:xfrm>
+          <a:prstGeom prst="rect">
+            <a:avLst/>
+          </a:prstGeom>
+        </p:spPr>
+      </p:pic>
+      <p:pic>
+        <p:nvPicPr>
+          <p:cNvPr id="23" name="Picture 22">
+            <a:extLst>
+              <a:ext uri="{FF2B5EF4-FFF2-40B4-BE49-F238E27FC236}">
+                <a16:creationId xmlns:a16="http://schemas.microsoft.com/office/drawing/2014/main" id="{B5172B3F-2C1A-DEF0-32A6-3C7042E2DAD6}"/>
+              </a:ext>
+            </a:extLst>
+          </p:cNvPr>
+          <p:cNvPicPr>
+            <a:picLocks noChangeAspect="1"/>
+          </p:cNvPicPr>
+          <p:nvPr/>
+        </p:nvPicPr>
+        <p:blipFill>
+          <a:blip r:embed="rId3"/>
+          <a:stretch>
+            <a:fillRect/>
+          </a:stretch>
+        </p:blipFill>
+        <p:spPr>
+          <a:xfrm>
+            <a:off x="306021" y="3335798"/>
+            <a:ext cx="6282019" cy="673904"/>
+          </a:xfrm>
+          <a:prstGeom prst="rect">
+            <a:avLst/>
+          </a:prstGeom>
+        </p:spPr>
+      </p:pic>
+      <p:pic>
+        <p:nvPicPr>
+          <p:cNvPr id="26" name="Picture 25">
+            <a:extLst>
+              <a:ext uri="{FF2B5EF4-FFF2-40B4-BE49-F238E27FC236}">
+                <a16:creationId xmlns:a16="http://schemas.microsoft.com/office/drawing/2014/main" id="{2D219444-9737-5250-9218-88F6ED843777}"/>
+              </a:ext>
+            </a:extLst>
+          </p:cNvPr>
+          <p:cNvPicPr>
+            <a:picLocks noChangeAspect="1"/>
+          </p:cNvPicPr>
+          <p:nvPr/>
+        </p:nvPicPr>
+        <p:blipFill>
+          <a:blip r:embed="rId4"/>
+          <a:stretch>
+            <a:fillRect/>
+          </a:stretch>
+        </p:blipFill>
+        <p:spPr>
+          <a:xfrm>
+            <a:off x="1732941" y="4905102"/>
+            <a:ext cx="8726118" cy="1952898"/>
+          </a:xfrm>
+          <a:prstGeom prst="rect">
+            <a:avLst/>
+          </a:prstGeom>
+        </p:spPr>
+      </p:pic>
+      <p:pic>
+        <p:nvPicPr>
+          <p:cNvPr id="28" name="Picture 27">
+            <a:extLst>
+              <a:ext uri="{FF2B5EF4-FFF2-40B4-BE49-F238E27FC236}">
+                <a16:creationId xmlns:a16="http://schemas.microsoft.com/office/drawing/2014/main" id="{04F6DA4D-1081-885D-F8C2-C4F627A2EF2B}"/>
+              </a:ext>
+            </a:extLst>
+          </p:cNvPr>
+          <p:cNvPicPr>
+            <a:picLocks noChangeAspect="1"/>
+          </p:cNvPicPr>
+          <p:nvPr/>
+        </p:nvPicPr>
+        <p:blipFill>
+          <a:blip r:embed="rId5"/>
+          <a:stretch>
+            <a:fillRect/>
+          </a:stretch>
+        </p:blipFill>
+        <p:spPr>
+          <a:xfrm>
+            <a:off x="4990946" y="4104928"/>
+            <a:ext cx="2210108" cy="704948"/>
+          </a:xfrm>
+          <a:prstGeom prst="rect">
+            <a:avLst/>
+          </a:prstGeom>
+        </p:spPr>
+      </p:pic>
+    </p:spTree>
+    <p:extLst>
+      <p:ext uri="{BB962C8B-B14F-4D97-AF65-F5344CB8AC3E}">
+        <p14:creationId xmlns:p14="http://schemas.microsoft.com/office/powerpoint/2010/main" val="1321202670"/>
+      </p:ext>
+    </p:extLst>
+  </p:cSld>
+  <p:clrMapOvr>
+    <a:masterClrMapping/>
+  </p:clrMapOvr>
+</p:sld>
+</file>
+
+<file path=ppt/slides/slide12.xml><?xml version="1.0" encoding="utf-8"?>
+<p:sld xmlns:a="http://schemas.openxmlformats.org/drawingml/2006/main" xmlns:r="http://schemas.openxmlformats.org/officeDocument/2006/relationships" xmlns:p="http://schemas.openxmlformats.org/presentationml/2006/main">
+  <p:cSld>
+    <p:spTree>
+      <p:nvGrpSpPr>
+        <p:cNvPr id="1" name="">
+          <a:extLst>
+            <a:ext uri="{FF2B5EF4-FFF2-40B4-BE49-F238E27FC236}">
+              <a16:creationId xmlns:a16="http://schemas.microsoft.com/office/drawing/2014/main" id="{6A16873F-A2BE-6013-C7D2-3E58B99DAF4C}"/>
+            </a:ext>
+          </a:extLst>
+        </p:cNvPr>
+        <p:cNvGrpSpPr/>
+        <p:nvPr/>
+      </p:nvGrpSpPr>
+      <p:grpSpPr>
+        <a:xfrm>
+          <a:off x="0" y="0"/>
+          <a:ext cx="0" cy="0"/>
+          <a:chOff x="0" y="0"/>
+          <a:chExt cx="0" cy="0"/>
+        </a:xfrm>
+      </p:grpSpPr>
+      <p:sp>
+        <p:nvSpPr>
+          <p:cNvPr id="2" name="Title 1">
+            <a:extLst>
+              <a:ext uri="{FF2B5EF4-FFF2-40B4-BE49-F238E27FC236}">
+                <a16:creationId xmlns:a16="http://schemas.microsoft.com/office/drawing/2014/main" id="{81598352-5D97-B005-774E-C7B6960BA601}"/>
+              </a:ext>
+            </a:extLst>
+          </p:cNvPr>
+          <p:cNvSpPr>
+            <a:spLocks noGrp="1"/>
+          </p:cNvSpPr>
+          <p:nvPr>
+            <p:ph type="title"/>
+          </p:nvPr>
+        </p:nvSpPr>
+        <p:spPr>
+          <a:xfrm>
+            <a:off x="707900" y="643467"/>
+            <a:ext cx="3946393" cy="1956298"/>
+          </a:xfrm>
+        </p:spPr>
+        <p:txBody>
+          <a:bodyPr>
+            <a:normAutofit/>
+          </a:bodyPr>
+          <a:lstStyle/>
+          <a:p>
+            <a:pPr algn="l"/>
+            <a:r>
+              <a:rPr lang="en-US" sz="3600" dirty="0" err="1"/>
+              <a:t>Concluzii</a:t>
+            </a:r>
+            <a:r>
+              <a:rPr lang="en-US" sz="3600" dirty="0"/>
+              <a:t> (</a:t>
+            </a:r>
+            <a:r>
+              <a:rPr lang="en-US" sz="3600" dirty="0" err="1"/>
+              <a:t>nesortat</a:t>
+            </a:r>
+            <a:r>
+              <a:rPr lang="en-US" sz="3600" dirty="0"/>
+              <a:t>, cu </a:t>
+            </a:r>
+            <a:r>
+              <a:rPr lang="en-US" sz="3600" dirty="0" err="1"/>
+              <a:t>topica</a:t>
+            </a:r>
+            <a:r>
+              <a:rPr lang="en-US" sz="3600" dirty="0"/>
+              <a:t>)</a:t>
+            </a:r>
+            <a:endParaRPr lang="en-GB" sz="3600" dirty="0"/>
+          </a:p>
+        </p:txBody>
+      </p:sp>
+      <p:sp>
+        <p:nvSpPr>
+          <p:cNvPr id="3" name="Content Placeholder 2">
+            <a:extLst>
+              <a:ext uri="{FF2B5EF4-FFF2-40B4-BE49-F238E27FC236}">
+                <a16:creationId xmlns:a16="http://schemas.microsoft.com/office/drawing/2014/main" id="{C4F71868-0593-90B8-A471-93CA225B873A}"/>
+              </a:ext>
+            </a:extLst>
+          </p:cNvPr>
+          <p:cNvSpPr>
+            <a:spLocks noGrp="1"/>
+          </p:cNvSpPr>
+          <p:nvPr>
+            <p:ph idx="1"/>
+          </p:nvPr>
+        </p:nvSpPr>
+        <p:spPr>
+          <a:xfrm>
+            <a:off x="4978400" y="643467"/>
+            <a:ext cx="6591928" cy="2478424"/>
+          </a:xfrm>
+        </p:spPr>
+        <p:txBody>
+          <a:bodyPr anchor="ctr">
+            <a:normAutofit/>
+          </a:bodyPr>
+          <a:lstStyle/>
+          <a:p>
+            <a:r>
+              <a:rPr lang="en-US" dirty="0" err="1"/>
+              <a:t>Atunci</a:t>
+            </a:r>
+            <a:r>
+              <a:rPr lang="en-US" dirty="0"/>
+              <a:t> cand </a:t>
+            </a:r>
+            <a:r>
+              <a:rPr lang="en-US" dirty="0" err="1"/>
+              <a:t>luam</a:t>
+            </a:r>
+            <a:r>
+              <a:rPr lang="en-US" dirty="0"/>
+              <a:t> in </a:t>
+            </a:r>
+            <a:r>
+              <a:rPr lang="en-US" dirty="0" err="1"/>
+              <a:t>considerare</a:t>
+            </a:r>
+            <a:r>
+              <a:rPr lang="en-US" dirty="0"/>
+              <a:t> si </a:t>
+            </a:r>
+            <a:r>
+              <a:rPr lang="en-US" dirty="0" err="1"/>
+              <a:t>topica</a:t>
+            </a:r>
+            <a:r>
+              <a:rPr lang="en-US" dirty="0"/>
+              <a:t> </a:t>
+            </a:r>
+            <a:r>
+              <a:rPr lang="en-US" dirty="0" err="1"/>
+              <a:t>partilor</a:t>
+            </a:r>
+            <a:r>
+              <a:rPr lang="en-US" dirty="0"/>
+              <a:t> de </a:t>
+            </a:r>
+            <a:r>
+              <a:rPr lang="en-US" dirty="0" err="1"/>
+              <a:t>vorbire</a:t>
+            </a:r>
+            <a:r>
+              <a:rPr lang="en-US" dirty="0"/>
+              <a:t> </a:t>
+            </a:r>
+            <a:r>
+              <a:rPr lang="en-US" dirty="0" err="1"/>
+              <a:t>putem</a:t>
+            </a:r>
+            <a:r>
+              <a:rPr lang="en-US" dirty="0"/>
+              <a:t> </a:t>
+            </a:r>
+            <a:r>
+              <a:rPr lang="en-US" dirty="0" err="1"/>
+              <a:t>observa</a:t>
+            </a:r>
+            <a:r>
+              <a:rPr lang="en-US" dirty="0"/>
+              <a:t> </a:t>
+            </a:r>
+            <a:r>
+              <a:rPr lang="en-US" dirty="0" err="1"/>
+              <a:t>diferente</a:t>
+            </a:r>
+            <a:r>
+              <a:rPr lang="en-US" dirty="0"/>
+              <a:t> si </a:t>
+            </a:r>
+            <a:r>
+              <a:rPr lang="en-US" dirty="0" err="1"/>
+              <a:t>mai</a:t>
+            </a:r>
+            <a:r>
+              <a:rPr lang="en-US" dirty="0"/>
+              <a:t> </a:t>
+            </a:r>
+            <a:r>
+              <a:rPr lang="en-US" dirty="0" err="1"/>
+              <a:t>mari</a:t>
+            </a:r>
+            <a:r>
+              <a:rPr lang="en-US" dirty="0"/>
+              <a:t> </a:t>
+            </a:r>
+            <a:r>
+              <a:rPr lang="en-US" dirty="0" err="1"/>
+              <a:t>intre</a:t>
+            </a:r>
+            <a:r>
+              <a:rPr lang="en-US" dirty="0"/>
+              <a:t> </a:t>
+            </a:r>
+            <a:r>
+              <a:rPr lang="en-US" dirty="0" err="1"/>
+              <a:t>cele</a:t>
+            </a:r>
+            <a:r>
+              <a:rPr lang="en-US" dirty="0"/>
+              <a:t> </a:t>
+            </a:r>
+            <a:r>
+              <a:rPr lang="en-US" dirty="0" err="1"/>
+              <a:t>doua</a:t>
+            </a:r>
+            <a:r>
+              <a:rPr lang="en-US" dirty="0"/>
+              <a:t> limbi</a:t>
+            </a:r>
+          </a:p>
+        </p:txBody>
+      </p:sp>
+      <p:pic>
+        <p:nvPicPr>
+          <p:cNvPr id="6" name="Picture 5">
+            <a:extLst>
+              <a:ext uri="{FF2B5EF4-FFF2-40B4-BE49-F238E27FC236}">
+                <a16:creationId xmlns:a16="http://schemas.microsoft.com/office/drawing/2014/main" id="{A443767A-B95D-3984-60F3-0ABDABA68495}"/>
+              </a:ext>
+            </a:extLst>
+          </p:cNvPr>
+          <p:cNvPicPr>
+            <a:picLocks noChangeAspect="1"/>
+          </p:cNvPicPr>
+          <p:nvPr/>
+        </p:nvPicPr>
+        <p:blipFill>
+          <a:blip r:embed="rId2"/>
+          <a:stretch>
+            <a:fillRect/>
+          </a:stretch>
+        </p:blipFill>
+        <p:spPr>
+          <a:xfrm>
+            <a:off x="6095999" y="3270219"/>
+            <a:ext cx="5993690" cy="739481"/>
+          </a:xfrm>
+          <a:prstGeom prst="rect">
+            <a:avLst/>
+          </a:prstGeom>
+        </p:spPr>
+      </p:pic>
+      <p:pic>
+        <p:nvPicPr>
+          <p:cNvPr id="8" name="Picture 7">
+            <a:extLst>
+              <a:ext uri="{FF2B5EF4-FFF2-40B4-BE49-F238E27FC236}">
+                <a16:creationId xmlns:a16="http://schemas.microsoft.com/office/drawing/2014/main" id="{D66A1590-A1F0-7A92-1341-88731ED7F66E}"/>
+              </a:ext>
+            </a:extLst>
+          </p:cNvPr>
+          <p:cNvPicPr>
+            <a:picLocks noChangeAspect="1"/>
+          </p:cNvPicPr>
+          <p:nvPr/>
+        </p:nvPicPr>
+        <p:blipFill>
+          <a:blip r:embed="rId3"/>
+          <a:stretch>
+            <a:fillRect/>
+          </a:stretch>
+        </p:blipFill>
+        <p:spPr>
+          <a:xfrm>
+            <a:off x="54552" y="3270220"/>
+            <a:ext cx="6019376" cy="739481"/>
+          </a:xfrm>
+          <a:prstGeom prst="rect">
+            <a:avLst/>
+          </a:prstGeom>
+        </p:spPr>
+      </p:pic>
+      <p:pic>
+        <p:nvPicPr>
+          <p:cNvPr id="10" name="Picture 9">
+            <a:extLst>
+              <a:ext uri="{FF2B5EF4-FFF2-40B4-BE49-F238E27FC236}">
+                <a16:creationId xmlns:a16="http://schemas.microsoft.com/office/drawing/2014/main" id="{A1CB5DEB-5ED3-3F14-DDF0-C96654182BB3}"/>
+              </a:ext>
+            </a:extLst>
+          </p:cNvPr>
+          <p:cNvPicPr>
+            <a:picLocks noChangeAspect="1"/>
+          </p:cNvPicPr>
+          <p:nvPr/>
+        </p:nvPicPr>
+        <p:blipFill>
+          <a:blip r:embed="rId4"/>
+          <a:stretch>
+            <a:fillRect/>
+          </a:stretch>
+        </p:blipFill>
+        <p:spPr>
+          <a:xfrm>
+            <a:off x="1799625" y="5014361"/>
+            <a:ext cx="8592749" cy="1886213"/>
+          </a:xfrm>
+          <a:prstGeom prst="rect">
+            <a:avLst/>
+          </a:prstGeom>
+        </p:spPr>
+      </p:pic>
+      <p:pic>
+        <p:nvPicPr>
+          <p:cNvPr id="12" name="Picture 11">
+            <a:extLst>
+              <a:ext uri="{FF2B5EF4-FFF2-40B4-BE49-F238E27FC236}">
+                <a16:creationId xmlns:a16="http://schemas.microsoft.com/office/drawing/2014/main" id="{3FDD4A4E-5273-7D3B-908F-DF6ACDE921FF}"/>
+              </a:ext>
+            </a:extLst>
+          </p:cNvPr>
+          <p:cNvPicPr>
+            <a:picLocks noChangeAspect="1"/>
+          </p:cNvPicPr>
+          <p:nvPr/>
+        </p:nvPicPr>
+        <p:blipFill>
+          <a:blip r:embed="rId5"/>
+          <a:stretch>
+            <a:fillRect/>
+          </a:stretch>
+        </p:blipFill>
+        <p:spPr>
+          <a:xfrm>
+            <a:off x="4978400" y="4227767"/>
+            <a:ext cx="2191056" cy="638264"/>
+          </a:xfrm>
+          <a:prstGeom prst="rect">
+            <a:avLst/>
+          </a:prstGeom>
+        </p:spPr>
+      </p:pic>
+    </p:spTree>
+    <p:extLst>
+      <p:ext uri="{BB962C8B-B14F-4D97-AF65-F5344CB8AC3E}">
+        <p14:creationId xmlns:p14="http://schemas.microsoft.com/office/powerpoint/2010/main" val="2301679843"/>
+      </p:ext>
+    </p:extLst>
+  </p:cSld>
+  <p:clrMapOvr>
+    <a:masterClrMapping/>
+  </p:clrMapOvr>
+</p:sld>
+</file>
+
+<file path=ppt/slides/slide13.xml><?xml version="1.0" encoding="utf-8"?>
+<p:sld xmlns:a="http://schemas.openxmlformats.org/drawingml/2006/main" xmlns:r="http://schemas.openxmlformats.org/officeDocument/2006/relationships" xmlns:p="http://schemas.openxmlformats.org/presentationml/2006/main">
+  <p:cSld>
+    <p:spTree>
+      <p:nvGrpSpPr>
+        <p:cNvPr id="1" name="">
+          <a:extLst>
+            <a:ext uri="{FF2B5EF4-FFF2-40B4-BE49-F238E27FC236}">
+              <a16:creationId xmlns:a16="http://schemas.microsoft.com/office/drawing/2014/main" id="{AFC63F0E-CCB5-E562-723A-ADD7AF39C754}"/>
+            </a:ext>
+          </a:extLst>
+        </p:cNvPr>
+        <p:cNvGrpSpPr/>
+        <p:nvPr/>
+      </p:nvGrpSpPr>
+      <p:grpSpPr>
+        <a:xfrm>
+          <a:off x="0" y="0"/>
+          <a:ext cx="0" cy="0"/>
+          <a:chOff x="0" y="0"/>
+          <a:chExt cx="0" cy="0"/>
+        </a:xfrm>
+      </p:grpSpPr>
+      <p:sp>
+        <p:nvSpPr>
+          <p:cNvPr id="2" name="Title 1">
+            <a:extLst>
+              <a:ext uri="{FF2B5EF4-FFF2-40B4-BE49-F238E27FC236}">
+                <a16:creationId xmlns:a16="http://schemas.microsoft.com/office/drawing/2014/main" id="{CF1E45B8-C39A-FC13-6A6B-48EB4C3F2278}"/>
+              </a:ext>
+            </a:extLst>
+          </p:cNvPr>
+          <p:cNvSpPr>
+            <a:spLocks noGrp="1"/>
+          </p:cNvSpPr>
+          <p:nvPr>
+            <p:ph type="title"/>
+          </p:nvPr>
+        </p:nvSpPr>
+        <p:spPr>
+          <a:xfrm>
+            <a:off x="913795" y="609600"/>
+            <a:ext cx="10656534" cy="632604"/>
+          </a:xfrm>
+        </p:spPr>
+        <p:txBody>
+          <a:bodyPr>
+            <a:normAutofit fontScale="90000"/>
+          </a:bodyPr>
+          <a:lstStyle/>
+          <a:p>
+            <a:pPr algn="l"/>
+            <a:r>
+              <a:rPr lang="en-US" dirty="0"/>
+              <a:t>3. </a:t>
+            </a:r>
+            <a:r>
+              <a:rPr lang="en-US" dirty="0" err="1"/>
+              <a:t>Generarea</a:t>
+            </a:r>
+            <a:r>
+              <a:rPr lang="en-US" dirty="0"/>
+              <a:t> de text</a:t>
+            </a:r>
+            <a:br>
+              <a:rPr lang="en-US" dirty="0"/>
+            </a:br>
+            <a:endParaRPr lang="en-GB" dirty="0"/>
+          </a:p>
+        </p:txBody>
+      </p:sp>
+      <p:sp>
+        <p:nvSpPr>
+          <p:cNvPr id="3" name="Content Placeholder 2">
+            <a:extLst>
+              <a:ext uri="{FF2B5EF4-FFF2-40B4-BE49-F238E27FC236}">
+                <a16:creationId xmlns:a16="http://schemas.microsoft.com/office/drawing/2014/main" id="{C1B65389-045E-83C0-AB92-A30425C5889B}"/>
+              </a:ext>
+            </a:extLst>
+          </p:cNvPr>
+          <p:cNvSpPr>
+            <a:spLocks noGrp="1"/>
+          </p:cNvSpPr>
+          <p:nvPr>
+            <p:ph idx="1"/>
+          </p:nvPr>
+        </p:nvSpPr>
+        <p:spPr>
+          <a:xfrm>
+            <a:off x="913795" y="1242204"/>
+            <a:ext cx="10919084" cy="5439253"/>
+          </a:xfrm>
+        </p:spPr>
+        <p:txBody>
+          <a:bodyPr>
+            <a:normAutofit/>
+          </a:bodyPr>
+          <a:lstStyle/>
+          <a:p>
+            <a:pPr marL="756900" lvl="1" indent="-342900">
+              <a:buAutoNum type="arabicPeriod"/>
+            </a:pPr>
+            <a:r>
+              <a:rPr lang="en-US" dirty="0" err="1"/>
+              <a:t>Incarcam</a:t>
+            </a:r>
+            <a:r>
+              <a:rPr lang="en-US" dirty="0"/>
+              <a:t> </a:t>
+            </a:r>
+            <a:r>
+              <a:rPr lang="en-US" dirty="0" err="1"/>
+              <a:t>toate</a:t>
+            </a:r>
+            <a:r>
+              <a:rPr lang="en-US" dirty="0"/>
+              <a:t> </a:t>
+            </a:r>
+            <a:r>
+              <a:rPr lang="en-US" dirty="0" err="1"/>
+              <a:t>textele</a:t>
+            </a:r>
+            <a:r>
+              <a:rPr lang="en-US" dirty="0"/>
+              <a:t> din </a:t>
+            </a:r>
+            <a:r>
+              <a:rPr lang="en-US" dirty="0" err="1"/>
+              <a:t>cele</a:t>
+            </a:r>
+            <a:r>
+              <a:rPr lang="en-US" dirty="0"/>
+              <a:t> </a:t>
+            </a:r>
+            <a:r>
+              <a:rPr lang="en-US" dirty="0" err="1"/>
+              <a:t>doua</a:t>
+            </a:r>
+            <a:r>
+              <a:rPr lang="en-US" dirty="0"/>
+              <a:t> limbi si le </a:t>
+            </a:r>
+            <a:r>
+              <a:rPr lang="en-US" dirty="0" err="1"/>
+              <a:t>concatenam</a:t>
+            </a:r>
+            <a:r>
+              <a:rPr lang="en-US" dirty="0"/>
+              <a:t> in </a:t>
+            </a:r>
+            <a:r>
+              <a:rPr lang="en-US" dirty="0" err="1"/>
+              <a:t>doua</a:t>
+            </a:r>
+            <a:r>
+              <a:rPr lang="en-US" dirty="0"/>
+              <a:t> </a:t>
+            </a:r>
+            <a:r>
+              <a:rPr lang="en-US" dirty="0" err="1"/>
+              <a:t>stringuri</a:t>
+            </a:r>
+            <a:endParaRPr lang="en-US" dirty="0"/>
+          </a:p>
+          <a:p>
+            <a:pPr marL="756900" lvl="1" indent="-342900">
+              <a:buAutoNum type="arabicPeriod"/>
+            </a:pPr>
+            <a:r>
+              <a:rPr lang="en-US" dirty="0"/>
+              <a:t>Cele </a:t>
+            </a:r>
+            <a:r>
+              <a:rPr lang="en-US" dirty="0" err="1"/>
+              <a:t>doua</a:t>
+            </a:r>
+            <a:r>
+              <a:rPr lang="en-US" dirty="0"/>
+              <a:t> </a:t>
+            </a:r>
+            <a:r>
+              <a:rPr lang="en-US" dirty="0" err="1"/>
+              <a:t>stringuri</a:t>
+            </a:r>
+            <a:r>
+              <a:rPr lang="en-US" dirty="0"/>
+              <a:t> sunt trim-</a:t>
+            </a:r>
+            <a:r>
+              <a:rPr lang="en-US" dirty="0" err="1"/>
+              <a:t>uite</a:t>
+            </a:r>
+            <a:r>
+              <a:rPr lang="en-US" dirty="0"/>
+              <a:t> la 1 mil de </a:t>
+            </a:r>
+            <a:r>
+              <a:rPr lang="en-US" dirty="0" err="1"/>
+              <a:t>caractere</a:t>
+            </a:r>
+            <a:r>
+              <a:rPr lang="en-US" dirty="0"/>
+              <a:t> </a:t>
+            </a:r>
+            <a:r>
+              <a:rPr lang="en-US" dirty="0" err="1"/>
+              <a:t>pentru</a:t>
+            </a:r>
+            <a:r>
+              <a:rPr lang="en-US" dirty="0"/>
+              <a:t> a le </a:t>
+            </a:r>
+            <a:r>
+              <a:rPr lang="en-US" dirty="0" err="1"/>
+              <a:t>putea</a:t>
+            </a:r>
+            <a:r>
+              <a:rPr lang="en-US" dirty="0"/>
+              <a:t> </a:t>
+            </a:r>
+            <a:r>
+              <a:rPr lang="en-US" dirty="0" err="1"/>
+              <a:t>pasa</a:t>
+            </a:r>
+            <a:r>
+              <a:rPr lang="en-US" dirty="0"/>
+              <a:t> </a:t>
+            </a:r>
+            <a:r>
+              <a:rPr lang="en-US" dirty="0" err="1"/>
+              <a:t>catre</a:t>
+            </a:r>
+            <a:r>
+              <a:rPr lang="en-US" dirty="0"/>
+              <a:t> </a:t>
+            </a:r>
+            <a:r>
+              <a:rPr lang="en-US" dirty="0" err="1"/>
+              <a:t>spaCy</a:t>
+            </a:r>
+            <a:endParaRPr lang="en-US" dirty="0"/>
+          </a:p>
+          <a:p>
+            <a:pPr marL="756900" lvl="1" indent="-342900">
+              <a:buAutoNum type="arabicPeriod"/>
+            </a:pPr>
+            <a:r>
+              <a:rPr lang="en-US" dirty="0" err="1"/>
+              <a:t>Impartim</a:t>
+            </a:r>
+            <a:r>
+              <a:rPr lang="en-US" dirty="0"/>
+              <a:t> </a:t>
+            </a:r>
+            <a:r>
+              <a:rPr lang="en-US" dirty="0" err="1"/>
+              <a:t>textele</a:t>
+            </a:r>
+            <a:r>
+              <a:rPr lang="en-US" dirty="0"/>
+              <a:t> in </a:t>
+            </a:r>
+            <a:r>
+              <a:rPr lang="en-US" dirty="0" err="1"/>
+              <a:t>grupuri</a:t>
+            </a:r>
+            <a:r>
+              <a:rPr lang="en-US" dirty="0"/>
+              <a:t> de 5 </a:t>
+            </a:r>
+            <a:r>
+              <a:rPr lang="en-US" dirty="0" err="1"/>
+              <a:t>cuvinte</a:t>
+            </a:r>
+            <a:r>
+              <a:rPr lang="en-US" dirty="0"/>
+              <a:t> si </a:t>
+            </a:r>
+            <a:r>
+              <a:rPr lang="en-US" dirty="0" err="1"/>
+              <a:t>intr</a:t>
+            </a:r>
+            <a:r>
+              <a:rPr lang="en-US" dirty="0"/>
+              <a:t>-un </a:t>
+            </a:r>
+            <a:r>
+              <a:rPr lang="en-US" dirty="0" err="1"/>
+              <a:t>dictionar</a:t>
+            </a:r>
+            <a:r>
+              <a:rPr lang="en-US" dirty="0"/>
+              <a:t> care are ca si </a:t>
+            </a:r>
+            <a:r>
+              <a:rPr lang="en-US" dirty="0" err="1"/>
+              <a:t>cheie</a:t>
+            </a:r>
+            <a:r>
+              <a:rPr lang="en-US" dirty="0"/>
+              <a:t> 4-gram-</a:t>
+            </a:r>
+            <a:r>
+              <a:rPr lang="en-US" dirty="0" err="1"/>
+              <a:t>ul</a:t>
+            </a:r>
+            <a:r>
+              <a:rPr lang="en-US" dirty="0"/>
+              <a:t> format din </a:t>
+            </a:r>
+            <a:r>
+              <a:rPr lang="en-US" dirty="0" err="1"/>
+              <a:t>primele</a:t>
+            </a:r>
+            <a:r>
+              <a:rPr lang="en-US" dirty="0"/>
+              <a:t> 4 </a:t>
+            </a:r>
+            <a:r>
+              <a:rPr lang="en-US" dirty="0" err="1"/>
+              <a:t>cuvinte</a:t>
+            </a:r>
+            <a:r>
+              <a:rPr lang="en-US" dirty="0"/>
+              <a:t> </a:t>
+            </a:r>
+            <a:r>
+              <a:rPr lang="en-US" dirty="0" err="1"/>
+              <a:t>contorizam</a:t>
+            </a:r>
+            <a:r>
+              <a:rPr lang="en-US" dirty="0"/>
+              <a:t> </a:t>
+            </a:r>
+            <a:r>
+              <a:rPr lang="en-US" dirty="0" err="1"/>
+              <a:t>aparitile</a:t>
+            </a:r>
+            <a:r>
+              <a:rPr lang="en-US" dirty="0"/>
+              <a:t> </a:t>
+            </a:r>
+            <a:r>
+              <a:rPr lang="en-US" dirty="0" err="1"/>
+              <a:t>celui</a:t>
+            </a:r>
+            <a:r>
+              <a:rPr lang="en-US" dirty="0"/>
+              <a:t> de-al 5-lea </a:t>
+            </a:r>
+            <a:r>
+              <a:rPr lang="en-US" dirty="0" err="1"/>
+              <a:t>cuvant</a:t>
+            </a:r>
+            <a:endParaRPr lang="en-US" dirty="0"/>
+          </a:p>
+          <a:p>
+            <a:pPr marL="756900" lvl="1" indent="-342900">
+              <a:buAutoNum type="arabicPeriod"/>
+            </a:pPr>
+            <a:r>
+              <a:rPr lang="en-US" dirty="0" err="1"/>
+              <a:t>Generam</a:t>
+            </a:r>
+            <a:r>
+              <a:rPr lang="en-US" dirty="0"/>
+              <a:t> </a:t>
+            </a:r>
+            <a:r>
+              <a:rPr lang="en-US" dirty="0" err="1"/>
+              <a:t>astfel</a:t>
+            </a:r>
+            <a:r>
+              <a:rPr lang="en-US" dirty="0"/>
+              <a:t>:</a:t>
+            </a:r>
+          </a:p>
+          <a:p>
+            <a:pPr marL="1062900" lvl="2" indent="-342900">
+              <a:buAutoNum type="arabicPeriod"/>
+            </a:pPr>
+            <a:r>
+              <a:rPr lang="en-US" dirty="0" err="1"/>
+              <a:t>Alegem</a:t>
+            </a:r>
+            <a:r>
+              <a:rPr lang="en-US" dirty="0"/>
+              <a:t> un 4-gram random si </a:t>
+            </a:r>
+            <a:r>
+              <a:rPr lang="en-US" dirty="0" err="1"/>
+              <a:t>completam</a:t>
+            </a:r>
+            <a:r>
+              <a:rPr lang="en-US" dirty="0"/>
+              <a:t> al 5-lea </a:t>
+            </a:r>
+            <a:r>
+              <a:rPr lang="en-US" dirty="0" err="1"/>
+              <a:t>cuvant</a:t>
+            </a:r>
+            <a:r>
+              <a:rPr lang="en-US" dirty="0"/>
+              <a:t> cu </a:t>
+            </a:r>
+            <a:r>
+              <a:rPr lang="en-US" dirty="0" err="1"/>
+              <a:t>cel</a:t>
+            </a:r>
+            <a:r>
+              <a:rPr lang="en-US" dirty="0"/>
+              <a:t> </a:t>
+            </a:r>
+            <a:r>
+              <a:rPr lang="en-US" dirty="0" err="1"/>
+              <a:t>mai</a:t>
+            </a:r>
+            <a:r>
+              <a:rPr lang="en-US" dirty="0"/>
+              <a:t> </a:t>
+            </a:r>
+            <a:r>
+              <a:rPr lang="en-US" dirty="0" err="1"/>
+              <a:t>frecvent</a:t>
+            </a:r>
+            <a:r>
+              <a:rPr lang="en-US" dirty="0"/>
+              <a:t> </a:t>
+            </a:r>
+            <a:r>
+              <a:rPr lang="en-US" dirty="0" err="1"/>
+              <a:t>pentru</a:t>
+            </a:r>
+            <a:r>
+              <a:rPr lang="en-US" dirty="0"/>
+              <a:t> </a:t>
+            </a:r>
+            <a:r>
+              <a:rPr lang="en-US" dirty="0" err="1"/>
+              <a:t>acel</a:t>
+            </a:r>
+            <a:r>
+              <a:rPr lang="en-US" dirty="0"/>
+              <a:t> 4-gram</a:t>
+            </a:r>
+          </a:p>
+          <a:p>
+            <a:pPr marL="1062900" lvl="2" indent="-342900">
+              <a:buAutoNum type="arabicPeriod"/>
+            </a:pPr>
+            <a:r>
+              <a:rPr lang="en-US" dirty="0" err="1"/>
+              <a:t>Alegem</a:t>
+            </a:r>
+            <a:r>
+              <a:rPr lang="en-US" dirty="0"/>
+              <a:t> </a:t>
+            </a:r>
+            <a:r>
+              <a:rPr lang="en-US" dirty="0" err="1"/>
+              <a:t>ultimele</a:t>
+            </a:r>
+            <a:r>
+              <a:rPr lang="en-US" dirty="0"/>
+              <a:t> 4 </a:t>
+            </a:r>
+            <a:r>
+              <a:rPr lang="en-US" dirty="0" err="1"/>
+              <a:t>cuvinte</a:t>
+            </a:r>
+            <a:r>
+              <a:rPr lang="en-US" dirty="0"/>
+              <a:t> din </a:t>
+            </a:r>
+            <a:r>
+              <a:rPr lang="en-US" dirty="0" err="1"/>
+              <a:t>fraza</a:t>
+            </a:r>
+            <a:r>
+              <a:rPr lang="en-US" dirty="0"/>
+              <a:t> generate si </a:t>
+            </a:r>
+            <a:r>
+              <a:rPr lang="en-US" dirty="0" err="1"/>
+              <a:t>repetam</a:t>
+            </a:r>
+            <a:r>
+              <a:rPr lang="en-US" dirty="0"/>
+              <a:t> </a:t>
+            </a:r>
+            <a:r>
+              <a:rPr lang="en-US" dirty="0" err="1"/>
+              <a:t>procesul</a:t>
+            </a:r>
+            <a:r>
+              <a:rPr lang="en-US" dirty="0"/>
+              <a:t> </a:t>
+            </a:r>
+            <a:r>
+              <a:rPr lang="en-US" dirty="0" err="1"/>
+              <a:t>pana</a:t>
+            </a:r>
+            <a:r>
+              <a:rPr lang="en-US" dirty="0"/>
+              <a:t> se </a:t>
+            </a:r>
+            <a:r>
+              <a:rPr lang="en-US" dirty="0" err="1"/>
+              <a:t>ajunge</a:t>
+            </a:r>
+            <a:r>
+              <a:rPr lang="en-US" dirty="0"/>
+              <a:t> la un </a:t>
+            </a:r>
+            <a:r>
+              <a:rPr lang="en-US" dirty="0" err="1"/>
+              <a:t>semn</a:t>
+            </a:r>
+            <a:r>
+              <a:rPr lang="en-US" dirty="0"/>
+              <a:t> de </a:t>
+            </a:r>
+            <a:r>
+              <a:rPr lang="en-US" dirty="0" err="1"/>
+              <a:t>punctuatie</a:t>
+            </a:r>
+            <a:r>
+              <a:rPr lang="en-US" dirty="0"/>
+              <a:t> </a:t>
+            </a:r>
+            <a:r>
+              <a:rPr lang="en-US" dirty="0" err="1"/>
+              <a:t>dintre</a:t>
+            </a:r>
+            <a:r>
+              <a:rPr lang="en-US" dirty="0"/>
+              <a:t> . ? ! </a:t>
+            </a:r>
+            <a:r>
+              <a:rPr lang="en-US" dirty="0" err="1"/>
+              <a:t>sau</a:t>
+            </a:r>
+            <a:r>
+              <a:rPr lang="en-US" dirty="0"/>
+              <a:t> </a:t>
+            </a:r>
+            <a:r>
+              <a:rPr lang="en-US" dirty="0" err="1"/>
+              <a:t>pana</a:t>
+            </a:r>
+            <a:r>
+              <a:rPr lang="en-US" dirty="0"/>
+              <a:t> cand nu se </a:t>
+            </a:r>
+            <a:r>
+              <a:rPr lang="en-US" dirty="0" err="1"/>
+              <a:t>mai</a:t>
+            </a:r>
+            <a:r>
+              <a:rPr lang="en-US" dirty="0"/>
+              <a:t> </a:t>
+            </a:r>
+            <a:r>
+              <a:rPr lang="en-US" dirty="0" err="1"/>
+              <a:t>gaseste</a:t>
+            </a:r>
+            <a:r>
+              <a:rPr lang="en-US" dirty="0"/>
+              <a:t> un </a:t>
+            </a:r>
+            <a:r>
+              <a:rPr lang="en-US" dirty="0" err="1"/>
+              <a:t>cuvant</a:t>
+            </a:r>
+            <a:r>
+              <a:rPr lang="en-US" dirty="0"/>
+              <a:t> </a:t>
+            </a:r>
+            <a:r>
+              <a:rPr lang="en-US" dirty="0" err="1"/>
+              <a:t>potrivit</a:t>
+            </a:r>
+            <a:endParaRPr lang="en-US" dirty="0"/>
+          </a:p>
+          <a:p>
+            <a:pPr marL="1062900" lvl="2" indent="-342900">
+              <a:buAutoNum type="arabicPeriod"/>
+            </a:pPr>
+            <a:r>
+              <a:rPr lang="en-US" dirty="0" err="1"/>
+              <a:t>Conditia</a:t>
+            </a:r>
+            <a:r>
+              <a:rPr lang="en-US" dirty="0"/>
+              <a:t> de </a:t>
+            </a:r>
+            <a:r>
+              <a:rPr lang="en-US" dirty="0" err="1"/>
+              <a:t>oprire</a:t>
+            </a:r>
+            <a:r>
+              <a:rPr lang="en-US" dirty="0"/>
+              <a:t> </a:t>
+            </a:r>
+            <a:r>
+              <a:rPr lang="en-US" dirty="0" err="1"/>
+              <a:t>este</a:t>
+            </a:r>
+            <a:r>
+              <a:rPr lang="en-US" dirty="0"/>
+              <a:t> </a:t>
+            </a:r>
+            <a:r>
+              <a:rPr lang="en-US" dirty="0" err="1"/>
+              <a:t>semn</a:t>
+            </a:r>
+            <a:r>
+              <a:rPr lang="en-US" dirty="0"/>
+              <a:t> de </a:t>
+            </a:r>
+            <a:r>
+              <a:rPr lang="en-US" dirty="0" err="1"/>
+              <a:t>punctuatie</a:t>
+            </a:r>
+            <a:r>
+              <a:rPr lang="en-US" dirty="0"/>
+              <a:t> de </a:t>
+            </a:r>
+            <a:r>
+              <a:rPr lang="en-US" dirty="0" err="1"/>
+              <a:t>oprire</a:t>
+            </a:r>
+            <a:r>
+              <a:rPr lang="en-US" dirty="0"/>
+              <a:t> </a:t>
+            </a:r>
+            <a:r>
+              <a:rPr lang="en-US" dirty="0" err="1"/>
+              <a:t>sau</a:t>
+            </a:r>
+            <a:r>
+              <a:rPr lang="en-US" dirty="0"/>
+              <a:t> </a:t>
+            </a:r>
+            <a:r>
+              <a:rPr lang="en-US" dirty="0" err="1"/>
+              <a:t>lipsa</a:t>
+            </a:r>
+            <a:r>
+              <a:rPr lang="en-US" dirty="0"/>
+              <a:t> </a:t>
+            </a:r>
+            <a:r>
+              <a:rPr lang="en-US" dirty="0" err="1"/>
+              <a:t>unui</a:t>
+            </a:r>
+            <a:r>
+              <a:rPr lang="en-US" dirty="0"/>
+              <a:t> </a:t>
+            </a:r>
+            <a:r>
+              <a:rPr lang="en-US" dirty="0" err="1"/>
+              <a:t>cuvant</a:t>
+            </a:r>
+            <a:r>
+              <a:rPr lang="en-US" dirty="0"/>
+              <a:t> de ales</a:t>
+            </a:r>
+          </a:p>
+        </p:txBody>
+      </p:sp>
+      <p:sp>
+        <p:nvSpPr>
+          <p:cNvPr id="7" name="TextBox 6">
+            <a:extLst>
+              <a:ext uri="{FF2B5EF4-FFF2-40B4-BE49-F238E27FC236}">
+                <a16:creationId xmlns:a16="http://schemas.microsoft.com/office/drawing/2014/main" id="{11173976-3A76-62B0-D724-F3711BCD262A}"/>
+              </a:ext>
+            </a:extLst>
+          </p:cNvPr>
+          <p:cNvSpPr txBox="1"/>
+          <p:nvPr/>
+        </p:nvSpPr>
+        <p:spPr>
+          <a:xfrm>
+            <a:off x="342494" y="4927131"/>
+            <a:ext cx="11490385" cy="1754326"/>
+          </a:xfrm>
+          <a:prstGeom prst="rect">
+            <a:avLst/>
+          </a:prstGeom>
+          <a:noFill/>
+        </p:spPr>
+        <p:txBody>
+          <a:bodyPr wrap="square">
+            <a:spAutoFit/>
+          </a:bodyPr>
+          <a:lstStyle/>
+          <a:p>
+            <a:r>
+              <a:rPr lang="en-GB" b="0" i="0" dirty="0">
+                <a:solidFill>
+                  <a:srgbClr val="FFFFFF"/>
+                </a:solidFill>
+                <a:effectLst/>
+                <a:latin typeface="Consolas" panose="020B0609020204030204" pitchFamily="49" charset="0"/>
+              </a:rPr>
+              <a:t>Text </a:t>
+            </a:r>
+            <a:r>
+              <a:rPr lang="en-GB" b="0" i="0" dirty="0" err="1">
+                <a:solidFill>
+                  <a:srgbClr val="FFFFFF"/>
+                </a:solidFill>
+                <a:effectLst/>
+                <a:latin typeface="Consolas" panose="020B0609020204030204" pitchFamily="49" charset="0"/>
+              </a:rPr>
+              <a:t>generat</a:t>
+            </a:r>
+            <a:r>
+              <a:rPr lang="en-GB" b="0" i="0" dirty="0">
+                <a:solidFill>
+                  <a:srgbClr val="FFFFFF"/>
+                </a:solidFill>
+                <a:effectLst/>
+                <a:latin typeface="Consolas" panose="020B0609020204030204" pitchFamily="49" charset="0"/>
+              </a:rPr>
+              <a:t> automat Romania: </a:t>
+            </a:r>
+            <a:r>
+              <a:rPr lang="en-GB" b="0" i="0" dirty="0" err="1">
+                <a:solidFill>
+                  <a:srgbClr val="FFFFFF"/>
+                </a:solidFill>
+                <a:effectLst/>
+                <a:latin typeface="Consolas" panose="020B0609020204030204" pitchFamily="49" charset="0"/>
+              </a:rPr>
+              <a:t>PENTRU</a:t>
+            </a:r>
+            <a:r>
+              <a:rPr lang="en-GB" b="0" i="0" dirty="0">
+                <a:solidFill>
+                  <a:srgbClr val="FFFFFF"/>
+                </a:solidFill>
+                <a:effectLst/>
+                <a:latin typeface="Consolas" panose="020B0609020204030204" pitchFamily="49" charset="0"/>
+              </a:rPr>
+              <a:t> MAI </a:t>
+            </a:r>
+            <a:r>
+              <a:rPr lang="en-GB" b="0" i="0" dirty="0" err="1">
+                <a:solidFill>
+                  <a:srgbClr val="FFFFFF"/>
+                </a:solidFill>
+                <a:effectLst/>
+                <a:latin typeface="Consolas" panose="020B0609020204030204" pitchFamily="49" charset="0"/>
+              </a:rPr>
+              <a:t>MULTE</a:t>
+            </a:r>
+            <a:r>
+              <a:rPr lang="en-GB" b="0" i="0" dirty="0">
+                <a:solidFill>
+                  <a:srgbClr val="FFFFFF"/>
+                </a:solidFill>
+                <a:effectLst/>
+                <a:latin typeface="Consolas" panose="020B0609020204030204" pitchFamily="49" charset="0"/>
+              </a:rPr>
+              <a:t> </a:t>
+            </a:r>
+            <a:r>
+              <a:rPr lang="en-GB" b="0" i="0" dirty="0" err="1">
+                <a:solidFill>
+                  <a:srgbClr val="FFFFFF"/>
+                </a:solidFill>
+                <a:effectLst/>
+                <a:latin typeface="Consolas" panose="020B0609020204030204" pitchFamily="49" charset="0"/>
+              </a:rPr>
+              <a:t>REGIUNI</a:t>
+            </a:r>
+            <a:r>
+              <a:rPr lang="en-GB" b="0" i="0" dirty="0">
+                <a:solidFill>
+                  <a:srgbClr val="FFFFFF"/>
+                </a:solidFill>
+                <a:effectLst/>
+                <a:latin typeface="Consolas" panose="020B0609020204030204" pitchFamily="49" charset="0"/>
+              </a:rPr>
+              <a:t> DIN </a:t>
+            </a:r>
+            <a:r>
+              <a:rPr lang="en-GB" b="0" i="0" dirty="0" err="1">
+                <a:solidFill>
+                  <a:srgbClr val="FFFFFF"/>
+                </a:solidFill>
+                <a:effectLst/>
+                <a:latin typeface="Consolas" panose="020B0609020204030204" pitchFamily="49" charset="0"/>
+              </a:rPr>
+              <a:t>ROMÂNIA</a:t>
+            </a:r>
+            <a:r>
+              <a:rPr lang="en-GB" b="0" i="0" dirty="0">
+                <a:solidFill>
+                  <a:srgbClr val="FFFFFF"/>
+                </a:solidFill>
+                <a:effectLst/>
+                <a:latin typeface="Consolas" panose="020B0609020204030204" pitchFamily="49" charset="0"/>
+              </a:rPr>
+              <a:t> ) Un </a:t>
+            </a:r>
+            <a:r>
+              <a:rPr lang="en-GB" b="0" i="0" dirty="0" err="1">
+                <a:solidFill>
+                  <a:srgbClr val="FFFFFF"/>
+                </a:solidFill>
+                <a:effectLst/>
+                <a:latin typeface="Consolas" panose="020B0609020204030204" pitchFamily="49" charset="0"/>
+              </a:rPr>
+              <a:t>ciclon</a:t>
+            </a:r>
+            <a:r>
+              <a:rPr lang="en-GB" b="0" i="0" dirty="0">
+                <a:solidFill>
+                  <a:srgbClr val="FFFFFF"/>
+                </a:solidFill>
+                <a:effectLst/>
+                <a:latin typeface="Consolas" panose="020B0609020204030204" pitchFamily="49" charset="0"/>
+              </a:rPr>
+              <a:t> polar </a:t>
+            </a:r>
+            <a:r>
+              <a:rPr lang="en-GB" b="0" i="0" dirty="0" err="1">
+                <a:solidFill>
+                  <a:srgbClr val="FFFFFF"/>
+                </a:solidFill>
+                <a:effectLst/>
+                <a:latin typeface="Consolas" panose="020B0609020204030204" pitchFamily="49" charset="0"/>
+              </a:rPr>
+              <a:t>lovește</a:t>
+            </a:r>
+            <a:r>
+              <a:rPr lang="en-GB" b="0" i="0" dirty="0">
+                <a:solidFill>
+                  <a:srgbClr val="FFFFFF"/>
+                </a:solidFill>
+                <a:effectLst/>
+                <a:latin typeface="Consolas" panose="020B0609020204030204" pitchFamily="49" charset="0"/>
+              </a:rPr>
+              <a:t> </a:t>
+            </a:r>
+            <a:r>
+              <a:rPr lang="en-GB" b="0" i="0" dirty="0" err="1">
+                <a:solidFill>
+                  <a:srgbClr val="FFFFFF"/>
+                </a:solidFill>
+                <a:effectLst/>
+                <a:latin typeface="Consolas" panose="020B0609020204030204" pitchFamily="49" charset="0"/>
+              </a:rPr>
+              <a:t>România</a:t>
+            </a:r>
+            <a:r>
+              <a:rPr lang="en-GB" b="0" i="0" dirty="0">
+                <a:solidFill>
+                  <a:srgbClr val="FFFFFF"/>
+                </a:solidFill>
+                <a:effectLst/>
+                <a:latin typeface="Consolas" panose="020B0609020204030204" pitchFamily="49" charset="0"/>
+              </a:rPr>
+              <a:t> </a:t>
+            </a:r>
+            <a:r>
+              <a:rPr lang="en-GB" b="0" i="0" dirty="0" err="1">
+                <a:solidFill>
+                  <a:srgbClr val="FFFFFF"/>
+                </a:solidFill>
+                <a:effectLst/>
+                <a:latin typeface="Consolas" panose="020B0609020204030204" pitchFamily="49" charset="0"/>
+              </a:rPr>
+              <a:t>Așa</a:t>
+            </a:r>
+            <a:r>
+              <a:rPr lang="en-GB" b="0" i="0" dirty="0">
+                <a:solidFill>
+                  <a:srgbClr val="FFFFFF"/>
+                </a:solidFill>
+                <a:effectLst/>
+                <a:latin typeface="Consolas" panose="020B0609020204030204" pitchFamily="49" charset="0"/>
+              </a:rPr>
+              <a:t> cum </a:t>
+            </a:r>
+            <a:r>
+              <a:rPr lang="en-GB" b="0" i="0" dirty="0" err="1">
+                <a:solidFill>
+                  <a:srgbClr val="FFFFFF"/>
+                </a:solidFill>
+                <a:effectLst/>
+                <a:latin typeface="Consolas" panose="020B0609020204030204" pitchFamily="49" charset="0"/>
+              </a:rPr>
+              <a:t>spuneam</a:t>
+            </a:r>
+            <a:r>
+              <a:rPr lang="en-GB" b="0" i="0" dirty="0">
+                <a:solidFill>
+                  <a:srgbClr val="FFFFFF"/>
+                </a:solidFill>
+                <a:effectLst/>
+                <a:latin typeface="Consolas" panose="020B0609020204030204" pitchFamily="49" charset="0"/>
+              </a:rPr>
+              <a:t> , </a:t>
+            </a:r>
+            <a:r>
+              <a:rPr lang="en-GB" b="0" i="0" dirty="0" err="1">
+                <a:solidFill>
+                  <a:srgbClr val="FFFFFF"/>
+                </a:solidFill>
+                <a:effectLst/>
+                <a:latin typeface="Consolas" panose="020B0609020204030204" pitchFamily="49" charset="0"/>
+              </a:rPr>
+              <a:t>testul</a:t>
+            </a:r>
+            <a:r>
+              <a:rPr lang="en-GB" b="0" i="0" dirty="0">
+                <a:solidFill>
+                  <a:srgbClr val="FFFFFF"/>
+                </a:solidFill>
+                <a:effectLst/>
+                <a:latin typeface="Consolas" panose="020B0609020204030204" pitchFamily="49" charset="0"/>
+              </a:rPr>
+              <a:t> de </a:t>
+            </a:r>
+            <a:r>
+              <a:rPr lang="en-GB" b="0" i="0" dirty="0" err="1">
+                <a:solidFill>
+                  <a:srgbClr val="FFFFFF"/>
+                </a:solidFill>
+                <a:effectLst/>
+                <a:latin typeface="Consolas" panose="020B0609020204030204" pitchFamily="49" charset="0"/>
+              </a:rPr>
+              <a:t>astăzi</a:t>
+            </a:r>
+            <a:r>
+              <a:rPr lang="en-GB" b="0" i="0" dirty="0">
+                <a:solidFill>
+                  <a:srgbClr val="FFFFFF"/>
+                </a:solidFill>
+                <a:effectLst/>
+                <a:latin typeface="Consolas" panose="020B0609020204030204" pitchFamily="49" charset="0"/>
+              </a:rPr>
+              <a:t> are o </a:t>
+            </a:r>
+            <a:r>
+              <a:rPr lang="en-GB" b="0" i="0" dirty="0" err="1">
+                <a:solidFill>
+                  <a:srgbClr val="FFFFFF"/>
+                </a:solidFill>
+                <a:effectLst/>
+                <a:latin typeface="Consolas" panose="020B0609020204030204" pitchFamily="49" charset="0"/>
+              </a:rPr>
+              <a:t>dificultate</a:t>
+            </a:r>
+            <a:r>
+              <a:rPr lang="en-GB" b="0" i="0" dirty="0">
+                <a:solidFill>
+                  <a:srgbClr val="FFFFFF"/>
+                </a:solidFill>
+                <a:effectLst/>
+                <a:latin typeface="Consolas" panose="020B0609020204030204" pitchFamily="49" charset="0"/>
+              </a:rPr>
+              <a:t> </a:t>
+            </a:r>
+            <a:r>
+              <a:rPr lang="en-GB" b="0" i="0" dirty="0" err="1">
+                <a:solidFill>
+                  <a:srgbClr val="FFFFFF"/>
+                </a:solidFill>
+                <a:effectLst/>
+                <a:latin typeface="Consolas" panose="020B0609020204030204" pitchFamily="49" charset="0"/>
+              </a:rPr>
+              <a:t>ridicată</a:t>
+            </a:r>
+            <a:r>
+              <a:rPr lang="en-GB" b="0" i="0" dirty="0">
+                <a:solidFill>
+                  <a:srgbClr val="FFFFFF"/>
+                </a:solidFill>
+                <a:effectLst/>
+                <a:latin typeface="Consolas" panose="020B0609020204030204" pitchFamily="49" charset="0"/>
+              </a:rPr>
+              <a:t> </a:t>
+            </a:r>
+            <a:r>
+              <a:rPr lang="en-GB" b="0" i="0" dirty="0" err="1">
+                <a:solidFill>
+                  <a:srgbClr val="FFFFFF"/>
+                </a:solidFill>
+                <a:effectLst/>
+                <a:latin typeface="Consolas" panose="020B0609020204030204" pitchFamily="49" charset="0"/>
+              </a:rPr>
+              <a:t>și</a:t>
+            </a:r>
+            <a:r>
+              <a:rPr lang="en-GB" b="0" i="0" dirty="0">
+                <a:solidFill>
+                  <a:srgbClr val="FFFFFF"/>
+                </a:solidFill>
+                <a:effectLst/>
+                <a:latin typeface="Consolas" panose="020B0609020204030204" pitchFamily="49" charset="0"/>
+              </a:rPr>
+              <a:t> </a:t>
+            </a:r>
+            <a:r>
+              <a:rPr lang="en-GB" b="0" i="0" dirty="0" err="1">
+                <a:solidFill>
+                  <a:srgbClr val="FFFFFF"/>
+                </a:solidFill>
+                <a:effectLst/>
+                <a:latin typeface="Consolas" panose="020B0609020204030204" pitchFamily="49" charset="0"/>
+              </a:rPr>
+              <a:t>necesită</a:t>
+            </a:r>
+            <a:r>
+              <a:rPr lang="en-GB" b="0" i="0" dirty="0">
+                <a:solidFill>
+                  <a:srgbClr val="FFFFFF"/>
+                </a:solidFill>
+                <a:effectLst/>
+                <a:latin typeface="Consolas" panose="020B0609020204030204" pitchFamily="49" charset="0"/>
+              </a:rPr>
+              <a:t> </a:t>
+            </a:r>
+            <a:r>
+              <a:rPr lang="en-GB" b="0" i="0" dirty="0" err="1">
+                <a:solidFill>
+                  <a:srgbClr val="FFFFFF"/>
+                </a:solidFill>
+                <a:effectLst/>
+                <a:latin typeface="Consolas" panose="020B0609020204030204" pitchFamily="49" charset="0"/>
+              </a:rPr>
+              <a:t>ceva</a:t>
+            </a:r>
+            <a:r>
+              <a:rPr lang="en-GB" b="0" i="0" dirty="0">
+                <a:solidFill>
+                  <a:srgbClr val="FFFFFF"/>
+                </a:solidFill>
+                <a:effectLst/>
+                <a:latin typeface="Consolas" panose="020B0609020204030204" pitchFamily="49" charset="0"/>
+              </a:rPr>
+              <a:t> </a:t>
+            </a:r>
+            <a:r>
+              <a:rPr lang="en-GB" b="0" i="0" dirty="0" err="1">
+                <a:solidFill>
+                  <a:srgbClr val="FFFFFF"/>
+                </a:solidFill>
+                <a:effectLst/>
+                <a:latin typeface="Consolas" panose="020B0609020204030204" pitchFamily="49" charset="0"/>
+              </a:rPr>
+              <a:t>mai</a:t>
+            </a:r>
+            <a:r>
+              <a:rPr lang="en-GB" b="0" i="0" dirty="0">
+                <a:solidFill>
+                  <a:srgbClr val="FFFFFF"/>
+                </a:solidFill>
+                <a:effectLst/>
+                <a:latin typeface="Consolas" panose="020B0609020204030204" pitchFamily="49" charset="0"/>
+              </a:rPr>
+              <a:t> </a:t>
+            </a:r>
+            <a:r>
+              <a:rPr lang="en-GB" b="0" i="0" dirty="0" err="1">
+                <a:solidFill>
+                  <a:srgbClr val="FFFFFF"/>
+                </a:solidFill>
+                <a:effectLst/>
+                <a:latin typeface="Consolas" panose="020B0609020204030204" pitchFamily="49" charset="0"/>
+              </a:rPr>
+              <a:t>multă</a:t>
+            </a:r>
+            <a:r>
+              <a:rPr lang="en-GB" b="0" i="0" dirty="0">
+                <a:solidFill>
+                  <a:srgbClr val="FFFFFF"/>
+                </a:solidFill>
+                <a:effectLst/>
+                <a:latin typeface="Consolas" panose="020B0609020204030204" pitchFamily="49" charset="0"/>
+              </a:rPr>
+              <a:t> </a:t>
+            </a:r>
+            <a:r>
+              <a:rPr lang="en-GB" b="0" i="0" dirty="0" err="1">
+                <a:solidFill>
+                  <a:srgbClr val="FFFFFF"/>
+                </a:solidFill>
+                <a:effectLst/>
+                <a:latin typeface="Consolas" panose="020B0609020204030204" pitchFamily="49" charset="0"/>
+              </a:rPr>
+              <a:t>atenție</a:t>
+            </a:r>
+            <a:r>
+              <a:rPr lang="en-GB" b="0" i="0" dirty="0">
+                <a:solidFill>
+                  <a:srgbClr val="FFFFFF"/>
+                </a:solidFill>
+                <a:effectLst/>
+                <a:latin typeface="Consolas" panose="020B0609020204030204" pitchFamily="49" charset="0"/>
+              </a:rPr>
+              <a:t> </a:t>
+            </a:r>
+            <a:r>
+              <a:rPr lang="en-GB" b="0" i="0" dirty="0" err="1">
+                <a:solidFill>
+                  <a:srgbClr val="FFFFFF"/>
+                </a:solidFill>
+                <a:effectLst/>
+                <a:latin typeface="Consolas" panose="020B0609020204030204" pitchFamily="49" charset="0"/>
+              </a:rPr>
+              <a:t>și</a:t>
+            </a:r>
+            <a:r>
+              <a:rPr lang="en-GB" b="0" i="0" dirty="0">
+                <a:solidFill>
+                  <a:srgbClr val="FFFFFF"/>
+                </a:solidFill>
+                <a:effectLst/>
+                <a:latin typeface="Consolas" panose="020B0609020204030204" pitchFamily="49" charset="0"/>
+              </a:rPr>
+              <a:t> </a:t>
+            </a:r>
+            <a:r>
+              <a:rPr lang="en-GB" b="0" i="0" dirty="0" err="1">
+                <a:solidFill>
+                  <a:srgbClr val="FFFFFF"/>
+                </a:solidFill>
+                <a:effectLst/>
+                <a:latin typeface="Consolas" panose="020B0609020204030204" pitchFamily="49" charset="0"/>
+              </a:rPr>
+              <a:t>concentrare</a:t>
+            </a:r>
+            <a:r>
+              <a:rPr lang="en-GB" b="0" i="0" dirty="0">
+                <a:solidFill>
+                  <a:srgbClr val="FFFFFF"/>
+                </a:solidFill>
+                <a:effectLst/>
+                <a:latin typeface="Consolas" panose="020B0609020204030204" pitchFamily="49" charset="0"/>
+              </a:rPr>
+              <a:t> . </a:t>
+            </a:r>
+          </a:p>
+          <a:p>
+            <a:endParaRPr lang="en-GB" b="0" i="0" dirty="0">
+              <a:solidFill>
+                <a:srgbClr val="FFFFFF"/>
+              </a:solidFill>
+              <a:effectLst/>
+              <a:latin typeface="Consolas" panose="020B0609020204030204" pitchFamily="49" charset="0"/>
+            </a:endParaRPr>
+          </a:p>
+          <a:p>
+            <a:r>
+              <a:rPr lang="en-GB" b="0" i="0" dirty="0">
+                <a:solidFill>
+                  <a:srgbClr val="FFFFFF"/>
+                </a:solidFill>
+                <a:effectLst/>
+                <a:latin typeface="Consolas" panose="020B0609020204030204" pitchFamily="49" charset="0"/>
+              </a:rPr>
+              <a:t>Text </a:t>
+            </a:r>
+            <a:r>
+              <a:rPr lang="en-GB" b="0" i="0" dirty="0" err="1">
+                <a:solidFill>
+                  <a:srgbClr val="FFFFFF"/>
+                </a:solidFill>
+                <a:effectLst/>
+                <a:latin typeface="Consolas" panose="020B0609020204030204" pitchFamily="49" charset="0"/>
+              </a:rPr>
+              <a:t>generat</a:t>
+            </a:r>
+            <a:r>
+              <a:rPr lang="en-GB" b="0" i="0" dirty="0">
+                <a:solidFill>
+                  <a:srgbClr val="FFFFFF"/>
+                </a:solidFill>
+                <a:effectLst/>
+                <a:latin typeface="Consolas" panose="020B0609020204030204" pitchFamily="49" charset="0"/>
+              </a:rPr>
+              <a:t> automat Moldova: </a:t>
+            </a:r>
+            <a:r>
+              <a:rPr lang="en-GB" b="0" i="0" dirty="0" err="1">
+                <a:solidFill>
+                  <a:srgbClr val="FFFFFF"/>
+                </a:solidFill>
+                <a:effectLst/>
+                <a:latin typeface="Consolas" panose="020B0609020204030204" pitchFamily="49" charset="0"/>
+              </a:rPr>
+              <a:t>Aici</a:t>
+            </a:r>
+            <a:r>
+              <a:rPr lang="en-GB" b="0" i="0" dirty="0">
+                <a:solidFill>
+                  <a:srgbClr val="FFFFFF"/>
+                </a:solidFill>
+                <a:effectLst/>
+                <a:latin typeface="Consolas" panose="020B0609020204030204" pitchFamily="49" charset="0"/>
+              </a:rPr>
+              <a:t> , </a:t>
+            </a:r>
+            <a:r>
+              <a:rPr lang="en-GB" b="0" i="0" dirty="0" err="1">
+                <a:solidFill>
+                  <a:srgbClr val="FFFFFF"/>
+                </a:solidFill>
+                <a:effectLst/>
+                <a:latin typeface="Consolas" panose="020B0609020204030204" pitchFamily="49" charset="0"/>
+              </a:rPr>
+              <a:t>Danemarca</a:t>
+            </a:r>
+            <a:r>
+              <a:rPr lang="en-GB" b="0" i="0" dirty="0">
+                <a:solidFill>
+                  <a:srgbClr val="FFFFFF"/>
+                </a:solidFill>
+                <a:effectLst/>
+                <a:latin typeface="Consolas" panose="020B0609020204030204" pitchFamily="49" charset="0"/>
+              </a:rPr>
+              <a:t> si Germania </a:t>
+            </a:r>
+            <a:r>
+              <a:rPr lang="en-GB" b="0" i="0" dirty="0" err="1">
+                <a:solidFill>
+                  <a:srgbClr val="FFFFFF"/>
+                </a:solidFill>
+                <a:effectLst/>
+                <a:latin typeface="Consolas" panose="020B0609020204030204" pitchFamily="49" charset="0"/>
+              </a:rPr>
+              <a:t>vor</a:t>
+            </a:r>
+            <a:r>
+              <a:rPr lang="en-GB" b="0" i="0" dirty="0">
+                <a:solidFill>
+                  <a:srgbClr val="FFFFFF"/>
+                </a:solidFill>
+                <a:effectLst/>
+                <a:latin typeface="Consolas" panose="020B0609020204030204" pitchFamily="49" charset="0"/>
+              </a:rPr>
+              <a:t> </a:t>
+            </a:r>
+            <a:r>
+              <a:rPr lang="en-GB" b="0" i="0" dirty="0" err="1">
+                <a:solidFill>
+                  <a:srgbClr val="FFFFFF"/>
+                </a:solidFill>
+                <a:effectLst/>
+                <a:latin typeface="Consolas" panose="020B0609020204030204" pitchFamily="49" charset="0"/>
+              </a:rPr>
+              <a:t>avea</a:t>
+            </a:r>
+            <a:r>
+              <a:rPr lang="en-GB" b="0" i="0" dirty="0">
+                <a:solidFill>
+                  <a:srgbClr val="FFFFFF"/>
+                </a:solidFill>
+                <a:effectLst/>
+                <a:latin typeface="Consolas" panose="020B0609020204030204" pitchFamily="49" charset="0"/>
+              </a:rPr>
+              <a:t> din start cate </a:t>
+            </a:r>
+            <a:r>
+              <a:rPr lang="en-GB" b="0" i="0" dirty="0" err="1">
+                <a:solidFill>
+                  <a:srgbClr val="FFFFFF"/>
+                </a:solidFill>
+                <a:effectLst/>
+                <a:latin typeface="Consolas" panose="020B0609020204030204" pitchFamily="49" charset="0"/>
+              </a:rPr>
+              <a:t>patru</a:t>
+            </a:r>
+            <a:r>
+              <a:rPr lang="en-GB" b="0" i="0" dirty="0">
+                <a:solidFill>
+                  <a:srgbClr val="FFFFFF"/>
+                </a:solidFill>
+                <a:effectLst/>
+                <a:latin typeface="Consolas" panose="020B0609020204030204" pitchFamily="49" charset="0"/>
+              </a:rPr>
+              <a:t> </a:t>
+            </a:r>
+            <a:r>
+              <a:rPr lang="en-GB" b="0" i="0" dirty="0" err="1">
+                <a:solidFill>
+                  <a:srgbClr val="FFFFFF"/>
+                </a:solidFill>
+                <a:effectLst/>
+                <a:latin typeface="Consolas" panose="020B0609020204030204" pitchFamily="49" charset="0"/>
+              </a:rPr>
+              <a:t>puncte</a:t>
+            </a:r>
+            <a:r>
+              <a:rPr lang="en-GB" b="0" i="0" dirty="0">
+                <a:solidFill>
+                  <a:srgbClr val="FFFFFF"/>
+                </a:solidFill>
+                <a:effectLst/>
+                <a:latin typeface="Consolas" panose="020B0609020204030204" pitchFamily="49" charset="0"/>
+              </a:rPr>
+              <a:t> , Romania si Polonia </a:t>
+            </a:r>
+            <a:r>
+              <a:rPr lang="en-GB" b="0" i="0" dirty="0" err="1">
+                <a:solidFill>
+                  <a:srgbClr val="FFFFFF"/>
+                </a:solidFill>
+                <a:effectLst/>
+                <a:latin typeface="Consolas" panose="020B0609020204030204" pitchFamily="49" charset="0"/>
+              </a:rPr>
+              <a:t>vor</a:t>
+            </a:r>
+            <a:r>
+              <a:rPr lang="en-GB" b="0" i="0" dirty="0">
+                <a:solidFill>
+                  <a:srgbClr val="FFFFFF"/>
+                </a:solidFill>
+                <a:effectLst/>
+                <a:latin typeface="Consolas" panose="020B0609020204030204" pitchFamily="49" charset="0"/>
+              </a:rPr>
+              <a:t> </a:t>
+            </a:r>
+            <a:r>
+              <a:rPr lang="en-GB" b="0" i="0" dirty="0" err="1">
+                <a:solidFill>
+                  <a:srgbClr val="FFFFFF"/>
+                </a:solidFill>
+                <a:effectLst/>
+                <a:latin typeface="Consolas" panose="020B0609020204030204" pitchFamily="49" charset="0"/>
+              </a:rPr>
+              <a:t>avea</a:t>
+            </a:r>
+            <a:r>
+              <a:rPr lang="en-GB" b="0" i="0" dirty="0">
+                <a:solidFill>
+                  <a:srgbClr val="FFFFFF"/>
+                </a:solidFill>
+                <a:effectLst/>
+                <a:latin typeface="Consolas" panose="020B0609020204030204" pitchFamily="49" charset="0"/>
+              </a:rPr>
+              <a:t> cate </a:t>
+            </a:r>
+            <a:r>
+              <a:rPr lang="en-GB" b="0" i="0" dirty="0" err="1">
+                <a:solidFill>
+                  <a:srgbClr val="FFFFFF"/>
+                </a:solidFill>
+                <a:effectLst/>
+                <a:latin typeface="Consolas" panose="020B0609020204030204" pitchFamily="49" charset="0"/>
+              </a:rPr>
+              <a:t>doua</a:t>
+            </a:r>
+            <a:r>
+              <a:rPr lang="en-GB" b="0" i="0" dirty="0">
+                <a:solidFill>
+                  <a:srgbClr val="FFFFFF"/>
+                </a:solidFill>
+                <a:effectLst/>
+                <a:latin typeface="Consolas" panose="020B0609020204030204" pitchFamily="49" charset="0"/>
+              </a:rPr>
+              <a:t> , </a:t>
+            </a:r>
+            <a:r>
+              <a:rPr lang="en-GB" b="0" i="0" dirty="0" err="1">
+                <a:solidFill>
+                  <a:srgbClr val="FFFFFF"/>
+                </a:solidFill>
+                <a:effectLst/>
+                <a:latin typeface="Consolas" panose="020B0609020204030204" pitchFamily="49" charset="0"/>
+              </a:rPr>
+              <a:t>iar</a:t>
+            </a:r>
+            <a:r>
+              <a:rPr lang="en-GB" b="0" i="0" dirty="0">
+                <a:solidFill>
+                  <a:srgbClr val="FFFFFF"/>
+                </a:solidFill>
+                <a:effectLst/>
+                <a:latin typeface="Consolas" panose="020B0609020204030204" pitchFamily="49" charset="0"/>
+              </a:rPr>
+              <a:t> </a:t>
+            </a:r>
+            <a:r>
+              <a:rPr lang="en-GB" b="0" i="0" dirty="0" err="1">
+                <a:solidFill>
+                  <a:srgbClr val="FFFFFF"/>
+                </a:solidFill>
+                <a:effectLst/>
+                <a:latin typeface="Consolas" panose="020B0609020204030204" pitchFamily="49" charset="0"/>
+              </a:rPr>
+              <a:t>Japonia</a:t>
+            </a:r>
+            <a:r>
+              <a:rPr lang="en-GB" b="0" i="0" dirty="0">
+                <a:solidFill>
+                  <a:srgbClr val="FFFFFF"/>
+                </a:solidFill>
+                <a:effectLst/>
+                <a:latin typeface="Consolas" panose="020B0609020204030204" pitchFamily="49" charset="0"/>
+              </a:rPr>
+              <a:t> si Serbia - </a:t>
+            </a:r>
+            <a:r>
+              <a:rPr lang="en-GB" b="0" i="0" dirty="0" err="1">
+                <a:solidFill>
+                  <a:srgbClr val="FFFFFF"/>
+                </a:solidFill>
+                <a:effectLst/>
+                <a:latin typeface="Consolas" panose="020B0609020204030204" pitchFamily="49" charset="0"/>
+              </a:rPr>
+              <a:t>nici</a:t>
+            </a:r>
+            <a:r>
+              <a:rPr lang="en-GB" b="0" i="0" dirty="0">
+                <a:solidFill>
+                  <a:srgbClr val="FFFFFF"/>
+                </a:solidFill>
+                <a:effectLst/>
+                <a:latin typeface="Consolas" panose="020B0609020204030204" pitchFamily="49" charset="0"/>
+              </a:rPr>
+              <a:t> cate </a:t>
+            </a:r>
+            <a:r>
+              <a:rPr lang="en-GB" b="0" i="0" dirty="0" err="1">
+                <a:solidFill>
+                  <a:srgbClr val="FFFFFF"/>
+                </a:solidFill>
+                <a:effectLst/>
+                <a:latin typeface="Consolas" panose="020B0609020204030204" pitchFamily="49" charset="0"/>
+              </a:rPr>
+              <a:t>unul</a:t>
+            </a:r>
+            <a:r>
+              <a:rPr lang="en-GB" b="0" i="0" dirty="0">
+                <a:solidFill>
+                  <a:srgbClr val="FFFFFF"/>
+                </a:solidFill>
+                <a:effectLst/>
+                <a:latin typeface="Consolas" panose="020B0609020204030204" pitchFamily="49" charset="0"/>
+              </a:rPr>
+              <a:t> .</a:t>
+            </a:r>
+            <a:endParaRPr lang="en-GB" dirty="0"/>
+          </a:p>
+        </p:txBody>
+      </p:sp>
+    </p:spTree>
+    <p:extLst>
+      <p:ext uri="{BB962C8B-B14F-4D97-AF65-F5344CB8AC3E}">
+        <p14:creationId xmlns:p14="http://schemas.microsoft.com/office/powerpoint/2010/main" val="3322405754"/>
+      </p:ext>
+    </p:extLst>
+  </p:cSld>
+  <p:clrMapOvr>
+    <a:masterClrMapping/>
+  </p:clrMapOvr>
+</p:sld>
+</file>
+
+<file path=ppt/slides/slide14.xml><?xml version="1.0" encoding="utf-8"?>
+<p:sld xmlns:a="http://schemas.openxmlformats.org/drawingml/2006/main" xmlns:r="http://schemas.openxmlformats.org/officeDocument/2006/relationships" xmlns:p="http://schemas.openxmlformats.org/presentationml/2006/main">
+  <p:cSld>
+    <p:spTree>
+      <p:nvGrpSpPr>
+        <p:cNvPr id="1" name="">
+          <a:extLst>
+            <a:ext uri="{FF2B5EF4-FFF2-40B4-BE49-F238E27FC236}">
+              <a16:creationId xmlns:a16="http://schemas.microsoft.com/office/drawing/2014/main" id="{178E5A60-C06C-DF5E-FCC7-795C17F8AB8B}"/>
+            </a:ext>
+          </a:extLst>
+        </p:cNvPr>
+        <p:cNvGrpSpPr/>
+        <p:nvPr/>
+      </p:nvGrpSpPr>
+      <p:grpSpPr>
+        <a:xfrm>
+          <a:off x="0" y="0"/>
+          <a:ext cx="0" cy="0"/>
+          <a:chOff x="0" y="0"/>
+          <a:chExt cx="0" cy="0"/>
+        </a:xfrm>
+      </p:grpSpPr>
+      <p:sp>
+        <p:nvSpPr>
+          <p:cNvPr id="2" name="Title 1">
+            <a:extLst>
+              <a:ext uri="{FF2B5EF4-FFF2-40B4-BE49-F238E27FC236}">
+                <a16:creationId xmlns:a16="http://schemas.microsoft.com/office/drawing/2014/main" id="{06845E9F-34D6-049C-C33D-0F86FC75D9E2}"/>
+              </a:ext>
+            </a:extLst>
+          </p:cNvPr>
+          <p:cNvSpPr>
+            <a:spLocks noGrp="1"/>
+          </p:cNvSpPr>
+          <p:nvPr>
+            <p:ph type="title"/>
+          </p:nvPr>
+        </p:nvSpPr>
+        <p:spPr>
+          <a:xfrm>
+            <a:off x="913795" y="609600"/>
+            <a:ext cx="10656534" cy="632604"/>
+          </a:xfrm>
+        </p:spPr>
+        <p:txBody>
+          <a:bodyPr>
+            <a:normAutofit fontScale="90000"/>
+          </a:bodyPr>
+          <a:lstStyle/>
+          <a:p>
+            <a:pPr algn="l"/>
+            <a:r>
+              <a:rPr lang="en-US" dirty="0" err="1"/>
+              <a:t>Concluzii</a:t>
+            </a:r>
+            <a:r>
+              <a:rPr lang="en-US" dirty="0"/>
+              <a:t> </a:t>
+            </a:r>
+            <a:r>
+              <a:rPr lang="en-US" dirty="0" err="1"/>
+              <a:t>generale</a:t>
+            </a:r>
+            <a:br>
+              <a:rPr lang="en-US" dirty="0"/>
+            </a:br>
+            <a:endParaRPr lang="en-GB" dirty="0"/>
+          </a:p>
+        </p:txBody>
+      </p:sp>
+      <p:sp>
+        <p:nvSpPr>
+          <p:cNvPr id="3" name="Content Placeholder 2">
+            <a:extLst>
+              <a:ext uri="{FF2B5EF4-FFF2-40B4-BE49-F238E27FC236}">
+                <a16:creationId xmlns:a16="http://schemas.microsoft.com/office/drawing/2014/main" id="{C93F6588-0C5D-8879-01B4-28A8D8A5088B}"/>
+              </a:ext>
+            </a:extLst>
+          </p:cNvPr>
+          <p:cNvSpPr>
+            <a:spLocks noGrp="1"/>
+          </p:cNvSpPr>
+          <p:nvPr>
+            <p:ph idx="1"/>
+          </p:nvPr>
+        </p:nvSpPr>
+        <p:spPr>
+          <a:xfrm>
+            <a:off x="913795" y="1242204"/>
+            <a:ext cx="10919084" cy="5439253"/>
+          </a:xfrm>
+        </p:spPr>
+        <p:txBody>
+          <a:bodyPr>
+            <a:normAutofit/>
+          </a:bodyPr>
+          <a:lstStyle/>
+          <a:p>
+            <a:pPr marL="756900" lvl="1" indent="-342900">
+              <a:buAutoNum type="arabicPeriod"/>
+            </a:pPr>
+            <a:r>
+              <a:rPr lang="en-US" dirty="0"/>
+              <a:t>Conform </a:t>
+            </a:r>
+            <a:r>
+              <a:rPr lang="en-US" dirty="0" err="1"/>
+              <a:t>datelor</a:t>
+            </a:r>
+            <a:r>
+              <a:rPr lang="en-US" dirty="0"/>
+              <a:t> </a:t>
+            </a:r>
+            <a:r>
+              <a:rPr lang="en-US" dirty="0" err="1"/>
+              <a:t>prezentate</a:t>
+            </a:r>
+            <a:r>
+              <a:rPr lang="en-US" dirty="0"/>
+              <a:t> anterior </a:t>
+            </a:r>
+            <a:r>
+              <a:rPr lang="en-US" dirty="0" err="1"/>
+              <a:t>putem</a:t>
+            </a:r>
+            <a:r>
+              <a:rPr lang="en-US" dirty="0"/>
+              <a:t> </a:t>
+            </a:r>
+            <a:r>
+              <a:rPr lang="en-US" dirty="0" err="1"/>
+              <a:t>concluziona</a:t>
+            </a:r>
+            <a:r>
+              <a:rPr lang="en-US" dirty="0"/>
+              <a:t> ca </a:t>
+            </a:r>
+            <a:r>
+              <a:rPr lang="en-US" dirty="0" err="1"/>
+              <a:t>exista</a:t>
+            </a:r>
+            <a:r>
+              <a:rPr lang="en-US" dirty="0"/>
+              <a:t> </a:t>
+            </a:r>
+            <a:r>
+              <a:rPr lang="en-US" dirty="0" err="1"/>
+              <a:t>diferente</a:t>
+            </a:r>
+            <a:r>
+              <a:rPr lang="en-US" dirty="0"/>
+              <a:t> </a:t>
+            </a:r>
+            <a:r>
+              <a:rPr lang="en-US" dirty="0" err="1"/>
+              <a:t>vizibile</a:t>
+            </a:r>
+            <a:r>
+              <a:rPr lang="en-US" dirty="0"/>
+              <a:t> </a:t>
+            </a:r>
+            <a:r>
+              <a:rPr lang="en-US" dirty="0" err="1"/>
+              <a:t>intre</a:t>
+            </a:r>
+            <a:r>
+              <a:rPr lang="en-US" dirty="0"/>
+              <a:t> </a:t>
+            </a:r>
+            <a:r>
+              <a:rPr lang="en-US" dirty="0" err="1"/>
+              <a:t>limba</a:t>
+            </a:r>
+            <a:r>
+              <a:rPr lang="en-US" dirty="0"/>
+              <a:t> </a:t>
+            </a:r>
+            <a:r>
+              <a:rPr lang="en-US" dirty="0" err="1"/>
+              <a:t>romana</a:t>
+            </a:r>
+            <a:r>
+              <a:rPr lang="en-US" dirty="0"/>
+              <a:t> </a:t>
+            </a:r>
+            <a:r>
+              <a:rPr lang="en-US" dirty="0" err="1"/>
+              <a:t>scrisa</a:t>
+            </a:r>
+            <a:r>
+              <a:rPr lang="en-US" dirty="0"/>
+              <a:t> in Romania si </a:t>
+            </a:r>
+            <a:r>
+              <a:rPr lang="en-US" dirty="0" err="1"/>
+              <a:t>cea</a:t>
+            </a:r>
+            <a:r>
+              <a:rPr lang="en-US" dirty="0"/>
+              <a:t> </a:t>
+            </a:r>
+            <a:r>
+              <a:rPr lang="en-US" dirty="0" err="1"/>
+              <a:t>scrisa</a:t>
+            </a:r>
+            <a:r>
+              <a:rPr lang="en-US" dirty="0"/>
+              <a:t> in Moldova, </a:t>
+            </a:r>
+            <a:r>
+              <a:rPr lang="en-US" dirty="0" err="1"/>
+              <a:t>atat</a:t>
+            </a:r>
+            <a:r>
+              <a:rPr lang="en-US" dirty="0"/>
+              <a:t> la </a:t>
+            </a:r>
+            <a:r>
+              <a:rPr lang="en-US" dirty="0" err="1"/>
+              <a:t>nivel</a:t>
+            </a:r>
+            <a:r>
+              <a:rPr lang="en-US" dirty="0"/>
+              <a:t> de vocabular cat si la </a:t>
+            </a:r>
+            <a:r>
+              <a:rPr lang="en-US" dirty="0" err="1"/>
+              <a:t>nivel</a:t>
+            </a:r>
+            <a:r>
+              <a:rPr lang="en-US" dirty="0"/>
+              <a:t> de </a:t>
+            </a:r>
+            <a:r>
+              <a:rPr lang="en-US" dirty="0" err="1"/>
+              <a:t>legaturi</a:t>
+            </a:r>
+            <a:r>
+              <a:rPr lang="en-US" dirty="0"/>
+              <a:t> de parti de </a:t>
+            </a:r>
+            <a:r>
+              <a:rPr lang="en-US" dirty="0" err="1"/>
+              <a:t>vorbire</a:t>
+            </a:r>
+            <a:r>
+              <a:rPr lang="en-US" dirty="0"/>
+              <a:t> si </a:t>
+            </a:r>
+            <a:r>
+              <a:rPr lang="en-US" dirty="0" err="1"/>
+              <a:t>topica</a:t>
+            </a:r>
+            <a:endParaRPr lang="en-US" dirty="0"/>
+          </a:p>
+          <a:p>
+            <a:pPr marL="756900" lvl="1" indent="-342900">
+              <a:buAutoNum type="arabicPeriod"/>
+            </a:pPr>
+            <a:r>
+              <a:rPr lang="en-US" dirty="0"/>
+              <a:t>Ce </a:t>
+            </a:r>
+            <a:r>
+              <a:rPr lang="en-US" dirty="0" err="1"/>
+              <a:t>putem</a:t>
+            </a:r>
+            <a:r>
+              <a:rPr lang="en-US" dirty="0"/>
+              <a:t> </a:t>
+            </a:r>
+            <a:r>
+              <a:rPr lang="en-US" dirty="0" err="1"/>
+              <a:t>imbunatati</a:t>
+            </a:r>
+            <a:r>
+              <a:rPr lang="en-US" dirty="0"/>
+              <a:t>:</a:t>
+            </a:r>
+          </a:p>
+          <a:p>
+            <a:pPr marL="1062900" lvl="2" indent="-342900">
+              <a:buAutoNum type="arabicPeriod"/>
+            </a:pPr>
+            <a:r>
+              <a:rPr lang="en-US" dirty="0" err="1"/>
+              <a:t>Colectarea</a:t>
+            </a:r>
+            <a:r>
+              <a:rPr lang="en-US" dirty="0"/>
+              <a:t> </a:t>
+            </a:r>
+            <a:r>
+              <a:rPr lang="en-US" dirty="0" err="1"/>
+              <a:t>unui</a:t>
+            </a:r>
+            <a:r>
+              <a:rPr lang="en-US" dirty="0"/>
+              <a:t> </a:t>
+            </a:r>
+            <a:r>
+              <a:rPr lang="en-US" dirty="0" err="1"/>
+              <a:t>numar</a:t>
+            </a:r>
+            <a:r>
+              <a:rPr lang="en-US" dirty="0"/>
+              <a:t> </a:t>
+            </a:r>
+            <a:r>
+              <a:rPr lang="en-US" dirty="0" err="1"/>
+              <a:t>mai</a:t>
+            </a:r>
+            <a:r>
+              <a:rPr lang="en-US" dirty="0"/>
+              <a:t> mare de </a:t>
+            </a:r>
+            <a:r>
+              <a:rPr lang="en-US" dirty="0" err="1"/>
+              <a:t>articole</a:t>
+            </a:r>
+            <a:r>
+              <a:rPr lang="en-US" dirty="0"/>
+              <a:t> din </a:t>
+            </a:r>
+            <a:r>
+              <a:rPr lang="en-US" dirty="0" err="1"/>
+              <a:t>cele</a:t>
+            </a:r>
+            <a:r>
+              <a:rPr lang="en-US" dirty="0"/>
+              <a:t> </a:t>
+            </a:r>
+            <a:r>
+              <a:rPr lang="en-US" dirty="0" err="1"/>
+              <a:t>doua</a:t>
+            </a:r>
+            <a:r>
+              <a:rPr lang="en-US" dirty="0"/>
+              <a:t> tari</a:t>
+            </a:r>
+          </a:p>
+          <a:p>
+            <a:pPr marL="1062900" lvl="2" indent="-342900">
+              <a:buAutoNum type="arabicPeriod"/>
+            </a:pPr>
+            <a:r>
+              <a:rPr lang="en-US" dirty="0" err="1"/>
+              <a:t>Implementarea</a:t>
+            </a:r>
+            <a:r>
+              <a:rPr lang="en-US" dirty="0"/>
+              <a:t> </a:t>
+            </a:r>
+            <a:r>
+              <a:rPr lang="en-US" dirty="0" err="1"/>
+              <a:t>unui</a:t>
+            </a:r>
+            <a:r>
+              <a:rPr lang="en-US" dirty="0"/>
+              <a:t> model state of the art care </a:t>
+            </a:r>
+            <a:r>
+              <a:rPr lang="en-US" dirty="0" err="1"/>
+              <a:t>sa</a:t>
+            </a:r>
+            <a:r>
+              <a:rPr lang="en-US" dirty="0"/>
+              <a:t> </a:t>
+            </a:r>
+            <a:r>
+              <a:rPr lang="en-US" dirty="0" err="1"/>
+              <a:t>analizeze</a:t>
+            </a:r>
+            <a:r>
+              <a:rPr lang="en-US" dirty="0"/>
+              <a:t> </a:t>
+            </a:r>
+            <a:r>
+              <a:rPr lang="en-US" dirty="0" err="1"/>
+              <a:t>cele</a:t>
+            </a:r>
+            <a:r>
+              <a:rPr lang="en-US" dirty="0"/>
+              <a:t> </a:t>
+            </a:r>
+            <a:r>
+              <a:rPr lang="en-US" dirty="0" err="1"/>
+              <a:t>doua</a:t>
+            </a:r>
+            <a:r>
+              <a:rPr lang="en-US" dirty="0"/>
+              <a:t> limbi</a:t>
+            </a:r>
+          </a:p>
+          <a:p>
+            <a:pPr marL="1062900" lvl="2" indent="-342900">
+              <a:buAutoNum type="arabicPeriod"/>
+            </a:pPr>
+            <a:r>
+              <a:rPr lang="en-US" dirty="0" err="1"/>
+              <a:t>Folosirea</a:t>
+            </a:r>
+            <a:r>
+              <a:rPr lang="en-US" dirty="0"/>
+              <a:t> </a:t>
+            </a:r>
+            <a:r>
+              <a:rPr lang="en-US" dirty="0" err="1"/>
+              <a:t>altor</a:t>
+            </a:r>
+            <a:r>
+              <a:rPr lang="en-US" dirty="0"/>
+              <a:t> </a:t>
+            </a:r>
+            <a:r>
+              <a:rPr lang="en-US" dirty="0" err="1"/>
+              <a:t>modele</a:t>
+            </a:r>
+            <a:r>
+              <a:rPr lang="en-US" dirty="0"/>
+              <a:t> de </a:t>
+            </a:r>
+            <a:r>
+              <a:rPr lang="en-US" dirty="0" err="1"/>
+              <a:t>generare</a:t>
+            </a:r>
+            <a:r>
+              <a:rPr lang="en-US" dirty="0"/>
+              <a:t> de text automat precum </a:t>
+            </a:r>
+            <a:r>
+              <a:rPr lang="en-US" dirty="0" err="1"/>
+              <a:t>GPT</a:t>
+            </a:r>
+            <a:r>
+              <a:rPr lang="en-US" dirty="0"/>
+              <a:t>-Neo</a:t>
+            </a:r>
+          </a:p>
+        </p:txBody>
+      </p:sp>
+    </p:spTree>
+    <p:extLst>
+      <p:ext uri="{BB962C8B-B14F-4D97-AF65-F5344CB8AC3E}">
+        <p14:creationId xmlns:p14="http://schemas.microsoft.com/office/powerpoint/2010/main" val="4041078322"/>
+      </p:ext>
+    </p:extLst>
+  </p:cSld>
+  <p:clrMapOvr>
+    <a:masterClrMapping/>
+  </p:clrMapOvr>
+</p:sld>
+</file>
+
+<file path=ppt/slides/slide15.xml><?xml version="1.0" encoding="utf-8"?>
+<p:sld xmlns:a="http://schemas.openxmlformats.org/drawingml/2006/main" xmlns:r="http://schemas.openxmlformats.org/officeDocument/2006/relationships" xmlns:p="http://schemas.openxmlformats.org/presentationml/2006/main">
+  <p:cSld>
+    <p:bg>
+      <p:bgPr>
+        <a:blipFill rotWithShape="1">
+          <a:blip r:embed="rId2">
+            <a:duotone>
+              <a:schemeClr val="bg1">
+                <a:shade val="80000"/>
+                <a:lumMod val="80000"/>
+              </a:schemeClr>
+              <a:schemeClr val="bg1">
+                <a:tint val="98000"/>
+              </a:schemeClr>
+            </a:duotone>
+          </a:blip>
+          <a:stretch/>
+        </a:blipFill>
+        <a:effectLst/>
+      </p:bgPr>
+    </p:bg>
+    <p:spTree>
+      <p:nvGrpSpPr>
+        <p:cNvPr id="1" name="">
+          <a:extLst>
+            <a:ext uri="{FF2B5EF4-FFF2-40B4-BE49-F238E27FC236}">
+              <a16:creationId xmlns:a16="http://schemas.microsoft.com/office/drawing/2014/main" id="{BE2619C2-F916-EA11-4157-16B94CD0163D}"/>
+            </a:ext>
+          </a:extLst>
+        </p:cNvPr>
+        <p:cNvGrpSpPr/>
+        <p:nvPr/>
+      </p:nvGrpSpPr>
+      <p:grpSpPr>
+        <a:xfrm>
+          <a:off x="0" y="0"/>
+          <a:ext cx="0" cy="0"/>
+          <a:chOff x="0" y="0"/>
+          <a:chExt cx="0" cy="0"/>
+        </a:xfrm>
+      </p:grpSpPr>
+      <p:sp>
+        <p:nvSpPr>
+          <p:cNvPr id="1042" name="Rectangle 1041">
+            <a:extLst>
+              <a:ext uri="{FF2B5EF4-FFF2-40B4-BE49-F238E27FC236}">
+                <a16:creationId xmlns:a16="http://schemas.microsoft.com/office/drawing/2014/main" id="{00DACFED-DFD9-4C03-9E95-FF6D8E639645}"/>
+              </a:ext>
+              <a:ext uri="{C183D7F6-B498-43B3-948B-1728B52AA6E4}">
+                <adec:decorative xmlns:adec="http://schemas.microsoft.com/office/drawing/2017/decorative" val="1"/>
+              </a:ext>
+            </a:extLst>
+          </p:cNvPr>
+          <p:cNvSpPr>
+            <a:spLocks noGrp="1" noRot="1" noChangeAspect="1" noMove="1" noResize="1" noEditPoints="1" noAdjustHandles="1" noChangeArrowheads="1" noChangeShapeType="1" noTextEdit="1"/>
+          </p:cNvSpPr>
+          <p:nvPr>
+            <p:extLst>
+              <p:ext uri="{386F3935-93C4-4BCD-93E2-E3B085C9AB24}">
+                <p16:designElem xmlns:p16="http://schemas.microsoft.com/office/powerpoint/2015/main" val="1"/>
+              </p:ext>
+            </p:extLst>
+          </p:nvPr>
+        </p:nvSpPr>
+        <p:spPr>
+          <a:xfrm>
+            <a:off x="483347" y="482600"/>
+            <a:ext cx="11240496" cy="5892800"/>
+          </a:xfrm>
+          <a:prstGeom prst="rect">
+            <a:avLst/>
+          </a:prstGeom>
+          <a:noFill/>
+          <a:ln w="190500">
+            <a:solidFill>
+              <a:schemeClr val="tx1">
+                <a:alpha val="7000"/>
+              </a:schemeClr>
+            </a:solidFill>
+          </a:ln>
+        </p:spPr>
+        <p:style>
+          <a:lnRef idx="2">
+            <a:schemeClr val="accent1">
+              <a:shade val="50000"/>
+            </a:schemeClr>
+          </a:lnRef>
+          <a:fillRef idx="1">
+            <a:schemeClr val="accent1"/>
+          </a:fillRef>
+          <a:effectRef idx="0">
+            <a:schemeClr val="accent1"/>
+          </a:effectRef>
+          <a:fontRef idx="minor">
+            <a:schemeClr val="lt1"/>
+          </a:fontRef>
+        </p:style>
+        <p:txBody>
+          <a:bodyPr rtlCol="0" anchor="ctr"/>
+          <a:lstStyle/>
+          <a:p>
+            <a:pPr algn="ctr"/>
+            <a:endParaRPr lang="en-US"/>
+          </a:p>
+        </p:txBody>
+      </p:sp>
+      <p:sp>
+        <p:nvSpPr>
+          <p:cNvPr id="1041" name="Rectangle 1040">
+            <a:extLst>
+              <a:ext uri="{FF2B5EF4-FFF2-40B4-BE49-F238E27FC236}">
+                <a16:creationId xmlns:a16="http://schemas.microsoft.com/office/drawing/2014/main" id="{62CA5141-8120-4ADA-BCF1-3A4449FE616C}"/>
+              </a:ext>
+              <a:ext uri="{C183D7F6-B498-43B3-948B-1728B52AA6E4}">
+                <adec:decorative xmlns:adec="http://schemas.microsoft.com/office/drawing/2017/decorative" val="1"/>
+              </a:ext>
+            </a:extLst>
+          </p:cNvPr>
+          <p:cNvSpPr>
+            <a:spLocks noGrp="1" noRot="1" noChangeAspect="1" noMove="1" noResize="1" noEditPoints="1" noAdjustHandles="1" noChangeArrowheads="1" noChangeShapeType="1" noTextEdit="1"/>
+          </p:cNvSpPr>
+          <p:nvPr>
+            <p:extLst>
+              <p:ext uri="{386F3935-93C4-4BCD-93E2-E3B085C9AB24}">
+                <p16:designElem xmlns:p16="http://schemas.microsoft.com/office/powerpoint/2015/main" val="1"/>
+              </p:ext>
+            </p:extLst>
+          </p:nvPr>
+        </p:nvSpPr>
+        <p:spPr>
+          <a:xfrm>
+            <a:off x="483347" y="482600"/>
+            <a:ext cx="11240496" cy="5892800"/>
+          </a:xfrm>
+          <a:prstGeom prst="rect">
+            <a:avLst/>
+          </a:prstGeom>
+          <a:solidFill>
+            <a:srgbClr val="FFFFFF"/>
+          </a:solidFill>
+          <a:ln>
+            <a:noFill/>
+          </a:ln>
+        </p:spPr>
+        <p:style>
+          <a:lnRef idx="2">
+            <a:schemeClr val="accent1">
+              <a:shade val="50000"/>
+            </a:schemeClr>
+          </a:lnRef>
+          <a:fillRef idx="1">
+            <a:schemeClr val="accent1"/>
+          </a:fillRef>
+          <a:effectRef idx="0">
+            <a:schemeClr val="accent1"/>
+          </a:effectRef>
+          <a:fontRef idx="minor">
+            <a:schemeClr val="lt1"/>
+          </a:fontRef>
+        </p:style>
+        <p:txBody>
+          <a:bodyPr rtlCol="0" anchor="ctr"/>
+          <a:lstStyle/>
+          <a:p>
+            <a:pPr algn="ctr"/>
+            <a:endParaRPr lang="en-US"/>
+          </a:p>
+        </p:txBody>
+      </p:sp>
+      <p:pic>
+        <p:nvPicPr>
+          <p:cNvPr id="1026" name="Picture 2">
+            <a:extLst>
+              <a:ext uri="{FF2B5EF4-FFF2-40B4-BE49-F238E27FC236}">
+                <a16:creationId xmlns:a16="http://schemas.microsoft.com/office/drawing/2014/main" id="{1FF9DE52-258B-622A-AAB7-EB4AA62820CD}"/>
+              </a:ext>
+            </a:extLst>
+          </p:cNvPr>
+          <p:cNvPicPr>
+            <a:picLocks noChangeAspect="1" noChangeArrowheads="1"/>
+          </p:cNvPicPr>
+          <p:nvPr/>
+        </p:nvPicPr>
+        <p:blipFill rotWithShape="1">
+          <a:blip r:embed="rId3">
+            <a:extLst>
+              <a:ext uri="{28A0092B-C50C-407E-A947-70E740481C1C}">
+                <a14:useLocalDpi xmlns:a14="http://schemas.microsoft.com/office/drawing/2010/main" val="0"/>
+              </a:ext>
+            </a:extLst>
+          </a:blip>
+          <a:srcRect l="17909" r="17829" b="-2"/>
+          <a:stretch/>
+        </p:blipFill>
+        <p:spPr bwMode="auto">
+          <a:xfrm>
+            <a:off x="643467" y="643467"/>
+            <a:ext cx="5372099" cy="5571066"/>
+          </a:xfrm>
+          <a:prstGeom prst="rect">
+            <a:avLst/>
+          </a:prstGeom>
+          <a:noFill/>
+          <a:extLst>
+            <a:ext uri="{909E8E84-426E-40DD-AFC4-6F175D3DCCD1}">
+              <a14:hiddenFill xmlns:a14="http://schemas.microsoft.com/office/drawing/2010/main">
+                <a:solidFill>
+                  <a:srgbClr val="FFFFFF"/>
+                </a:solidFill>
+              </a14:hiddenFill>
+            </a:ext>
+          </a:extLst>
+        </p:spPr>
+      </p:pic>
+      <p:pic>
+        <p:nvPicPr>
+          <p:cNvPr id="1034" name="Picture 10" descr="Flag of Moldova | History, Design &amp; Meaning | Britannica">
+            <a:extLst>
+              <a:ext uri="{FF2B5EF4-FFF2-40B4-BE49-F238E27FC236}">
+                <a16:creationId xmlns:a16="http://schemas.microsoft.com/office/drawing/2014/main" id="{EDACBF2A-4980-7A4F-BC17-D3B6096B1253}"/>
+              </a:ext>
+            </a:extLst>
+          </p:cNvPr>
+          <p:cNvPicPr>
+            <a:picLocks noChangeAspect="1" noChangeArrowheads="1"/>
+          </p:cNvPicPr>
+          <p:nvPr/>
+        </p:nvPicPr>
+        <p:blipFill rotWithShape="1">
+          <a:blip r:embed="rId4">
+            <a:extLst>
+              <a:ext uri="{28A0092B-C50C-407E-A947-70E740481C1C}">
+                <a14:useLocalDpi xmlns:a14="http://schemas.microsoft.com/office/drawing/2010/main" val="0"/>
+              </a:ext>
+            </a:extLst>
+          </a:blip>
+          <a:srcRect l="25524" r="26261" b="-1"/>
+          <a:stretch/>
+        </p:blipFill>
+        <p:spPr bwMode="auto">
+          <a:xfrm>
+            <a:off x="6175686" y="643467"/>
+            <a:ext cx="5372099" cy="5571066"/>
+          </a:xfrm>
+          <a:prstGeom prst="rect">
+            <a:avLst/>
+          </a:prstGeom>
+          <a:noFill/>
+          <a:extLst>
+            <a:ext uri="{909E8E84-426E-40DD-AFC4-6F175D3DCCD1}">
+              <a14:hiddenFill xmlns:a14="http://schemas.microsoft.com/office/drawing/2010/main">
+                <a:solidFill>
+                  <a:srgbClr val="FFFFFF"/>
+                </a:solidFill>
+              </a14:hiddenFill>
+            </a:ext>
+          </a:extLst>
+        </p:spPr>
+      </p:pic>
+    </p:spTree>
+    <p:extLst>
+      <p:ext uri="{BB962C8B-B14F-4D97-AF65-F5344CB8AC3E}">
+        <p14:creationId xmlns:p14="http://schemas.microsoft.com/office/powerpoint/2010/main" val="1706831088"/>
       </p:ext>
     </p:extLst>
   </p:cSld>
@@ -10130,7 +13240,15 @@
             </a:r>
             <a:r>
               <a:rPr lang="en-US" dirty="0"/>
-              <a:t>, pe care </a:t>
+              <a:t> </a:t>
+            </a:r>
+            <a:r>
+              <a:rPr lang="en-US"/>
+              <a:t>computationale, </a:t>
+            </a:r>
+            <a:r>
+              <a:rPr lang="en-US" dirty="0"/>
+              <a:t>pe care </a:t>
             </a:r>
             <a:r>
               <a:rPr lang="en-US" dirty="0" err="1"/>
